--- a/AMLD 2020/Part 04 - Privacy.pptx
+++ b/AMLD 2020/Part 04 - Privacy.pptx
@@ -1,26 +1,26 @@
 
 <file path=ppt/presentation.xml><?xml version="1.0" encoding="utf-8"?>
-<p:presentation xmlns:a="http://schemas.openxmlformats.org/drawingml/2006/main" xmlns:r="http://schemas.openxmlformats.org/officeDocument/2006/relationships" xmlns:p="http://schemas.openxmlformats.org/presentationml/2006/main" xmlns:m="http://schemas.openxmlformats.org/officeDocument/2006/math" xmlns:a14="http://schemas.microsoft.com/office/drawing/2010/main">
+<p:presentation xmlns:a="http://schemas.openxmlformats.org/drawingml/2006/main" xmlns:r="http://schemas.openxmlformats.org/officeDocument/2006/relationships" xmlns:p="http://schemas.openxmlformats.org/presentationml/2006/main">
   <p:sldMasterIdLst>
-    <p:sldMasterId id="2147483648" r:id="rId5"/>
+    <p:sldMasterId id="2147483648" r:id="rId1"/>
   </p:sldMasterIdLst>
   <p:notesMasterIdLst>
-    <p:notesMasterId r:id="rId7"/>
+    <p:notesMasterId r:id="rId15"/>
   </p:notesMasterIdLst>
   <p:sldIdLst>
-    <p:sldId id="256" r:id="rId8"/>
-    <p:sldId id="257" r:id="rId9"/>
-    <p:sldId id="258" r:id="rId10"/>
-    <p:sldId id="259" r:id="rId11"/>
-    <p:sldId id="260" r:id="rId12"/>
-    <p:sldId id="261" r:id="rId13"/>
-    <p:sldId id="262" r:id="rId14"/>
-    <p:sldId id="263" r:id="rId15"/>
-    <p:sldId id="264" r:id="rId16"/>
-    <p:sldId id="265" r:id="rId17"/>
-    <p:sldId id="266" r:id="rId18"/>
-    <p:sldId id="267" r:id="rId19"/>
-    <p:sldId id="268" r:id="rId20"/>
+    <p:sldId id="256" r:id="rId2"/>
+    <p:sldId id="257" r:id="rId3"/>
+    <p:sldId id="258" r:id="rId4"/>
+    <p:sldId id="259" r:id="rId5"/>
+    <p:sldId id="260" r:id="rId6"/>
+    <p:sldId id="261" r:id="rId7"/>
+    <p:sldId id="262" r:id="rId8"/>
+    <p:sldId id="263" r:id="rId9"/>
+    <p:sldId id="264" r:id="rId10"/>
+    <p:sldId id="265" r:id="rId11"/>
+    <p:sldId id="266" r:id="rId12"/>
+    <p:sldId id="267" r:id="rId13"/>
+    <p:sldId id="268" r:id="rId14"/>
   </p:sldIdLst>
   <p:sldSz cx="24384000" cy="13716000"/>
   <p:notesSz cx="6858000" cy="9144000"/>
@@ -40,7 +40,7 @@
       <a:buFontTx/>
       <a:buNone/>
       <a:tabLst/>
-      <a:defRPr b="0" baseline="0" cap="none" i="0" spc="0" strike="noStrike" sz="1800" u="none" kumimoji="0" normalizeH="0">
+      <a:defRPr kumimoji="0" sz="1800" b="0" i="0" u="none" strike="noStrike" cap="none" spc="0" normalizeH="0" baseline="0">
         <a:ln>
           <a:noFill/>
         </a:ln>
@@ -66,7 +66,7 @@
       <a:buFontTx/>
       <a:buNone/>
       <a:tabLst/>
-      <a:defRPr b="0" baseline="0" cap="none" i="0" spc="0" strike="noStrike" sz="5000" u="none" kumimoji="0" normalizeH="0">
+      <a:defRPr kumimoji="0" sz="5000" b="0" i="0" u="none" strike="noStrike" cap="none" spc="0" normalizeH="0" baseline="0">
         <a:ln>
           <a:noFill/>
         </a:ln>
@@ -96,7 +96,7 @@
       <a:buFontTx/>
       <a:buNone/>
       <a:tabLst/>
-      <a:defRPr b="0" baseline="0" cap="none" i="0" spc="0" strike="noStrike" sz="5000" u="none" kumimoji="0" normalizeH="0">
+      <a:defRPr kumimoji="0" sz="5000" b="0" i="0" u="none" strike="noStrike" cap="none" spc="0" normalizeH="0" baseline="0">
         <a:ln>
           <a:noFill/>
         </a:ln>
@@ -126,7 +126,7 @@
       <a:buFontTx/>
       <a:buNone/>
       <a:tabLst/>
-      <a:defRPr b="0" baseline="0" cap="none" i="0" spc="0" strike="noStrike" sz="5000" u="none" kumimoji="0" normalizeH="0">
+      <a:defRPr kumimoji="0" sz="5000" b="0" i="0" u="none" strike="noStrike" cap="none" spc="0" normalizeH="0" baseline="0">
         <a:ln>
           <a:noFill/>
         </a:ln>
@@ -156,7 +156,7 @@
       <a:buFontTx/>
       <a:buNone/>
       <a:tabLst/>
-      <a:defRPr b="0" baseline="0" cap="none" i="0" spc="0" strike="noStrike" sz="5000" u="none" kumimoji="0" normalizeH="0">
+      <a:defRPr kumimoji="0" sz="5000" b="0" i="0" u="none" strike="noStrike" cap="none" spc="0" normalizeH="0" baseline="0">
         <a:ln>
           <a:noFill/>
         </a:ln>
@@ -186,7 +186,7 @@
       <a:buFontTx/>
       <a:buNone/>
       <a:tabLst/>
-      <a:defRPr b="0" baseline="0" cap="none" i="0" spc="0" strike="noStrike" sz="5000" u="none" kumimoji="0" normalizeH="0">
+      <a:defRPr kumimoji="0" sz="5000" b="0" i="0" u="none" strike="noStrike" cap="none" spc="0" normalizeH="0" baseline="0">
         <a:ln>
           <a:noFill/>
         </a:ln>
@@ -216,7 +216,7 @@
       <a:buFontTx/>
       <a:buNone/>
       <a:tabLst/>
-      <a:defRPr b="0" baseline="0" cap="none" i="0" spc="0" strike="noStrike" sz="5000" u="none" kumimoji="0" normalizeH="0">
+      <a:defRPr kumimoji="0" sz="5000" b="0" i="0" u="none" strike="noStrike" cap="none" spc="0" normalizeH="0" baseline="0">
         <a:ln>
           <a:noFill/>
         </a:ln>
@@ -246,7 +246,7 @@
       <a:buFontTx/>
       <a:buNone/>
       <a:tabLst/>
-      <a:defRPr b="0" baseline="0" cap="none" i="0" spc="0" strike="noStrike" sz="5000" u="none" kumimoji="0" normalizeH="0">
+      <a:defRPr kumimoji="0" sz="5000" b="0" i="0" u="none" strike="noStrike" cap="none" spc="0" normalizeH="0" baseline="0">
         <a:ln>
           <a:noFill/>
         </a:ln>
@@ -276,7 +276,7 @@
       <a:buFontTx/>
       <a:buNone/>
       <a:tabLst/>
-      <a:defRPr b="0" baseline="0" cap="none" i="0" spc="0" strike="noStrike" sz="5000" u="none" kumimoji="0" normalizeH="0">
+      <a:defRPr kumimoji="0" sz="5000" b="0" i="0" u="none" strike="noStrike" cap="none" spc="0" normalizeH="0" baseline="0">
         <a:ln>
           <a:noFill/>
         </a:ln>
@@ -306,7 +306,7 @@
       <a:buFontTx/>
       <a:buNone/>
       <a:tabLst/>
-      <a:defRPr b="0" baseline="0" cap="none" i="0" spc="0" strike="noStrike" sz="5000" u="none" kumimoji="0" normalizeH="0">
+      <a:defRPr kumimoji="0" sz="5000" b="0" i="0" u="none" strike="noStrike" cap="none" spc="0" normalizeH="0" baseline="0">
         <a:ln>
           <a:noFill/>
         </a:ln>
@@ -325,13 +325,14 @@
 </p:presentation>
 </file>
 
-<file path=ppt/commentAuthors.xml><?xml version="1.0" encoding="utf-8"?>
-<p:cmAuthorLst xmlns:a="http://schemas.openxmlformats.org/drawingml/2006/main" xmlns:r="http://schemas.openxmlformats.org/officeDocument/2006/relationships" xmlns:p="http://schemas.openxmlformats.org/presentationml/2006/main" xmlns:m="http://schemas.openxmlformats.org/officeDocument/2006/math" xmlns:a14="http://schemas.microsoft.com/office/drawing/2010/main"/>
-</file>
-
 <file path=ppt/notesMasters/notesMaster1.xml><?xml version="1.0" encoding="utf-8"?>
-<p:notesMaster xmlns:a="http://schemas.openxmlformats.org/drawingml/2006/main" xmlns:r="http://schemas.openxmlformats.org/officeDocument/2006/relationships" xmlns:p="http://schemas.openxmlformats.org/presentationml/2006/main" xmlns:m="http://schemas.openxmlformats.org/officeDocument/2006/math" xmlns:a14="http://schemas.microsoft.com/office/drawing/2010/main">
+<p:notesMaster xmlns:a="http://schemas.openxmlformats.org/drawingml/2006/main" xmlns:r="http://schemas.openxmlformats.org/officeDocument/2006/relationships" xmlns:p="http://schemas.openxmlformats.org/presentationml/2006/main">
   <p:cSld>
+    <p:bg>
+      <p:bgRef idx="1001">
+        <a:schemeClr val="bg1"/>
+      </p:bgRef>
+    </p:bg>
     <p:spTree>
       <p:nvGrpSpPr>
         <p:cNvPr id="1" name=""/>
@@ -349,7 +350,9 @@
       <p:sp>
         <p:nvSpPr>
           <p:cNvPr id="139" name="Shape 139"/>
-          <p:cNvSpPr/>
+          <p:cNvSpPr>
+            <a:spLocks noGrp="1" noRot="1" noChangeAspect="1"/>
+          </p:cNvSpPr>
           <p:nvPr>
             <p:ph type="sldImg"/>
           </p:nvPr>
@@ -367,14 +370,16 @@
           <a:bodyPr/>
           <a:lstStyle/>
           <a:p>
-            <a:pPr/>
+            <a:endParaRPr/>
           </a:p>
         </p:txBody>
       </p:sp>
       <p:sp>
         <p:nvSpPr>
           <p:cNvPr id="140" name="Shape 140"/>
-          <p:cNvSpPr/>
+          <p:cNvSpPr>
+            <a:spLocks noGrp="1"/>
+          </p:cNvSpPr>
           <p:nvPr>
             <p:ph type="body" sz="quarter" idx="1"/>
           </p:nvPr>
@@ -392,7 +397,7 @@
           <a:bodyPr/>
           <a:lstStyle/>
           <a:p>
-            <a:pPr/>
+            <a:endParaRPr/>
           </a:p>
         </p:txBody>
       </p:sp>
@@ -504,7 +509,7 @@
 </file>
 
 <file path=ppt/slideLayouts/slideLayout1.xml><?xml version="1.0" encoding="utf-8"?>
-<p:sldLayout xmlns:a="http://schemas.openxmlformats.org/drawingml/2006/main" xmlns:r="http://schemas.openxmlformats.org/officeDocument/2006/relationships" xmlns:p="http://schemas.openxmlformats.org/presentationml/2006/main" xmlns:m="http://schemas.openxmlformats.org/officeDocument/2006/math" xmlns:a14="http://schemas.microsoft.com/office/drawing/2010/main" type="title" showMasterSp="1" showMasterPhAnim="1">
+<p:sldLayout xmlns:a="http://schemas.openxmlformats.org/drawingml/2006/main" xmlns:r="http://schemas.openxmlformats.org/officeDocument/2006/relationships" xmlns:p="http://schemas.openxmlformats.org/presentationml/2006/main" type="title">
   <p:cSld name="Titolo e sottotitolo">
     <p:spTree>
       <p:nvGrpSpPr>
@@ -523,7 +528,9 @@
       <p:sp>
         <p:nvSpPr>
           <p:cNvPr id="11" name="Titolo Testo"/>
-          <p:cNvSpPr txBox="1"/>
+          <p:cNvSpPr txBox="1">
+            <a:spLocks noGrp="1"/>
+          </p:cNvSpPr>
           <p:nvPr>
             <p:ph type="title"/>
           </p:nvPr>
@@ -541,7 +548,6 @@
           <a:bodyPr anchor="b"/>
           <a:lstStyle/>
           <a:p>
-            <a:pPr/>
             <a:r>
               <a:t>Titolo Testo</a:t>
             </a:r>
@@ -551,7 +557,9 @@
       <p:sp>
         <p:nvSpPr>
           <p:cNvPr id="12" name="Corpo livello uno…"/>
-          <p:cNvSpPr txBox="1"/>
+          <p:cNvSpPr txBox="1">
+            <a:spLocks noGrp="1"/>
+          </p:cNvSpPr>
           <p:nvPr>
             <p:ph type="body" sz="quarter" idx="1"/>
           </p:nvPr>
@@ -620,7 +628,6 @@
             </a:lvl5pPr>
           </a:lstStyle>
           <a:p>
-            <a:pPr/>
             <a:r>
               <a:t>Corpo livello uno</a:t>
             </a:r>
@@ -654,7 +661,9 @@
       <p:sp>
         <p:nvSpPr>
           <p:cNvPr id="13" name="Numero diapositiva"/>
-          <p:cNvSpPr txBox="1"/>
+          <p:cNvSpPr txBox="1">
+            <a:spLocks noGrp="1"/>
+          </p:cNvSpPr>
           <p:nvPr>
             <p:ph type="sldNum" sz="quarter" idx="2"/>
           </p:nvPr>
@@ -668,8 +677,10 @@
           <a:bodyPr/>
           <a:lstStyle/>
           <a:p>
-            <a:pPr/>
-            <a:fld id="{86CB4B4D-7CA3-9044-876B-883B54F8677D}" type="slidenum"/>
+            <a:fld id="{86CB4B4D-7CA3-9044-876B-883B54F8677D}" type="slidenum">
+              <a:t>‹N›</a:t>
+            </a:fld>
+            <a:endParaRPr/>
           </a:p>
         </p:txBody>
       </p:sp>
@@ -678,12 +689,12 @@
   <p:clrMapOvr>
     <a:masterClrMapping/>
   </p:clrMapOvr>
-  <p:transition xmlns:p14="http://schemas.microsoft.com/office/powerpoint/2010/main" spd="med" advClick="1"/>
+  <p:transition spd="med"/>
 </p:sldLayout>
 </file>
 
 <file path=ppt/slideLayouts/slideLayout10.xml><?xml version="1.0" encoding="utf-8"?>
-<p:sldLayout xmlns:a="http://schemas.openxmlformats.org/drawingml/2006/main" xmlns:r="http://schemas.openxmlformats.org/officeDocument/2006/relationships" xmlns:p="http://schemas.openxmlformats.org/presentationml/2006/main" xmlns:m="http://schemas.openxmlformats.org/officeDocument/2006/math" xmlns:a14="http://schemas.microsoft.com/office/drawing/2010/main" type="tx" showMasterSp="1" showMasterPhAnim="1">
+<p:sldLayout xmlns:a="http://schemas.openxmlformats.org/drawingml/2006/main" xmlns:r="http://schemas.openxmlformats.org/officeDocument/2006/relationships" xmlns:p="http://schemas.openxmlformats.org/presentationml/2006/main" type="tx">
   <p:cSld name="Citazione">
     <p:spTree>
       <p:nvGrpSpPr>
@@ -702,7 +713,9 @@
       <p:sp>
         <p:nvSpPr>
           <p:cNvPr id="93" name="–Giovanni Mela"/>
-          <p:cNvSpPr txBox="1"/>
+          <p:cNvSpPr txBox="1">
+            <a:spLocks noGrp="1"/>
+          </p:cNvSpPr>
           <p:nvPr>
             <p:ph type="body" sz="quarter" idx="13"/>
           </p:nvPr>
@@ -731,7 +744,6 @@
             </a:lvl1pPr>
           </a:lstStyle>
           <a:p>
-            <a:pPr/>
             <a:r>
               <a:t>–Giovanni Mela</a:t>
             </a:r>
@@ -741,7 +753,9 @@
       <p:sp>
         <p:nvSpPr>
           <p:cNvPr id="94" name="“Inserisci qui una citazione”."/>
-          <p:cNvSpPr txBox="1"/>
+          <p:cNvSpPr txBox="1">
+            <a:spLocks noGrp="1"/>
+          </p:cNvSpPr>
           <p:nvPr>
             <p:ph type="body" sz="quarter" idx="14"/>
           </p:nvPr>
@@ -769,7 +783,6 @@
             </a:lvl1pPr>
           </a:lstStyle>
           <a:p>
-            <a:pPr/>
             <a:r>
               <a:t>“Inserisci qui una citazione”.</a:t>
             </a:r>
@@ -779,7 +792,9 @@
       <p:sp>
         <p:nvSpPr>
           <p:cNvPr id="95" name="Numero diapositiva"/>
-          <p:cNvSpPr txBox="1"/>
+          <p:cNvSpPr txBox="1">
+            <a:spLocks noGrp="1"/>
+          </p:cNvSpPr>
           <p:nvPr>
             <p:ph type="sldNum" sz="quarter" idx="2"/>
           </p:nvPr>
@@ -793,8 +808,10 @@
           <a:bodyPr/>
           <a:lstStyle/>
           <a:p>
-            <a:pPr/>
-            <a:fld id="{86CB4B4D-7CA3-9044-876B-883B54F8677D}" type="slidenum"/>
+            <a:fld id="{86CB4B4D-7CA3-9044-876B-883B54F8677D}" type="slidenum">
+              <a:t>‹N›</a:t>
+            </a:fld>
+            <a:endParaRPr/>
           </a:p>
         </p:txBody>
       </p:sp>
@@ -803,12 +820,12 @@
   <p:clrMapOvr>
     <a:masterClrMapping/>
   </p:clrMapOvr>
-  <p:transition xmlns:p14="http://schemas.microsoft.com/office/powerpoint/2010/main" spd="med" advClick="1"/>
+  <p:transition spd="med"/>
 </p:sldLayout>
 </file>
 
 <file path=ppt/slideLayouts/slideLayout11.xml><?xml version="1.0" encoding="utf-8"?>
-<p:sldLayout xmlns:a="http://schemas.openxmlformats.org/drawingml/2006/main" xmlns:r="http://schemas.openxmlformats.org/officeDocument/2006/relationships" xmlns:p="http://schemas.openxmlformats.org/presentationml/2006/main" xmlns:m="http://schemas.openxmlformats.org/officeDocument/2006/math" xmlns:a14="http://schemas.microsoft.com/office/drawing/2010/main" type="tx" showMasterSp="1" showMasterPhAnim="1">
+<p:sldLayout xmlns:a="http://schemas.openxmlformats.org/drawingml/2006/main" xmlns:r="http://schemas.openxmlformats.org/officeDocument/2006/relationships" xmlns:p="http://schemas.openxmlformats.org/presentationml/2006/main" type="tx">
   <p:cSld name="Foto">
     <p:spTree>
       <p:nvGrpSpPr>
@@ -827,7 +844,9 @@
       <p:sp>
         <p:nvSpPr>
           <p:cNvPr id="102" name="Immagine"/>
-          <p:cNvSpPr/>
+          <p:cNvSpPr>
+            <a:spLocks noGrp="1"/>
+          </p:cNvSpPr>
           <p:nvPr>
             <p:ph type="pic" idx="13"/>
           </p:nvPr>
@@ -847,14 +866,16 @@
           </a:bodyPr>
           <a:lstStyle/>
           <a:p>
-            <a:pPr/>
+            <a:endParaRPr/>
           </a:p>
         </p:txBody>
       </p:sp>
       <p:sp>
         <p:nvSpPr>
           <p:cNvPr id="103" name="Numero diapositiva"/>
-          <p:cNvSpPr txBox="1"/>
+          <p:cNvSpPr txBox="1">
+            <a:spLocks noGrp="1"/>
+          </p:cNvSpPr>
           <p:nvPr>
             <p:ph type="sldNum" sz="quarter" idx="2"/>
           </p:nvPr>
@@ -868,8 +889,10 @@
           <a:bodyPr/>
           <a:lstStyle/>
           <a:p>
-            <a:pPr/>
-            <a:fld id="{86CB4B4D-7CA3-9044-876B-883B54F8677D}" type="slidenum"/>
+            <a:fld id="{86CB4B4D-7CA3-9044-876B-883B54F8677D}" type="slidenum">
+              <a:t>‹N›</a:t>
+            </a:fld>
+            <a:endParaRPr/>
           </a:p>
         </p:txBody>
       </p:sp>
@@ -878,12 +901,12 @@
   <p:clrMapOvr>
     <a:masterClrMapping/>
   </p:clrMapOvr>
-  <p:transition xmlns:p14="http://schemas.microsoft.com/office/powerpoint/2010/main" spd="med" advClick="1"/>
+  <p:transition spd="med"/>
 </p:sldLayout>
 </file>
 
 <file path=ppt/slideLayouts/slideLayout12.xml><?xml version="1.0" encoding="utf-8"?>
-<p:sldLayout xmlns:a="http://schemas.openxmlformats.org/drawingml/2006/main" xmlns:r="http://schemas.openxmlformats.org/officeDocument/2006/relationships" xmlns:p="http://schemas.openxmlformats.org/presentationml/2006/main" xmlns:m="http://schemas.openxmlformats.org/officeDocument/2006/math" xmlns:a14="http://schemas.microsoft.com/office/drawing/2010/main" type="tx" showMasterSp="1" showMasterPhAnim="1">
+<p:sldLayout xmlns:a="http://schemas.openxmlformats.org/drawingml/2006/main" xmlns:r="http://schemas.openxmlformats.org/officeDocument/2006/relationships" xmlns:p="http://schemas.openxmlformats.org/presentationml/2006/main" type="tx">
   <p:cSld name="Vuoto">
     <p:spTree>
       <p:nvGrpSpPr>
@@ -902,7 +925,9 @@
       <p:sp>
         <p:nvSpPr>
           <p:cNvPr id="110" name="Numero diapositiva"/>
-          <p:cNvSpPr txBox="1"/>
+          <p:cNvSpPr txBox="1">
+            <a:spLocks noGrp="1"/>
+          </p:cNvSpPr>
           <p:nvPr>
             <p:ph type="sldNum" sz="quarter" idx="2"/>
           </p:nvPr>
@@ -916,8 +941,10 @@
           <a:bodyPr/>
           <a:lstStyle/>
           <a:p>
-            <a:pPr/>
-            <a:fld id="{86CB4B4D-7CA3-9044-876B-883B54F8677D}" type="slidenum"/>
+            <a:fld id="{86CB4B4D-7CA3-9044-876B-883B54F8677D}" type="slidenum">
+              <a:t>‹N›</a:t>
+            </a:fld>
+            <a:endParaRPr/>
           </a:p>
         </p:txBody>
       </p:sp>
@@ -926,18 +953,19 @@
   <p:clrMapOvr>
     <a:masterClrMapping/>
   </p:clrMapOvr>
-  <p:transition xmlns:p14="http://schemas.microsoft.com/office/powerpoint/2010/main" spd="med" advClick="1"/>
+  <p:transition spd="med"/>
 </p:sldLayout>
 </file>
 
 <file path=ppt/slideLayouts/slideLayout13.xml><?xml version="1.0" encoding="utf-8"?>
-<p:sldLayout xmlns:a="http://schemas.openxmlformats.org/drawingml/2006/main" xmlns:r="http://schemas.openxmlformats.org/officeDocument/2006/relationships" xmlns:p="http://schemas.openxmlformats.org/presentationml/2006/main" xmlns:m="http://schemas.openxmlformats.org/officeDocument/2006/math" xmlns:a14="http://schemas.microsoft.com/office/drawing/2010/main" type="tx" showMasterSp="1" showMasterPhAnim="1">
+<p:sldLayout xmlns:a="http://schemas.openxmlformats.org/drawingml/2006/main" xmlns:r="http://schemas.openxmlformats.org/officeDocument/2006/relationships" xmlns:p="http://schemas.openxmlformats.org/presentationml/2006/main" type="tx">
   <p:cSld name="CAPTION_ONLY">
     <p:bg>
       <p:bgPr>
         <a:solidFill>
           <a:srgbClr val="FFFFFF"/>
         </a:solidFill>
+        <a:effectLst/>
       </p:bgPr>
     </p:bg>
     <p:spTree>
@@ -957,7 +985,9 @@
       <p:sp>
         <p:nvSpPr>
           <p:cNvPr id="117" name="Corpo livello uno…"/>
-          <p:cNvSpPr txBox="1"/>
+          <p:cNvSpPr txBox="1">
+            <a:spLocks noGrp="1"/>
+          </p:cNvSpPr>
           <p:nvPr>
             <p:ph type="body" sz="quarter" idx="1"/>
           </p:nvPr>
@@ -1056,7 +1086,6 @@
             </a:lvl5pPr>
           </a:lstStyle>
           <a:p>
-            <a:pPr/>
             <a:r>
               <a:t>Corpo livello uno</a:t>
             </a:r>
@@ -1090,7 +1119,9 @@
       <p:sp>
         <p:nvSpPr>
           <p:cNvPr id="118" name="Numero diapositiva"/>
-          <p:cNvSpPr txBox="1"/>
+          <p:cNvSpPr txBox="1">
+            <a:spLocks noGrp="1"/>
+          </p:cNvSpPr>
           <p:nvPr>
             <p:ph type="sldNum" sz="quarter" idx="2"/>
           </p:nvPr>
@@ -1120,8 +1151,10 @@
             </a:lvl1pPr>
           </a:lstStyle>
           <a:p>
-            <a:pPr/>
-            <a:fld id="{86CB4B4D-7CA3-9044-876B-883B54F8677D}" type="slidenum"/>
+            <a:fld id="{86CB4B4D-7CA3-9044-876B-883B54F8677D}" type="slidenum">
+              <a:t>‹N›</a:t>
+            </a:fld>
+            <a:endParaRPr/>
           </a:p>
         </p:txBody>
       </p:sp>
@@ -1130,18 +1163,19 @@
   <p:clrMapOvr>
     <a:masterClrMapping/>
   </p:clrMapOvr>
-  <p:transition xmlns:p14="http://schemas.microsoft.com/office/powerpoint/2010/main" spd="med" advClick="1"/>
+  <p:transition spd="med"/>
 </p:sldLayout>
 </file>
 
 <file path=ppt/slideLayouts/slideLayout14.xml><?xml version="1.0" encoding="utf-8"?>
-<p:sldLayout xmlns:a="http://schemas.openxmlformats.org/drawingml/2006/main" xmlns:r="http://schemas.openxmlformats.org/officeDocument/2006/relationships" xmlns:p="http://schemas.openxmlformats.org/presentationml/2006/main" xmlns:m="http://schemas.openxmlformats.org/officeDocument/2006/math" xmlns:a14="http://schemas.microsoft.com/office/drawing/2010/main" type="tx" showMasterSp="1" showMasterPhAnim="1">
+<p:sldLayout xmlns:a="http://schemas.openxmlformats.org/drawingml/2006/main" xmlns:r="http://schemas.openxmlformats.org/officeDocument/2006/relationships" xmlns:p="http://schemas.openxmlformats.org/presentationml/2006/main" type="tx">
   <p:cSld name="TITLE_AND_BODY">
     <p:bg>
       <p:bgPr>
         <a:solidFill>
           <a:srgbClr val="FFFFFF"/>
         </a:solidFill>
+        <a:effectLst/>
       </p:bgPr>
     </p:bg>
     <p:spTree>
@@ -1161,7 +1195,9 @@
       <p:sp>
         <p:nvSpPr>
           <p:cNvPr id="125" name="Numero diapositiva"/>
-          <p:cNvSpPr txBox="1"/>
+          <p:cNvSpPr txBox="1">
+            <a:spLocks noGrp="1"/>
+          </p:cNvSpPr>
           <p:nvPr>
             <p:ph type="sldNum" sz="quarter" idx="2"/>
           </p:nvPr>
@@ -1191,8 +1227,10 @@
             </a:lvl1pPr>
           </a:lstStyle>
           <a:p>
-            <a:pPr/>
-            <a:fld id="{86CB4B4D-7CA3-9044-876B-883B54F8677D}" type="slidenum"/>
+            <a:fld id="{86CB4B4D-7CA3-9044-876B-883B54F8677D}" type="slidenum">
+              <a:t>‹N›</a:t>
+            </a:fld>
+            <a:endParaRPr/>
           </a:p>
         </p:txBody>
       </p:sp>
@@ -1201,18 +1239,19 @@
   <p:clrMapOvr>
     <a:masterClrMapping/>
   </p:clrMapOvr>
-  <p:transition xmlns:p14="http://schemas.microsoft.com/office/powerpoint/2010/main" spd="med" advClick="1"/>
+  <p:transition spd="med"/>
 </p:sldLayout>
 </file>
 
 <file path=ppt/slideLayouts/slideLayout15.xml><?xml version="1.0" encoding="utf-8"?>
-<p:sldLayout xmlns:a="http://schemas.openxmlformats.org/drawingml/2006/main" xmlns:r="http://schemas.openxmlformats.org/officeDocument/2006/relationships" xmlns:p="http://schemas.openxmlformats.org/presentationml/2006/main" xmlns:m="http://schemas.openxmlformats.org/officeDocument/2006/math" xmlns:a14="http://schemas.microsoft.com/office/drawing/2010/main" type="tx" showMasterSp="1" showMasterPhAnim="1">
+<p:sldLayout xmlns:a="http://schemas.openxmlformats.org/drawingml/2006/main" xmlns:r="http://schemas.openxmlformats.org/officeDocument/2006/relationships" xmlns:p="http://schemas.openxmlformats.org/presentationml/2006/main" type="tx">
   <p:cSld name="TITLE">
     <p:bg>
       <p:bgPr>
         <a:solidFill>
           <a:srgbClr val="FFFFFF"/>
         </a:solidFill>
+        <a:effectLst/>
       </p:bgPr>
     </p:bg>
     <p:spTree>
@@ -1232,7 +1271,9 @@
       <p:sp>
         <p:nvSpPr>
           <p:cNvPr id="132" name="Titolo Testo"/>
-          <p:cNvSpPr txBox="1"/>
+          <p:cNvSpPr txBox="1">
+            <a:spLocks noGrp="1"/>
+          </p:cNvSpPr>
           <p:nvPr>
             <p:ph type="title"/>
           </p:nvPr>
@@ -1250,7 +1291,7 @@
           <a:bodyPr lIns="182799" tIns="182799" rIns="182799" bIns="182799"/>
           <a:lstStyle>
             <a:lvl1pPr algn="l" defTabSz="1828800">
-              <a:defRPr cap="none" sz="7200">
+              <a:defRPr sz="7200" cap="none">
                 <a:solidFill>
                   <a:srgbClr val="3F3F3F"/>
                 </a:solidFill>
@@ -1262,7 +1303,6 @@
             </a:lvl1pPr>
           </a:lstStyle>
           <a:p>
-            <a:pPr/>
             <a:r>
               <a:t>Titolo Testo</a:t>
             </a:r>
@@ -1272,7 +1312,9 @@
       <p:sp>
         <p:nvSpPr>
           <p:cNvPr id="133" name="Numero diapositiva"/>
-          <p:cNvSpPr txBox="1"/>
+          <p:cNvSpPr txBox="1">
+            <a:spLocks noGrp="1"/>
+          </p:cNvSpPr>
           <p:nvPr>
             <p:ph type="sldNum" sz="quarter" idx="2"/>
           </p:nvPr>
@@ -1302,8 +1344,10 @@
             </a:lvl1pPr>
           </a:lstStyle>
           <a:p>
-            <a:pPr/>
-            <a:fld id="{86CB4B4D-7CA3-9044-876B-883B54F8677D}" type="slidenum"/>
+            <a:fld id="{86CB4B4D-7CA3-9044-876B-883B54F8677D}" type="slidenum">
+              <a:t>‹N›</a:t>
+            </a:fld>
+            <a:endParaRPr/>
           </a:p>
         </p:txBody>
       </p:sp>
@@ -1312,12 +1356,12 @@
   <p:clrMapOvr>
     <a:masterClrMapping/>
   </p:clrMapOvr>
-  <p:transition xmlns:p14="http://schemas.microsoft.com/office/powerpoint/2010/main" spd="med" advClick="1"/>
+  <p:transition spd="med"/>
 </p:sldLayout>
 </file>
 
 <file path=ppt/slideLayouts/slideLayout2.xml><?xml version="1.0" encoding="utf-8"?>
-<p:sldLayout xmlns:a="http://schemas.openxmlformats.org/drawingml/2006/main" xmlns:r="http://schemas.openxmlformats.org/officeDocument/2006/relationships" xmlns:p="http://schemas.openxmlformats.org/presentationml/2006/main" xmlns:m="http://schemas.openxmlformats.org/officeDocument/2006/math" xmlns:a14="http://schemas.microsoft.com/office/drawing/2010/main" type="tx" showMasterSp="1" showMasterPhAnim="1">
+<p:sldLayout xmlns:a="http://schemas.openxmlformats.org/drawingml/2006/main" xmlns:r="http://schemas.openxmlformats.org/officeDocument/2006/relationships" xmlns:p="http://schemas.openxmlformats.org/presentationml/2006/main" type="tx">
   <p:cSld name="Foto - Orizzontale">
     <p:spTree>
       <p:nvGrpSpPr>
@@ -1336,7 +1380,9 @@
       <p:sp>
         <p:nvSpPr>
           <p:cNvPr id="20" name="Immagine"/>
-          <p:cNvSpPr/>
+          <p:cNvSpPr>
+            <a:spLocks noGrp="1"/>
+          </p:cNvSpPr>
           <p:nvPr>
             <p:ph type="pic" idx="13"/>
           </p:nvPr>
@@ -1356,14 +1402,16 @@
           </a:bodyPr>
           <a:lstStyle/>
           <a:p>
-            <a:pPr/>
+            <a:endParaRPr/>
           </a:p>
         </p:txBody>
       </p:sp>
       <p:sp>
         <p:nvSpPr>
           <p:cNvPr id="21" name="Titolo Testo"/>
-          <p:cNvSpPr txBox="1"/>
+          <p:cNvSpPr txBox="1">
+            <a:spLocks noGrp="1"/>
+          </p:cNvSpPr>
           <p:nvPr>
             <p:ph type="title"/>
           </p:nvPr>
@@ -1381,7 +1429,6 @@
           <a:bodyPr/>
           <a:lstStyle/>
           <a:p>
-            <a:pPr/>
             <a:r>
               <a:t>Titolo Testo</a:t>
             </a:r>
@@ -1391,7 +1438,9 @@
       <p:sp>
         <p:nvSpPr>
           <p:cNvPr id="22" name="Corpo livello uno…"/>
-          <p:cNvSpPr txBox="1"/>
+          <p:cNvSpPr txBox="1">
+            <a:spLocks noGrp="1"/>
+          </p:cNvSpPr>
           <p:nvPr>
             <p:ph type="body" sz="quarter" idx="1"/>
           </p:nvPr>
@@ -1460,7 +1509,6 @@
             </a:lvl5pPr>
           </a:lstStyle>
           <a:p>
-            <a:pPr/>
             <a:r>
               <a:t>Corpo livello uno</a:t>
             </a:r>
@@ -1494,7 +1542,9 @@
       <p:sp>
         <p:nvSpPr>
           <p:cNvPr id="23" name="Numero diapositiva"/>
-          <p:cNvSpPr txBox="1"/>
+          <p:cNvSpPr txBox="1">
+            <a:spLocks noGrp="1"/>
+          </p:cNvSpPr>
           <p:nvPr>
             <p:ph type="sldNum" sz="quarter" idx="2"/>
           </p:nvPr>
@@ -1508,8 +1558,10 @@
           <a:bodyPr/>
           <a:lstStyle/>
           <a:p>
-            <a:pPr/>
-            <a:fld id="{86CB4B4D-7CA3-9044-876B-883B54F8677D}" type="slidenum"/>
+            <a:fld id="{86CB4B4D-7CA3-9044-876B-883B54F8677D}" type="slidenum">
+              <a:t>‹N›</a:t>
+            </a:fld>
+            <a:endParaRPr/>
           </a:p>
         </p:txBody>
       </p:sp>
@@ -1518,12 +1570,12 @@
   <p:clrMapOvr>
     <a:masterClrMapping/>
   </p:clrMapOvr>
-  <p:transition xmlns:p14="http://schemas.microsoft.com/office/powerpoint/2010/main" spd="med" advClick="1"/>
+  <p:transition spd="med"/>
 </p:sldLayout>
 </file>
 
 <file path=ppt/slideLayouts/slideLayout3.xml><?xml version="1.0" encoding="utf-8"?>
-<p:sldLayout xmlns:a="http://schemas.openxmlformats.org/drawingml/2006/main" xmlns:r="http://schemas.openxmlformats.org/officeDocument/2006/relationships" xmlns:p="http://schemas.openxmlformats.org/presentationml/2006/main" xmlns:m="http://schemas.openxmlformats.org/officeDocument/2006/math" xmlns:a14="http://schemas.microsoft.com/office/drawing/2010/main" type="tx" showMasterSp="1" showMasterPhAnim="1">
+<p:sldLayout xmlns:a="http://schemas.openxmlformats.org/drawingml/2006/main" xmlns:r="http://schemas.openxmlformats.org/officeDocument/2006/relationships" xmlns:p="http://schemas.openxmlformats.org/presentationml/2006/main" type="tx">
   <p:cSld name="Titolo - Centrato">
     <p:spTree>
       <p:nvGrpSpPr>
@@ -1542,7 +1594,9 @@
       <p:sp>
         <p:nvSpPr>
           <p:cNvPr id="30" name="Titolo Testo"/>
-          <p:cNvSpPr txBox="1"/>
+          <p:cNvSpPr txBox="1">
+            <a:spLocks noGrp="1"/>
+          </p:cNvSpPr>
           <p:nvPr>
             <p:ph type="title"/>
           </p:nvPr>
@@ -1560,7 +1614,6 @@
           <a:bodyPr/>
           <a:lstStyle/>
           <a:p>
-            <a:pPr/>
             <a:r>
               <a:t>Titolo Testo</a:t>
             </a:r>
@@ -1570,7 +1623,9 @@
       <p:sp>
         <p:nvSpPr>
           <p:cNvPr id="31" name="Numero diapositiva"/>
-          <p:cNvSpPr txBox="1"/>
+          <p:cNvSpPr txBox="1">
+            <a:spLocks noGrp="1"/>
+          </p:cNvSpPr>
           <p:nvPr>
             <p:ph type="sldNum" sz="quarter" idx="2"/>
           </p:nvPr>
@@ -1584,8 +1639,10 @@
           <a:bodyPr/>
           <a:lstStyle/>
           <a:p>
-            <a:pPr/>
-            <a:fld id="{86CB4B4D-7CA3-9044-876B-883B54F8677D}" type="slidenum"/>
+            <a:fld id="{86CB4B4D-7CA3-9044-876B-883B54F8677D}" type="slidenum">
+              <a:t>‹N›</a:t>
+            </a:fld>
+            <a:endParaRPr/>
           </a:p>
         </p:txBody>
       </p:sp>
@@ -1594,12 +1651,12 @@
   <p:clrMapOvr>
     <a:masterClrMapping/>
   </p:clrMapOvr>
-  <p:transition xmlns:p14="http://schemas.microsoft.com/office/powerpoint/2010/main" spd="med" advClick="1"/>
+  <p:transition spd="med"/>
 </p:sldLayout>
 </file>
 
 <file path=ppt/slideLayouts/slideLayout4.xml><?xml version="1.0" encoding="utf-8"?>
-<p:sldLayout xmlns:a="http://schemas.openxmlformats.org/drawingml/2006/main" xmlns:r="http://schemas.openxmlformats.org/officeDocument/2006/relationships" xmlns:p="http://schemas.openxmlformats.org/presentationml/2006/main" xmlns:m="http://schemas.openxmlformats.org/officeDocument/2006/math" xmlns:a14="http://schemas.microsoft.com/office/drawing/2010/main" type="tx" showMasterSp="1" showMasterPhAnim="1">
+<p:sldLayout xmlns:a="http://schemas.openxmlformats.org/drawingml/2006/main" xmlns:r="http://schemas.openxmlformats.org/officeDocument/2006/relationships" xmlns:p="http://schemas.openxmlformats.org/presentationml/2006/main" type="tx">
   <p:cSld name="Foto - Verticale">
     <p:spTree>
       <p:nvGrpSpPr>
@@ -1618,7 +1675,9 @@
       <p:sp>
         <p:nvSpPr>
           <p:cNvPr id="38" name="Immagine"/>
-          <p:cNvSpPr/>
+          <p:cNvSpPr>
+            <a:spLocks noGrp="1"/>
+          </p:cNvSpPr>
           <p:nvPr>
             <p:ph type="pic" sz="half" idx="13"/>
           </p:nvPr>
@@ -1638,14 +1697,16 @@
           </a:bodyPr>
           <a:lstStyle/>
           <a:p>
-            <a:pPr/>
+            <a:endParaRPr/>
           </a:p>
         </p:txBody>
       </p:sp>
       <p:sp>
         <p:nvSpPr>
           <p:cNvPr id="39" name="Titolo Testo"/>
-          <p:cNvSpPr txBox="1"/>
+          <p:cNvSpPr txBox="1">
+            <a:spLocks noGrp="1"/>
+          </p:cNvSpPr>
           <p:nvPr>
             <p:ph type="title"/>
           </p:nvPr>
@@ -1663,7 +1724,6 @@
           <a:bodyPr anchor="b"/>
           <a:lstStyle/>
           <a:p>
-            <a:pPr/>
             <a:r>
               <a:t>Titolo Testo</a:t>
             </a:r>
@@ -1673,7 +1733,9 @@
       <p:sp>
         <p:nvSpPr>
           <p:cNvPr id="40" name="Corpo livello uno…"/>
-          <p:cNvSpPr txBox="1"/>
+          <p:cNvSpPr txBox="1">
+            <a:spLocks noGrp="1"/>
+          </p:cNvSpPr>
           <p:nvPr>
             <p:ph type="body" sz="quarter" idx="1"/>
           </p:nvPr>
@@ -1742,7 +1804,6 @@
             </a:lvl5pPr>
           </a:lstStyle>
           <a:p>
-            <a:pPr/>
             <a:r>
               <a:t>Corpo livello uno</a:t>
             </a:r>
@@ -1776,7 +1837,9 @@
       <p:sp>
         <p:nvSpPr>
           <p:cNvPr id="41" name="Numero diapositiva"/>
-          <p:cNvSpPr txBox="1"/>
+          <p:cNvSpPr txBox="1">
+            <a:spLocks noGrp="1"/>
+          </p:cNvSpPr>
           <p:nvPr>
             <p:ph type="sldNum" sz="quarter" idx="2"/>
           </p:nvPr>
@@ -1790,8 +1853,10 @@
           <a:bodyPr/>
           <a:lstStyle/>
           <a:p>
-            <a:pPr/>
-            <a:fld id="{86CB4B4D-7CA3-9044-876B-883B54F8677D}" type="slidenum"/>
+            <a:fld id="{86CB4B4D-7CA3-9044-876B-883B54F8677D}" type="slidenum">
+              <a:t>‹N›</a:t>
+            </a:fld>
+            <a:endParaRPr/>
           </a:p>
         </p:txBody>
       </p:sp>
@@ -1800,12 +1865,12 @@
   <p:clrMapOvr>
     <a:masterClrMapping/>
   </p:clrMapOvr>
-  <p:transition xmlns:p14="http://schemas.microsoft.com/office/powerpoint/2010/main" spd="med" advClick="1"/>
+  <p:transition spd="med"/>
 </p:sldLayout>
 </file>
 
 <file path=ppt/slideLayouts/slideLayout5.xml><?xml version="1.0" encoding="utf-8"?>
-<p:sldLayout xmlns:a="http://schemas.openxmlformats.org/drawingml/2006/main" xmlns:r="http://schemas.openxmlformats.org/officeDocument/2006/relationships" xmlns:p="http://schemas.openxmlformats.org/presentationml/2006/main" xmlns:m="http://schemas.openxmlformats.org/officeDocument/2006/math" xmlns:a14="http://schemas.microsoft.com/office/drawing/2010/main" type="tx" showMasterSp="1" showMasterPhAnim="1">
+<p:sldLayout xmlns:a="http://schemas.openxmlformats.org/drawingml/2006/main" xmlns:r="http://schemas.openxmlformats.org/officeDocument/2006/relationships" xmlns:p="http://schemas.openxmlformats.org/presentationml/2006/main" type="tx">
   <p:cSld name="Titolo - In alto">
     <p:spTree>
       <p:nvGrpSpPr>
@@ -1824,7 +1889,9 @@
       <p:sp>
         <p:nvSpPr>
           <p:cNvPr id="48" name="Titolo Testo"/>
-          <p:cNvSpPr txBox="1"/>
+          <p:cNvSpPr txBox="1">
+            <a:spLocks noGrp="1"/>
+          </p:cNvSpPr>
           <p:nvPr>
             <p:ph type="title"/>
           </p:nvPr>
@@ -1838,7 +1905,6 @@
           <a:bodyPr/>
           <a:lstStyle/>
           <a:p>
-            <a:pPr/>
             <a:r>
               <a:t>Titolo Testo</a:t>
             </a:r>
@@ -1848,7 +1914,9 @@
       <p:sp>
         <p:nvSpPr>
           <p:cNvPr id="49" name="Numero diapositiva"/>
-          <p:cNvSpPr txBox="1"/>
+          <p:cNvSpPr txBox="1">
+            <a:spLocks noGrp="1"/>
+          </p:cNvSpPr>
           <p:nvPr>
             <p:ph type="sldNum" sz="quarter" idx="2"/>
           </p:nvPr>
@@ -1862,8 +1930,10 @@
           <a:bodyPr/>
           <a:lstStyle/>
           <a:p>
-            <a:pPr/>
-            <a:fld id="{86CB4B4D-7CA3-9044-876B-883B54F8677D}" type="slidenum"/>
+            <a:fld id="{86CB4B4D-7CA3-9044-876B-883B54F8677D}" type="slidenum">
+              <a:t>‹N›</a:t>
+            </a:fld>
+            <a:endParaRPr/>
           </a:p>
         </p:txBody>
       </p:sp>
@@ -1872,12 +1942,12 @@
   <p:clrMapOvr>
     <a:masterClrMapping/>
   </p:clrMapOvr>
-  <p:transition xmlns:p14="http://schemas.microsoft.com/office/powerpoint/2010/main" spd="med" advClick="1"/>
+  <p:transition spd="med"/>
 </p:sldLayout>
 </file>
 
 <file path=ppt/slideLayouts/slideLayout6.xml><?xml version="1.0" encoding="utf-8"?>
-<p:sldLayout xmlns:a="http://schemas.openxmlformats.org/drawingml/2006/main" xmlns:r="http://schemas.openxmlformats.org/officeDocument/2006/relationships" xmlns:p="http://schemas.openxmlformats.org/presentationml/2006/main" xmlns:m="http://schemas.openxmlformats.org/officeDocument/2006/math" xmlns:a14="http://schemas.microsoft.com/office/drawing/2010/main" type="tx" showMasterSp="1" showMasterPhAnim="1">
+<p:sldLayout xmlns:a="http://schemas.openxmlformats.org/drawingml/2006/main" xmlns:r="http://schemas.openxmlformats.org/officeDocument/2006/relationships" xmlns:p="http://schemas.openxmlformats.org/presentationml/2006/main" type="tx">
   <p:cSld name="Titolo e punti elenco">
     <p:spTree>
       <p:nvGrpSpPr>
@@ -1896,7 +1966,9 @@
       <p:sp>
         <p:nvSpPr>
           <p:cNvPr id="56" name="Titolo Testo"/>
-          <p:cNvSpPr txBox="1"/>
+          <p:cNvSpPr txBox="1">
+            <a:spLocks noGrp="1"/>
+          </p:cNvSpPr>
           <p:nvPr>
             <p:ph type="title"/>
           </p:nvPr>
@@ -1910,7 +1982,6 @@
           <a:bodyPr/>
           <a:lstStyle/>
           <a:p>
-            <a:pPr/>
             <a:r>
               <a:t>Titolo Testo</a:t>
             </a:r>
@@ -1920,7 +1991,9 @@
       <p:sp>
         <p:nvSpPr>
           <p:cNvPr id="57" name="Corpo livello uno…"/>
-          <p:cNvSpPr txBox="1"/>
+          <p:cNvSpPr txBox="1">
+            <a:spLocks noGrp="1"/>
+          </p:cNvSpPr>
           <p:nvPr>
             <p:ph type="body" idx="1"/>
           </p:nvPr>
@@ -1980,7 +2053,6 @@
             </a:lvl5pPr>
           </a:lstStyle>
           <a:p>
-            <a:pPr/>
             <a:r>
               <a:t>Corpo livello uno</a:t>
             </a:r>
@@ -2014,7 +2086,9 @@
       <p:sp>
         <p:nvSpPr>
           <p:cNvPr id="58" name="Numero diapositiva"/>
-          <p:cNvSpPr txBox="1"/>
+          <p:cNvSpPr txBox="1">
+            <a:spLocks noGrp="1"/>
+          </p:cNvSpPr>
           <p:nvPr>
             <p:ph type="sldNum" sz="quarter" idx="2"/>
           </p:nvPr>
@@ -2028,8 +2102,10 @@
           <a:bodyPr/>
           <a:lstStyle/>
           <a:p>
-            <a:pPr/>
-            <a:fld id="{86CB4B4D-7CA3-9044-876B-883B54F8677D}" type="slidenum"/>
+            <a:fld id="{86CB4B4D-7CA3-9044-876B-883B54F8677D}" type="slidenum">
+              <a:t>‹N›</a:t>
+            </a:fld>
+            <a:endParaRPr/>
           </a:p>
         </p:txBody>
       </p:sp>
@@ -2038,12 +2114,12 @@
   <p:clrMapOvr>
     <a:masterClrMapping/>
   </p:clrMapOvr>
-  <p:transition xmlns:p14="http://schemas.microsoft.com/office/powerpoint/2010/main" spd="med" advClick="1"/>
+  <p:transition spd="med"/>
 </p:sldLayout>
 </file>
 
 <file path=ppt/slideLayouts/slideLayout7.xml><?xml version="1.0" encoding="utf-8"?>
-<p:sldLayout xmlns:a="http://schemas.openxmlformats.org/drawingml/2006/main" xmlns:r="http://schemas.openxmlformats.org/officeDocument/2006/relationships" xmlns:p="http://schemas.openxmlformats.org/presentationml/2006/main" xmlns:m="http://schemas.openxmlformats.org/officeDocument/2006/math" xmlns:a14="http://schemas.microsoft.com/office/drawing/2010/main" type="tx" showMasterSp="1" showMasterPhAnim="1">
+<p:sldLayout xmlns:a="http://schemas.openxmlformats.org/drawingml/2006/main" xmlns:r="http://schemas.openxmlformats.org/officeDocument/2006/relationships" xmlns:p="http://schemas.openxmlformats.org/presentationml/2006/main" type="tx">
   <p:cSld name="Titolo, punti elenco e foto">
     <p:spTree>
       <p:nvGrpSpPr>
@@ -2062,7 +2138,9 @@
       <p:sp>
         <p:nvSpPr>
           <p:cNvPr id="65" name="Immagine"/>
-          <p:cNvSpPr/>
+          <p:cNvSpPr>
+            <a:spLocks noGrp="1"/>
+          </p:cNvSpPr>
           <p:nvPr>
             <p:ph type="pic" sz="half" idx="13"/>
           </p:nvPr>
@@ -2082,14 +2160,16 @@
           </a:bodyPr>
           <a:lstStyle/>
           <a:p>
-            <a:pPr/>
+            <a:endParaRPr/>
           </a:p>
         </p:txBody>
       </p:sp>
       <p:sp>
         <p:nvSpPr>
           <p:cNvPr id="66" name="Titolo Testo"/>
-          <p:cNvSpPr txBox="1"/>
+          <p:cNvSpPr txBox="1">
+            <a:spLocks noGrp="1"/>
+          </p:cNvSpPr>
           <p:nvPr>
             <p:ph type="title"/>
           </p:nvPr>
@@ -2103,7 +2183,6 @@
           <a:bodyPr/>
           <a:lstStyle/>
           <a:p>
-            <a:pPr/>
             <a:r>
               <a:t>Titolo Testo</a:t>
             </a:r>
@@ -2113,7 +2192,9 @@
       <p:sp>
         <p:nvSpPr>
           <p:cNvPr id="67" name="Corpo livello uno…"/>
-          <p:cNvSpPr txBox="1"/>
+          <p:cNvSpPr txBox="1">
+            <a:spLocks noGrp="1"/>
+          </p:cNvSpPr>
           <p:nvPr>
             <p:ph type="body" sz="half" idx="1"/>
           </p:nvPr>
@@ -2131,7 +2212,6 @@
           <a:bodyPr/>
           <a:lstStyle/>
           <a:p>
-            <a:pPr/>
             <a:r>
               <a:t>Corpo livello uno</a:t>
             </a:r>
@@ -2165,7 +2245,9 @@
       <p:sp>
         <p:nvSpPr>
           <p:cNvPr id="68" name="Numero diapositiva"/>
-          <p:cNvSpPr txBox="1"/>
+          <p:cNvSpPr txBox="1">
+            <a:spLocks noGrp="1"/>
+          </p:cNvSpPr>
           <p:nvPr>
             <p:ph type="sldNum" sz="quarter" idx="2"/>
           </p:nvPr>
@@ -2179,8 +2261,10 @@
           <a:bodyPr/>
           <a:lstStyle/>
           <a:p>
-            <a:pPr/>
-            <a:fld id="{86CB4B4D-7CA3-9044-876B-883B54F8677D}" type="slidenum"/>
+            <a:fld id="{86CB4B4D-7CA3-9044-876B-883B54F8677D}" type="slidenum">
+              <a:t>‹N›</a:t>
+            </a:fld>
+            <a:endParaRPr/>
           </a:p>
         </p:txBody>
       </p:sp>
@@ -2189,12 +2273,12 @@
   <p:clrMapOvr>
     <a:masterClrMapping/>
   </p:clrMapOvr>
-  <p:transition xmlns:p14="http://schemas.microsoft.com/office/powerpoint/2010/main" spd="med" advClick="1"/>
+  <p:transition spd="med"/>
 </p:sldLayout>
 </file>
 
 <file path=ppt/slideLayouts/slideLayout8.xml><?xml version="1.0" encoding="utf-8"?>
-<p:sldLayout xmlns:a="http://schemas.openxmlformats.org/drawingml/2006/main" xmlns:r="http://schemas.openxmlformats.org/officeDocument/2006/relationships" xmlns:p="http://schemas.openxmlformats.org/presentationml/2006/main" xmlns:m="http://schemas.openxmlformats.org/officeDocument/2006/math" xmlns:a14="http://schemas.microsoft.com/office/drawing/2010/main" type="tx" showMasterSp="1" showMasterPhAnim="1">
+<p:sldLayout xmlns:a="http://schemas.openxmlformats.org/drawingml/2006/main" xmlns:r="http://schemas.openxmlformats.org/officeDocument/2006/relationships" xmlns:p="http://schemas.openxmlformats.org/presentationml/2006/main" type="tx">
   <p:cSld name="Punti elenco">
     <p:spTree>
       <p:nvGrpSpPr>
@@ -2213,7 +2297,9 @@
       <p:sp>
         <p:nvSpPr>
           <p:cNvPr id="75" name="Corpo livello uno…"/>
-          <p:cNvSpPr txBox="1"/>
+          <p:cNvSpPr txBox="1">
+            <a:spLocks noGrp="1"/>
+          </p:cNvSpPr>
           <p:nvPr>
             <p:ph type="body" idx="1"/>
           </p:nvPr>
@@ -2277,7 +2363,6 @@
             </a:lvl5pPr>
           </a:lstStyle>
           <a:p>
-            <a:pPr/>
             <a:r>
               <a:t>Corpo livello uno</a:t>
             </a:r>
@@ -2311,7 +2396,9 @@
       <p:sp>
         <p:nvSpPr>
           <p:cNvPr id="76" name="Numero diapositiva"/>
-          <p:cNvSpPr txBox="1"/>
+          <p:cNvSpPr txBox="1">
+            <a:spLocks noGrp="1"/>
+          </p:cNvSpPr>
           <p:nvPr>
             <p:ph type="sldNum" sz="quarter" idx="2"/>
           </p:nvPr>
@@ -2325,8 +2412,10 @@
           <a:bodyPr/>
           <a:lstStyle/>
           <a:p>
-            <a:pPr/>
-            <a:fld id="{86CB4B4D-7CA3-9044-876B-883B54F8677D}" type="slidenum"/>
+            <a:fld id="{86CB4B4D-7CA3-9044-876B-883B54F8677D}" type="slidenum">
+              <a:t>‹N›</a:t>
+            </a:fld>
+            <a:endParaRPr/>
           </a:p>
         </p:txBody>
       </p:sp>
@@ -2335,12 +2424,12 @@
   <p:clrMapOvr>
     <a:masterClrMapping/>
   </p:clrMapOvr>
-  <p:transition xmlns:p14="http://schemas.microsoft.com/office/powerpoint/2010/main" spd="med" advClick="1"/>
+  <p:transition spd="med"/>
 </p:sldLayout>
 </file>
 
 <file path=ppt/slideLayouts/slideLayout9.xml><?xml version="1.0" encoding="utf-8"?>
-<p:sldLayout xmlns:a="http://schemas.openxmlformats.org/drawingml/2006/main" xmlns:r="http://schemas.openxmlformats.org/officeDocument/2006/relationships" xmlns:p="http://schemas.openxmlformats.org/presentationml/2006/main" xmlns:m="http://schemas.openxmlformats.org/officeDocument/2006/math" xmlns:a14="http://schemas.microsoft.com/office/drawing/2010/main" type="tx" showMasterSp="1" showMasterPhAnim="1">
+<p:sldLayout xmlns:a="http://schemas.openxmlformats.org/drawingml/2006/main" xmlns:r="http://schemas.openxmlformats.org/officeDocument/2006/relationships" xmlns:p="http://schemas.openxmlformats.org/presentationml/2006/main" type="tx">
   <p:cSld name="Foto - 3 per pagina">
     <p:spTree>
       <p:nvGrpSpPr>
@@ -2359,7 +2448,9 @@
       <p:sp>
         <p:nvSpPr>
           <p:cNvPr id="83" name="2-033_1302x975.jpeg"/>
-          <p:cNvSpPr/>
+          <p:cNvSpPr>
+            <a:spLocks noGrp="1"/>
+          </p:cNvSpPr>
           <p:nvPr>
             <p:ph type="pic" sz="quarter" idx="13"/>
           </p:nvPr>
@@ -2379,14 +2470,16 @@
           </a:bodyPr>
           <a:lstStyle/>
           <a:p>
-            <a:pPr/>
+            <a:endParaRPr/>
           </a:p>
         </p:txBody>
       </p:sp>
       <p:sp>
         <p:nvSpPr>
           <p:cNvPr id="84" name="Immagine"/>
-          <p:cNvSpPr/>
+          <p:cNvSpPr>
+            <a:spLocks noGrp="1"/>
+          </p:cNvSpPr>
           <p:nvPr>
             <p:ph type="pic" sz="quarter" idx="14"/>
           </p:nvPr>
@@ -2406,14 +2499,16 @@
           </a:bodyPr>
           <a:lstStyle/>
           <a:p>
-            <a:pPr/>
+            <a:endParaRPr/>
           </a:p>
         </p:txBody>
       </p:sp>
       <p:sp>
         <p:nvSpPr>
           <p:cNvPr id="85" name="2-10-superquadro_1631x2178.jpeg"/>
-          <p:cNvSpPr/>
+          <p:cNvSpPr>
+            <a:spLocks noGrp="1"/>
+          </p:cNvSpPr>
           <p:nvPr>
             <p:ph type="pic" idx="15"/>
           </p:nvPr>
@@ -2433,14 +2528,16 @@
           </a:bodyPr>
           <a:lstStyle/>
           <a:p>
-            <a:pPr/>
+            <a:endParaRPr/>
           </a:p>
         </p:txBody>
       </p:sp>
       <p:sp>
         <p:nvSpPr>
           <p:cNvPr id="86" name="Numero diapositiva"/>
-          <p:cNvSpPr txBox="1"/>
+          <p:cNvSpPr txBox="1">
+            <a:spLocks noGrp="1"/>
+          </p:cNvSpPr>
           <p:nvPr>
             <p:ph type="sldNum" sz="quarter" idx="2"/>
           </p:nvPr>
@@ -2454,8 +2551,10 @@
           <a:bodyPr/>
           <a:lstStyle/>
           <a:p>
-            <a:pPr/>
-            <a:fld id="{86CB4B4D-7CA3-9044-876B-883B54F8677D}" type="slidenum"/>
+            <a:fld id="{86CB4B4D-7CA3-9044-876B-883B54F8677D}" type="slidenum">
+              <a:t>‹N›</a:t>
+            </a:fld>
+            <a:endParaRPr/>
           </a:p>
         </p:txBody>
       </p:sp>
@@ -2464,22 +2563,23 @@
   <p:clrMapOvr>
     <a:masterClrMapping/>
   </p:clrMapOvr>
-  <p:transition xmlns:p14="http://schemas.microsoft.com/office/powerpoint/2010/main" spd="med" advClick="1"/>
+  <p:transition spd="med"/>
 </p:sldLayout>
 </file>
 
 <file path=ppt/slideMasters/slideMaster1.xml><?xml version="1.0" encoding="utf-8"?>
-<p:sldMaster xmlns:a="http://schemas.openxmlformats.org/drawingml/2006/main" xmlns:r="http://schemas.openxmlformats.org/officeDocument/2006/relationships" xmlns:p="http://schemas.openxmlformats.org/presentationml/2006/main" xmlns:m="http://schemas.openxmlformats.org/officeDocument/2006/math" xmlns:a14="http://schemas.microsoft.com/office/drawing/2010/main">
+<p:sldMaster xmlns:a="http://schemas.openxmlformats.org/drawingml/2006/main" xmlns:r="http://schemas.openxmlformats.org/officeDocument/2006/relationships" xmlns:p="http://schemas.openxmlformats.org/presentationml/2006/main">
   <p:cSld>
     <p:bg>
       <p:bgPr>
         <a:blipFill rotWithShape="1">
-          <a:blip r:embed="rId2"/>
-          <a:srcRect l="0" t="0" r="0" b="0"/>
+          <a:blip r:embed="rId17"/>
+          <a:srcRect/>
           <a:stretch>
             <a:fillRect/>
           </a:stretch>
         </a:blipFill>
+        <a:effectLst/>
       </p:bgPr>
     </p:bg>
     <p:spTree>
@@ -2499,7 +2599,9 @@
       <p:sp>
         <p:nvSpPr>
           <p:cNvPr id="2" name="Titolo Testo"/>
-          <p:cNvSpPr txBox="1"/>
+          <p:cNvSpPr txBox="1">
+            <a:spLocks noGrp="1"/>
+          </p:cNvSpPr>
           <p:nvPr>
             <p:ph type="title"/>
           </p:nvPr>
@@ -2517,17 +2619,16 @@
           </a:ln>
           <a:extLst>
             <a:ext uri="{C572A759-6A51-4108-AA02-DFA0A04FC94B}">
-              <ma14:wrappingTextBoxFlag xmlns:ma14="http://schemas.microsoft.com/office/mac/drawingml/2011/main" val="1"/>
+              <ma14:wrappingTextBoxFlag xmlns:ma14="http://schemas.microsoft.com/office/mac/drawingml/2011/main" xmlns:a14="http://schemas.microsoft.com/office/drawing/2010/main" xmlns:m="http://schemas.openxmlformats.org/officeDocument/2006/math" xmlns="" val="1"/>
             </a:ext>
           </a:extLst>
         </p:spPr>
         <p:txBody>
           <a:bodyPr lIns="71437" tIns="71437" rIns="71437" bIns="71437" anchor="ctr">
-            <a:normAutofit fontScale="100000" lnSpcReduction="0"/>
+            <a:normAutofit/>
           </a:bodyPr>
           <a:lstStyle/>
           <a:p>
-            <a:pPr/>
             <a:r>
               <a:t>Titolo Testo</a:t>
             </a:r>
@@ -2537,7 +2638,9 @@
       <p:sp>
         <p:nvSpPr>
           <p:cNvPr id="3" name="Corpo livello uno…"/>
-          <p:cNvSpPr txBox="1"/>
+          <p:cNvSpPr txBox="1">
+            <a:spLocks noGrp="1"/>
+          </p:cNvSpPr>
           <p:nvPr>
             <p:ph type="body" idx="1"/>
           </p:nvPr>
@@ -2555,17 +2658,16 @@
           </a:ln>
           <a:extLst>
             <a:ext uri="{C572A759-6A51-4108-AA02-DFA0A04FC94B}">
-              <ma14:wrappingTextBoxFlag xmlns:ma14="http://schemas.microsoft.com/office/mac/drawingml/2011/main" val="1"/>
+              <ma14:wrappingTextBoxFlag xmlns:ma14="http://schemas.microsoft.com/office/mac/drawingml/2011/main" xmlns:a14="http://schemas.microsoft.com/office/drawing/2010/main" xmlns:m="http://schemas.openxmlformats.org/officeDocument/2006/math" xmlns="" val="1"/>
             </a:ext>
           </a:extLst>
         </p:spPr>
         <p:txBody>
           <a:bodyPr lIns="71437" tIns="71437" rIns="71437" bIns="71437" anchor="ctr">
-            <a:normAutofit fontScale="100000" lnSpcReduction="0"/>
+            <a:normAutofit/>
           </a:bodyPr>
           <a:lstStyle/>
           <a:p>
-            <a:pPr/>
             <a:r>
               <a:t>Corpo livello uno</a:t>
             </a:r>
@@ -2599,7 +2701,9 @@
       <p:sp>
         <p:nvSpPr>
           <p:cNvPr id="4" name="Numero diapositiva"/>
-          <p:cNvSpPr txBox="1"/>
+          <p:cNvSpPr txBox="1">
+            <a:spLocks noGrp="1"/>
+          </p:cNvSpPr>
           <p:nvPr>
             <p:ph type="sldNum" sz="quarter" idx="2"/>
           </p:nvPr>
@@ -2626,8 +2730,10 @@
             </a:lvl1pPr>
           </a:lstStyle>
           <a:p>
-            <a:pPr/>
-            <a:fld id="{86CB4B4D-7CA3-9044-876B-883B54F8677D}" type="slidenum"/>
+            <a:fld id="{86CB4B4D-7CA3-9044-876B-883B54F8677D}" type="slidenum">
+              <a:t>‹N›</a:t>
+            </a:fld>
+            <a:endParaRPr/>
           </a:p>
         </p:txBody>
       </p:sp>
@@ -2635,23 +2741,23 @@
   </p:cSld>
   <p:clrMap bg1="lt1" tx1="dk1" bg2="lt2" tx2="dk2" accent1="accent1" accent2="accent2" accent3="accent3" accent4="accent4" accent5="accent5" accent6="accent6" hlink="hlink" folHlink="folHlink"/>
   <p:sldLayoutIdLst>
-    <p:sldLayoutId id="2147483649" r:id="rId3"/>
-    <p:sldLayoutId id="2147483650" r:id="rId4"/>
-    <p:sldLayoutId id="2147483651" r:id="rId5"/>
-    <p:sldLayoutId id="2147483652" r:id="rId6"/>
-    <p:sldLayoutId id="2147483653" r:id="rId7"/>
-    <p:sldLayoutId id="2147483654" r:id="rId8"/>
-    <p:sldLayoutId id="2147483655" r:id="rId9"/>
-    <p:sldLayoutId id="2147483656" r:id="rId10"/>
-    <p:sldLayoutId id="2147483657" r:id="rId11"/>
-    <p:sldLayoutId id="2147483658" r:id="rId12"/>
-    <p:sldLayoutId id="2147483659" r:id="rId13"/>
-    <p:sldLayoutId id="2147483660" r:id="rId14"/>
-    <p:sldLayoutId id="2147483661" r:id="rId15"/>
-    <p:sldLayoutId id="2147483662" r:id="rId16"/>
-    <p:sldLayoutId id="2147483663" r:id="rId17"/>
+    <p:sldLayoutId id="2147483649" r:id="rId1"/>
+    <p:sldLayoutId id="2147483650" r:id="rId2"/>
+    <p:sldLayoutId id="2147483651" r:id="rId3"/>
+    <p:sldLayoutId id="2147483652" r:id="rId4"/>
+    <p:sldLayoutId id="2147483653" r:id="rId5"/>
+    <p:sldLayoutId id="2147483654" r:id="rId6"/>
+    <p:sldLayoutId id="2147483655" r:id="rId7"/>
+    <p:sldLayoutId id="2147483656" r:id="rId8"/>
+    <p:sldLayoutId id="2147483657" r:id="rId9"/>
+    <p:sldLayoutId id="2147483658" r:id="rId10"/>
+    <p:sldLayoutId id="2147483659" r:id="rId11"/>
+    <p:sldLayoutId id="2147483660" r:id="rId12"/>
+    <p:sldLayoutId id="2147483661" r:id="rId13"/>
+    <p:sldLayoutId id="2147483662" r:id="rId14"/>
+    <p:sldLayoutId id="2147483663" r:id="rId15"/>
   </p:sldLayoutIdLst>
-  <p:transition xmlns:p14="http://schemas.microsoft.com/office/powerpoint/2010/main" spd="med" advClick="1"/>
+  <p:transition spd="med"/>
   <p:txStyles>
     <p:titleStyle>
       <a:lvl1pPr marL="0" marR="0" indent="0" algn="ctr" defTabSz="821531" rtl="0" latinLnBrk="0">
@@ -2669,7 +2775,7 @@
         <a:buFontTx/>
         <a:buNone/>
         <a:tabLst/>
-        <a:defRPr b="0" baseline="0" cap="all" i="0" spc="0" strike="noStrike" sz="10000" u="none">
+        <a:defRPr sz="10000" b="0" i="0" u="none" strike="noStrike" cap="all" spc="0" baseline="0">
           <a:solidFill>
             <a:srgbClr val="535353"/>
           </a:solidFill>
@@ -2695,7 +2801,7 @@
         <a:buFontTx/>
         <a:buNone/>
         <a:tabLst/>
-        <a:defRPr b="0" baseline="0" cap="all" i="0" spc="0" strike="noStrike" sz="10000" u="none">
+        <a:defRPr sz="10000" b="0" i="0" u="none" strike="noStrike" cap="all" spc="0" baseline="0">
           <a:solidFill>
             <a:srgbClr val="535353"/>
           </a:solidFill>
@@ -2721,7 +2827,7 @@
         <a:buFontTx/>
         <a:buNone/>
         <a:tabLst/>
-        <a:defRPr b="0" baseline="0" cap="all" i="0" spc="0" strike="noStrike" sz="10000" u="none">
+        <a:defRPr sz="10000" b="0" i="0" u="none" strike="noStrike" cap="all" spc="0" baseline="0">
           <a:solidFill>
             <a:srgbClr val="535353"/>
           </a:solidFill>
@@ -2747,7 +2853,7 @@
         <a:buFontTx/>
         <a:buNone/>
         <a:tabLst/>
-        <a:defRPr b="0" baseline="0" cap="all" i="0" spc="0" strike="noStrike" sz="10000" u="none">
+        <a:defRPr sz="10000" b="0" i="0" u="none" strike="noStrike" cap="all" spc="0" baseline="0">
           <a:solidFill>
             <a:srgbClr val="535353"/>
           </a:solidFill>
@@ -2773,7 +2879,7 @@
         <a:buFontTx/>
         <a:buNone/>
         <a:tabLst/>
-        <a:defRPr b="0" baseline="0" cap="all" i="0" spc="0" strike="noStrike" sz="10000" u="none">
+        <a:defRPr sz="10000" b="0" i="0" u="none" strike="noStrike" cap="all" spc="0" baseline="0">
           <a:solidFill>
             <a:srgbClr val="535353"/>
           </a:solidFill>
@@ -2799,7 +2905,7 @@
         <a:buFontTx/>
         <a:buNone/>
         <a:tabLst/>
-        <a:defRPr b="0" baseline="0" cap="all" i="0" spc="0" strike="noStrike" sz="10000" u="none">
+        <a:defRPr sz="10000" b="0" i="0" u="none" strike="noStrike" cap="all" spc="0" baseline="0">
           <a:solidFill>
             <a:srgbClr val="535353"/>
           </a:solidFill>
@@ -2825,7 +2931,7 @@
         <a:buFontTx/>
         <a:buNone/>
         <a:tabLst/>
-        <a:defRPr b="0" baseline="0" cap="all" i="0" spc="0" strike="noStrike" sz="10000" u="none">
+        <a:defRPr sz="10000" b="0" i="0" u="none" strike="noStrike" cap="all" spc="0" baseline="0">
           <a:solidFill>
             <a:srgbClr val="535353"/>
           </a:solidFill>
@@ -2851,7 +2957,7 @@
         <a:buFontTx/>
         <a:buNone/>
         <a:tabLst/>
-        <a:defRPr b="0" baseline="0" cap="all" i="0" spc="0" strike="noStrike" sz="10000" u="none">
+        <a:defRPr sz="10000" b="0" i="0" u="none" strike="noStrike" cap="all" spc="0" baseline="0">
           <a:solidFill>
             <a:srgbClr val="535353"/>
           </a:solidFill>
@@ -2877,7 +2983,7 @@
         <a:buFontTx/>
         <a:buNone/>
         <a:tabLst/>
-        <a:defRPr b="0" baseline="0" cap="all" i="0" spc="0" strike="noStrike" sz="10000" u="none">
+        <a:defRPr sz="10000" b="0" i="0" u="none" strike="noStrike" cap="all" spc="0" baseline="0">
           <a:solidFill>
             <a:srgbClr val="535353"/>
           </a:solidFill>
@@ -2905,7 +3011,7 @@
         <a:buFontTx/>
         <a:buChar char="•"/>
         <a:tabLst/>
-        <a:defRPr b="0" baseline="0" cap="none" i="0" spc="0" strike="noStrike" sz="5200" u="none">
+        <a:defRPr sz="5200" b="0" i="0" u="none" strike="noStrike" cap="none" spc="0" baseline="0">
           <a:solidFill>
             <a:srgbClr val="535353"/>
           </a:solidFill>
@@ -2931,7 +3037,7 @@
         <a:buFontTx/>
         <a:buChar char="•"/>
         <a:tabLst/>
-        <a:defRPr b="0" baseline="0" cap="none" i="0" spc="0" strike="noStrike" sz="5200" u="none">
+        <a:defRPr sz="5200" b="0" i="0" u="none" strike="noStrike" cap="none" spc="0" baseline="0">
           <a:solidFill>
             <a:srgbClr val="535353"/>
           </a:solidFill>
@@ -2957,7 +3063,7 @@
         <a:buFontTx/>
         <a:buChar char="•"/>
         <a:tabLst/>
-        <a:defRPr b="0" baseline="0" cap="none" i="0" spc="0" strike="noStrike" sz="5200" u="none">
+        <a:defRPr sz="5200" b="0" i="0" u="none" strike="noStrike" cap="none" spc="0" baseline="0">
           <a:solidFill>
             <a:srgbClr val="535353"/>
           </a:solidFill>
@@ -2983,7 +3089,7 @@
         <a:buFontTx/>
         <a:buChar char="•"/>
         <a:tabLst/>
-        <a:defRPr b="0" baseline="0" cap="none" i="0" spc="0" strike="noStrike" sz="5200" u="none">
+        <a:defRPr sz="5200" b="0" i="0" u="none" strike="noStrike" cap="none" spc="0" baseline="0">
           <a:solidFill>
             <a:srgbClr val="535353"/>
           </a:solidFill>
@@ -3009,7 +3115,7 @@
         <a:buFontTx/>
         <a:buChar char="•"/>
         <a:tabLst/>
-        <a:defRPr b="0" baseline="0" cap="none" i="0" spc="0" strike="noStrike" sz="5200" u="none">
+        <a:defRPr sz="5200" b="0" i="0" u="none" strike="noStrike" cap="none" spc="0" baseline="0">
           <a:solidFill>
             <a:srgbClr val="535353"/>
           </a:solidFill>
@@ -3035,7 +3141,7 @@
         <a:buFontTx/>
         <a:buChar char="•"/>
         <a:tabLst/>
-        <a:defRPr b="0" baseline="0" cap="none" i="0" spc="0" strike="noStrike" sz="5200" u="none">
+        <a:defRPr sz="5200" b="0" i="0" u="none" strike="noStrike" cap="none" spc="0" baseline="0">
           <a:solidFill>
             <a:srgbClr val="535353"/>
           </a:solidFill>
@@ -3061,7 +3167,7 @@
         <a:buFontTx/>
         <a:buChar char="•"/>
         <a:tabLst/>
-        <a:defRPr b="0" baseline="0" cap="none" i="0" spc="0" strike="noStrike" sz="5200" u="none">
+        <a:defRPr sz="5200" b="0" i="0" u="none" strike="noStrike" cap="none" spc="0" baseline="0">
           <a:solidFill>
             <a:srgbClr val="535353"/>
           </a:solidFill>
@@ -3087,7 +3193,7 @@
         <a:buFontTx/>
         <a:buChar char="•"/>
         <a:tabLst/>
-        <a:defRPr b="0" baseline="0" cap="none" i="0" spc="0" strike="noStrike" sz="5200" u="none">
+        <a:defRPr sz="5200" b="0" i="0" u="none" strike="noStrike" cap="none" spc="0" baseline="0">
           <a:solidFill>
             <a:srgbClr val="535353"/>
           </a:solidFill>
@@ -3113,7 +3219,7 @@
         <a:buFontTx/>
         <a:buChar char="•"/>
         <a:tabLst/>
-        <a:defRPr b="0" baseline="0" cap="none" i="0" spc="0" strike="noStrike" sz="5200" u="none">
+        <a:defRPr sz="5200" b="0" i="0" u="none" strike="noStrike" cap="none" spc="0" baseline="0">
           <a:solidFill>
             <a:srgbClr val="535353"/>
           </a:solidFill>
@@ -3141,7 +3247,7 @@
         <a:buFontTx/>
         <a:buNone/>
         <a:tabLst/>
-        <a:defRPr b="0" baseline="0" cap="none" i="0" spc="0" strike="noStrike" sz="2400" u="none">
+        <a:defRPr sz="2400" b="0" i="0" u="none" strike="noStrike" cap="none" spc="0" baseline="0">
           <a:solidFill>
             <a:schemeClr val="tx1"/>
           </a:solidFill>
@@ -3167,7 +3273,7 @@
         <a:buFontTx/>
         <a:buNone/>
         <a:tabLst/>
-        <a:defRPr b="0" baseline="0" cap="none" i="0" spc="0" strike="noStrike" sz="2400" u="none">
+        <a:defRPr sz="2400" b="0" i="0" u="none" strike="noStrike" cap="none" spc="0" baseline="0">
           <a:solidFill>
             <a:schemeClr val="tx1"/>
           </a:solidFill>
@@ -3193,7 +3299,7 @@
         <a:buFontTx/>
         <a:buNone/>
         <a:tabLst/>
-        <a:defRPr b="0" baseline="0" cap="none" i="0" spc="0" strike="noStrike" sz="2400" u="none">
+        <a:defRPr sz="2400" b="0" i="0" u="none" strike="noStrike" cap="none" spc="0" baseline="0">
           <a:solidFill>
             <a:schemeClr val="tx1"/>
           </a:solidFill>
@@ -3219,7 +3325,7 @@
         <a:buFontTx/>
         <a:buNone/>
         <a:tabLst/>
-        <a:defRPr b="0" baseline="0" cap="none" i="0" spc="0" strike="noStrike" sz="2400" u="none">
+        <a:defRPr sz="2400" b="0" i="0" u="none" strike="noStrike" cap="none" spc="0" baseline="0">
           <a:solidFill>
             <a:schemeClr val="tx1"/>
           </a:solidFill>
@@ -3245,7 +3351,7 @@
         <a:buFontTx/>
         <a:buNone/>
         <a:tabLst/>
-        <a:defRPr b="0" baseline="0" cap="none" i="0" spc="0" strike="noStrike" sz="2400" u="none">
+        <a:defRPr sz="2400" b="0" i="0" u="none" strike="noStrike" cap="none" spc="0" baseline="0">
           <a:solidFill>
             <a:schemeClr val="tx1"/>
           </a:solidFill>
@@ -3271,7 +3377,7 @@
         <a:buFontTx/>
         <a:buNone/>
         <a:tabLst/>
-        <a:defRPr b="0" baseline="0" cap="none" i="0" spc="0" strike="noStrike" sz="2400" u="none">
+        <a:defRPr sz="2400" b="0" i="0" u="none" strike="noStrike" cap="none" spc="0" baseline="0">
           <a:solidFill>
             <a:schemeClr val="tx1"/>
           </a:solidFill>
@@ -3297,7 +3403,7 @@
         <a:buFontTx/>
         <a:buNone/>
         <a:tabLst/>
-        <a:defRPr b="0" baseline="0" cap="none" i="0" spc="0" strike="noStrike" sz="2400" u="none">
+        <a:defRPr sz="2400" b="0" i="0" u="none" strike="noStrike" cap="none" spc="0" baseline="0">
           <a:solidFill>
             <a:schemeClr val="tx1"/>
           </a:solidFill>
@@ -3323,7 +3429,7 @@
         <a:buFontTx/>
         <a:buNone/>
         <a:tabLst/>
-        <a:defRPr b="0" baseline="0" cap="none" i="0" spc="0" strike="noStrike" sz="2400" u="none">
+        <a:defRPr sz="2400" b="0" i="0" u="none" strike="noStrike" cap="none" spc="0" baseline="0">
           <a:solidFill>
             <a:schemeClr val="tx1"/>
           </a:solidFill>
@@ -3349,7 +3455,7 @@
         <a:buFontTx/>
         <a:buNone/>
         <a:tabLst/>
-        <a:defRPr b="0" baseline="0" cap="none" i="0" spc="0" strike="noStrike" sz="2400" u="none">
+        <a:defRPr sz="2400" b="0" i="0" u="none" strike="noStrike" cap="none" spc="0" baseline="0">
           <a:solidFill>
             <a:schemeClr val="tx1"/>
           </a:solidFill>
@@ -3366,7 +3472,7 @@
 </file>
 
 <file path=ppt/slides/slide1.xml><?xml version="1.0" encoding="utf-8"?>
-<p:sld xmlns:a="http://schemas.openxmlformats.org/drawingml/2006/main" xmlns:r="http://schemas.openxmlformats.org/officeDocument/2006/relationships" xmlns:p="http://schemas.openxmlformats.org/presentationml/2006/main" xmlns:m="http://schemas.openxmlformats.org/officeDocument/2006/math" xmlns:a14="http://schemas.microsoft.com/office/drawing/2010/main" showMasterSp="1" showMasterPhAnim="1">
+<p:sld xmlns:a="http://schemas.openxmlformats.org/drawingml/2006/main" xmlns:r="http://schemas.openxmlformats.org/officeDocument/2006/relationships" xmlns:p="http://schemas.openxmlformats.org/presentationml/2006/main">
   <p:cSld>
     <p:spTree>
       <p:nvGrpSpPr>
@@ -3390,8 +3496,8 @@
         </p:nvSpPr>
         <p:spPr>
           <a:xfrm>
-            <a:off x="4137348" y="3413332"/>
-            <a:ext cx="16459202" cy="2911036"/>
+            <a:off x="4137348" y="3391523"/>
+            <a:ext cx="16459202" cy="2954655"/>
           </a:xfrm>
           <a:prstGeom prst="rect">
             <a:avLst/>
@@ -3401,7 +3507,7 @@
           </a:ln>
           <a:extLst>
             <a:ext uri="{C572A759-6A51-4108-AA02-DFA0A04FC94B}">
-              <ma14:wrappingTextBoxFlag xmlns:ma14="http://schemas.microsoft.com/office/mac/drawingml/2011/main" val="1"/>
+              <ma14:wrappingTextBoxFlag xmlns:ma14="http://schemas.microsoft.com/office/mac/drawingml/2011/main" xmlns:a14="http://schemas.microsoft.com/office/drawing/2010/main" xmlns:m="http://schemas.openxmlformats.org/officeDocument/2006/math" xmlns="" val="1"/>
             </a:ext>
           </a:extLst>
         </p:spPr>
@@ -3423,8 +3529,12 @@
             </a:lvl1pPr>
           </a:lstStyle>
           <a:p>
-            <a:pPr/>
             <a:r>
+              <a:rPr dirty="0">
+                <a:solidFill>
+                  <a:schemeClr val="tx1"/>
+                </a:solidFill>
+              </a:rPr>
               <a:t>Privacy risk assessment for mobility data</a:t>
             </a:r>
           </a:p>
@@ -3475,7 +3585,7 @@
               </a:cxnLst>
               <a:rect l="0" t="0" r="r" b="b"/>
               <a:pathLst>
-                <a:path w="21196" h="21512" fill="norm" stroke="1" extrusionOk="0">
+                <a:path w="21196" h="21512" extrusionOk="0">
                   <a:moveTo>
                     <a:pt x="759" y="21022"/>
                   </a:moveTo>
@@ -3582,6 +3692,7 @@
                   <a:sym typeface="Arial"/>
                 </a:defRPr>
               </a:pPr>
+              <a:endParaRPr/>
             </a:p>
           </p:txBody>
         </p:sp>
@@ -3616,7 +3727,7 @@
               </a:cxnLst>
               <a:rect l="0" t="0" r="r" b="b"/>
               <a:pathLst>
-                <a:path w="16768" h="21600" fill="norm" stroke="1" extrusionOk="0">
+                <a:path w="16768" h="21600" extrusionOk="0">
                   <a:moveTo>
                     <a:pt x="3396" y="9210"/>
                   </a:moveTo>
@@ -3740,6 +3851,7 @@
                   <a:sym typeface="Arial"/>
                 </a:defRPr>
               </a:pPr>
+              <a:endParaRPr/>
             </a:p>
           </p:txBody>
         </p:sp>
@@ -3774,7 +3886,7 @@
               </a:cxnLst>
               <a:rect l="0" t="0" r="r" b="b"/>
               <a:pathLst>
-                <a:path w="21600" h="21600" fill="norm" stroke="1" extrusionOk="0">
+                <a:path w="21600" h="21600" extrusionOk="0">
                   <a:moveTo>
                     <a:pt x="16042" y="13577"/>
                   </a:moveTo>
@@ -4133,6 +4245,7 @@
                   <a:sym typeface="Arial"/>
                 </a:defRPr>
               </a:pPr>
+              <a:endParaRPr/>
             </a:p>
           </p:txBody>
         </p:sp>
@@ -4167,7 +4280,7 @@
               </a:cxnLst>
               <a:rect l="0" t="0" r="r" b="b"/>
               <a:pathLst>
-                <a:path w="21314" h="21600" fill="norm" stroke="1" extrusionOk="0">
+                <a:path w="21314" h="21600" extrusionOk="0">
                   <a:moveTo>
                     <a:pt x="10078" y="8646"/>
                   </a:moveTo>
@@ -4441,114 +4554,22 @@
                   <a:sym typeface="Arial"/>
                 </a:defRPr>
               </a:pPr>
+              <a:endParaRPr/>
             </a:p>
           </p:txBody>
         </p:sp>
       </p:grpSp>
-      <p:sp>
-        <p:nvSpPr>
-          <p:cNvPr id="148" name="Google Shape;742;p101"/>
-          <p:cNvSpPr/>
-          <p:nvPr/>
-        </p:nvSpPr>
-        <p:spPr>
-          <a:xfrm flipV="1">
-            <a:off x="12959447" y="13075397"/>
-            <a:ext cx="8404205" cy="16803"/>
-          </a:xfrm>
-          <a:prstGeom prst="line">
-            <a:avLst/>
-          </a:prstGeom>
-          <a:ln w="50800">
-            <a:solidFill>
-              <a:srgbClr val="41393B"/>
-            </a:solidFill>
-          </a:ln>
-        </p:spPr>
-        <p:txBody>
-          <a:bodyPr lIns="0" tIns="0" rIns="0" bIns="0"/>
-          <a:lstStyle/>
-          <a:p>
-            <a:pPr algn="l" defTabSz="1828800">
-              <a:defRPr sz="2800">
-                <a:solidFill>
-                  <a:srgbClr val="000000"/>
-                </a:solidFill>
-                <a:latin typeface="Arial"/>
-                <a:ea typeface="Arial"/>
-                <a:cs typeface="Arial"/>
-                <a:sym typeface="Arial"/>
-              </a:defRPr>
-            </a:pPr>
-          </a:p>
-        </p:txBody>
-      </p:sp>
-      <p:sp>
-        <p:nvSpPr>
-          <p:cNvPr id="149" name="Google Shape;743;p101"/>
-          <p:cNvSpPr txBox="1"/>
-          <p:nvPr/>
-        </p:nvSpPr>
-        <p:spPr>
-          <a:xfrm>
-            <a:off x="13115300" y="13031599"/>
-            <a:ext cx="8404201" cy="759301"/>
-          </a:xfrm>
-          <a:prstGeom prst="rect">
-            <a:avLst/>
-          </a:prstGeom>
-          <a:ln w="12700">
-            <a:miter lim="400000"/>
-          </a:ln>
-          <a:extLst>
-            <a:ext uri="{C572A759-6A51-4108-AA02-DFA0A04FC94B}">
-              <ma14:wrappingTextBoxFlag xmlns:ma14="http://schemas.microsoft.com/office/mac/drawingml/2011/main" val="1"/>
-            </a:ext>
-          </a:extLst>
-        </p:spPr>
-        <p:txBody>
-          <a:bodyPr lIns="182799" tIns="182799" rIns="182799" bIns="182799">
-            <a:spAutoFit/>
-          </a:bodyPr>
-          <a:lstStyle/>
-          <a:p>
-            <a:pPr algn="l" defTabSz="1828800">
-              <a:defRPr b="1" sz="2600">
-                <a:solidFill>
-                  <a:srgbClr val="000000"/>
-                </a:solidFill>
-                <a:latin typeface="Quicksand"/>
-                <a:ea typeface="Quicksand"/>
-                <a:cs typeface="Quicksand"/>
-                <a:sym typeface="Quicksand"/>
-              </a:defRPr>
-            </a:pPr>
-            <a:r>
-              <a:t>The Web Conf 2019 </a:t>
-            </a:r>
-            <a:r>
-              <a:rPr b="0">
-                <a:latin typeface="Quicksand Light"/>
-                <a:ea typeface="Quicksand Light"/>
-                <a:cs typeface="Quicksand Light"/>
-                <a:sym typeface="Quicksand Light"/>
-              </a:rPr>
-              <a:t>- San Francisco. CA. USA</a:t>
-            </a:r>
-          </a:p>
-        </p:txBody>
-      </p:sp>
     </p:spTree>
   </p:cSld>
   <p:clrMapOvr>
     <a:masterClrMapping/>
   </p:clrMapOvr>
-  <p:transition xmlns:p14="http://schemas.microsoft.com/office/powerpoint/2010/main" spd="med" advClick="1"/>
+  <p:transition spd="med"/>
 </p:sld>
 </file>
 
 <file path=ppt/slides/slide10.xml><?xml version="1.0" encoding="utf-8"?>
-<p:sld xmlns:a="http://schemas.openxmlformats.org/drawingml/2006/main" xmlns:r="http://schemas.openxmlformats.org/officeDocument/2006/relationships" xmlns:p="http://schemas.openxmlformats.org/presentationml/2006/main" xmlns:m="http://schemas.openxmlformats.org/officeDocument/2006/math" xmlns:a14="http://schemas.microsoft.com/office/drawing/2010/main" showMasterSp="1" showMasterPhAnim="1">
+<p:sld xmlns:a="http://schemas.openxmlformats.org/drawingml/2006/main" xmlns:r="http://schemas.openxmlformats.org/officeDocument/2006/relationships" xmlns:p="http://schemas.openxmlformats.org/presentationml/2006/main">
   <p:cSld>
     <p:spTree>
       <p:nvGrpSpPr>
@@ -4572,8 +4593,8 @@
         </p:nvSpPr>
         <p:spPr>
           <a:xfrm>
-            <a:off x="3962400" y="764503"/>
-            <a:ext cx="16459200" cy="1016350"/>
+            <a:off x="3962400" y="749458"/>
+            <a:ext cx="16459200" cy="1046440"/>
           </a:xfrm>
           <a:prstGeom prst="rect">
             <a:avLst/>
@@ -4583,7 +4604,7 @@
           </a:ln>
           <a:extLst>
             <a:ext uri="{C572A759-6A51-4108-AA02-DFA0A04FC94B}">
-              <ma14:wrappingTextBoxFlag xmlns:ma14="http://schemas.microsoft.com/office/mac/drawingml/2011/main" val="1"/>
+              <ma14:wrappingTextBoxFlag xmlns:ma14="http://schemas.microsoft.com/office/mac/drawingml/2011/main" xmlns:a14="http://schemas.microsoft.com/office/drawing/2010/main" xmlns:m="http://schemas.openxmlformats.org/officeDocument/2006/math" xmlns="" val="1"/>
             </a:ext>
           </a:extLst>
         </p:spPr>
@@ -4605,8 +4626,12 @@
             </a:lvl1pPr>
           </a:lstStyle>
           <a:p>
-            <a:pPr/>
             <a:r>
+              <a:rPr b="1">
+                <a:solidFill>
+                  <a:schemeClr val="tx1"/>
+                </a:solidFill>
+              </a:rPr>
               <a:t>Defining attacks</a:t>
             </a:r>
           </a:p>
@@ -4631,7 +4656,7 @@
           </a:ln>
           <a:extLst>
             <a:ext uri="{C572A759-6A51-4108-AA02-DFA0A04FC94B}">
-              <ma14:wrappingTextBoxFlag xmlns:ma14="http://schemas.microsoft.com/office/mac/drawingml/2011/main" val="1"/>
+              <ma14:wrappingTextBoxFlag xmlns:ma14="http://schemas.microsoft.com/office/mac/drawingml/2011/main" xmlns:a14="http://schemas.microsoft.com/office/drawing/2010/main" xmlns:m="http://schemas.openxmlformats.org/officeDocument/2006/math" xmlns="" val="1"/>
             </a:ext>
           </a:extLst>
         </p:spPr>
@@ -4663,7 +4688,7 @@
             </a:r>
           </a:p>
           <a:p>
-            <a:pPr lvl="1" marL="1130300" indent="-749300" algn="l" defTabSz="1828800">
+            <a:pPr marL="1130300" lvl="1" indent="-749300" algn="l" defTabSz="1828800">
               <a:buClr>
                 <a:srgbClr val="000000"/>
               </a:buClr>
@@ -4685,7 +4710,7 @@
             </a:r>
           </a:p>
           <a:p>
-            <a:pPr lvl="1" marL="1130300" indent="-749300" algn="l" defTabSz="1828800">
+            <a:pPr marL="1130300" lvl="1" indent="-749300" algn="l" defTabSz="1828800">
               <a:buClr>
                 <a:srgbClr val="000000"/>
               </a:buClr>
@@ -4707,7 +4732,7 @@
             </a:r>
           </a:p>
           <a:p>
-            <a:pPr lvl="1" marL="1130300" indent="-749300" algn="l" defTabSz="1828800">
+            <a:pPr marL="1130300" lvl="1" indent="-749300" algn="l" defTabSz="1828800">
               <a:buClr>
                 <a:srgbClr val="000000"/>
               </a:buClr>
@@ -4749,7 +4774,7 @@
           </a:ln>
           <a:extLst>
             <a:ext uri="{C572A759-6A51-4108-AA02-DFA0A04FC94B}">
-              <ma14:wrappingTextBoxFlag xmlns:ma14="http://schemas.microsoft.com/office/mac/drawingml/2011/main" val="1"/>
+              <ma14:wrappingTextBoxFlag xmlns:ma14="http://schemas.microsoft.com/office/mac/drawingml/2011/main" xmlns:a14="http://schemas.microsoft.com/office/drawing/2010/main" xmlns:m="http://schemas.openxmlformats.org/officeDocument/2006/math" xmlns="" val="1"/>
             </a:ext>
           </a:extLst>
         </p:spPr>
@@ -4781,7 +4806,7 @@
             </a:r>
           </a:p>
           <a:p>
-            <a:pPr lvl="1" marL="1130300" indent="-749300" algn="l" defTabSz="1828800">
+            <a:pPr marL="1130300" lvl="1" indent="-749300" algn="l" defTabSz="1828800">
               <a:buClr>
                 <a:srgbClr val="000000"/>
               </a:buClr>
@@ -4803,7 +4828,7 @@
             </a:r>
           </a:p>
           <a:p>
-            <a:pPr lvl="1" marL="1130300" indent="-749300" algn="l" defTabSz="1828800">
+            <a:pPr marL="1130300" lvl="1" indent="-749300" algn="l" defTabSz="1828800">
               <a:buClr>
                 <a:srgbClr val="000000"/>
               </a:buClr>
@@ -4825,7 +4850,7 @@
             </a:r>
           </a:p>
           <a:p>
-            <a:pPr lvl="1" marL="1130300" indent="-749300" algn="l" defTabSz="1828800">
+            <a:pPr marL="1130300" lvl="1" indent="-749300" algn="l" defTabSz="1828800">
               <a:buClr>
                 <a:srgbClr val="000000"/>
               </a:buClr>
@@ -4847,7 +4872,7 @@
             </a:r>
           </a:p>
           <a:p>
-            <a:pPr lvl="1" marL="1130300" indent="-749300" algn="l" defTabSz="1828800">
+            <a:pPr marL="1130300" lvl="1" indent="-749300" algn="l" defTabSz="1828800">
               <a:buClr>
                 <a:srgbClr val="000000"/>
               </a:buClr>
@@ -4869,7 +4894,7 @@
             </a:r>
           </a:p>
           <a:p>
-            <a:pPr lvl="1" marL="1130300" indent="-749300" algn="l" defTabSz="1828800">
+            <a:pPr marL="1130300" lvl="1" indent="-749300" algn="l" defTabSz="1828800">
               <a:buClr>
                 <a:srgbClr val="000000"/>
               </a:buClr>
@@ -4946,6 +4971,7 @@
                   <a:sym typeface="Helvetica Neue Light"/>
                 </a:defRPr>
               </a:pPr>
+              <a:endParaRPr/>
             </a:p>
           </p:txBody>
         </p:sp>
@@ -4980,7 +5006,7 @@
               </a:cxnLst>
               <a:rect l="0" t="0" r="r" b="b"/>
               <a:pathLst>
-                <a:path w="21600" h="0" fill="norm" stroke="1" extrusionOk="0">
+                <a:path w="21600" extrusionOk="0">
                   <a:moveTo>
                     <a:pt x="0" y="0"/>
                   </a:moveTo>
@@ -5005,7 +5031,7 @@
             <a:effectLst/>
             <a:extLst>
               <a:ext uri="{C572A759-6A51-4108-AA02-DFA0A04FC94B}">
-                <ma14:wrappingTextBoxFlag xmlns:ma14="http://schemas.microsoft.com/office/mac/drawingml/2011/main" val="1"/>
+                <ma14:wrappingTextBoxFlag xmlns:ma14="http://schemas.microsoft.com/office/mac/drawingml/2011/main" xmlns:a14="http://schemas.microsoft.com/office/drawing/2010/main" xmlns:m="http://schemas.openxmlformats.org/officeDocument/2006/math" xmlns="" val="1"/>
               </a:ext>
             </a:extLst>
           </p:spPr>
@@ -5027,7 +5053,6 @@
               </a:lvl1pPr>
             </a:lstStyle>
             <a:p>
-              <a:pPr/>
               <a:r>
                 <a:t>Pellungrini et al., Analyzing Privacy Risk in Human Mobility Data, STAF Workshops 2018</a:t>
               </a:r>
@@ -5040,14 +5065,14 @@
   <p:clrMapOvr>
     <a:masterClrMapping/>
   </p:clrMapOvr>
-  <p:transition xmlns:p14="http://schemas.microsoft.com/office/powerpoint/2010/main" spd="med" advClick="1"/>
+  <p:transition spd="med"/>
   <p:timing>
     <p:tnLst>
       <p:par>
-        <p:cTn id="1" nodeType="tmRoot" restart="never" dur="indefinite" fill="hold">
+        <p:cTn id="1" dur="indefinite" restart="never" fill="hold" nodeType="tmRoot">
           <p:childTnLst>
             <p:seq concurrent="1" prevAc="none" nextAc="seek">
-              <p:cTn id="2" nodeType="mainSeq" dur="indefinite" fill="hold">
+              <p:cTn id="2" dur="indefinite" fill="hold" nodeType="mainSeq">
                 <p:childTnLst>
                   <p:par>
                     <p:cTn id="3" fill="hold">
@@ -5062,11 +5087,11 @@
                             </p:stCondLst>
                             <p:childTnLst>
                               <p:par>
-                                <p:cTn id="5" presetClass="entr" nodeType="clickEffect" presetID="9" grpId="1" fill="hold">
+                                <p:cTn id="5" presetID="9" presetClass="entr" fill="hold" grpId="1" nodeType="clickEffect">
                                   <p:stCondLst>
                                     <p:cond delay="0"/>
                                   </p:stCondLst>
-                                  <p:iterate type="el" backwards="0">
+                                  <p:iterate>
                                     <p:tmAbs val="0"/>
                                   </p:iterate>
                                   <p:childTnLst>
@@ -5084,7 +5109,7 @@
                                         <p:strVal val="visible"/>
                                       </p:to>
                                     </p:set>
-                                    <p:animEffect filter="dissolve" transition="in">
+                                    <p:animEffect transition="in" filter="dissolve">
                                       <p:cBhvr>
                                         <p:cTn id="7" dur="1000"/>
                                         <p:tgtEl>
@@ -5105,11 +5130,11 @@
                             </p:stCondLst>
                             <p:childTnLst>
                               <p:par>
-                                <p:cTn id="9" presetClass="entr" nodeType="afterEffect" presetID="9" grpId="2" fill="hold">
+                                <p:cTn id="9" presetID="9" presetClass="entr" fill="hold" grpId="2" nodeType="afterEffect">
                                   <p:stCondLst>
                                     <p:cond delay="0"/>
                                   </p:stCondLst>
-                                  <p:iterate type="el" backwards="0">
+                                  <p:iterate>
                                     <p:tmAbs val="0"/>
                                   </p:iterate>
                                   <p:childTnLst>
@@ -5127,7 +5152,7 @@
                                         <p:strVal val="visible"/>
                                       </p:to>
                                     </p:set>
-                                    <p:animEffect filter="dissolve" transition="in">
+                                    <p:animEffect transition="in" filter="dissolve">
                                       <p:cBhvr>
                                         <p:cTn id="11" dur="1000"/>
                                         <p:tgtEl>
@@ -5147,14 +5172,14 @@
                 </p:childTnLst>
               </p:cTn>
               <p:prevCondLst>
-                <p:cond evt="onPrev">
+                <p:cond evt="onPrev" delay="0">
                   <p:tgtEl>
                     <p:sldTgt/>
                   </p:tgtEl>
                 </p:cond>
               </p:prevCondLst>
               <p:nextCondLst>
-                <p:cond evt="onNext">
+                <p:cond evt="onNext" delay="0">
                   <p:tgtEl>
                     <p:sldTgt/>
                   </p:tgtEl>
@@ -5166,15 +5191,15 @@
       </p:par>
     </p:tnLst>
     <p:bldLst>
-      <p:bldP build="whole" bldLvl="1" animBg="1" rev="0" advAuto="0" spid="206" grpId="2"/>
-      <p:bldP build="whole" bldLvl="1" animBg="1" rev="0" advAuto="0" spid="205" grpId="1"/>
+      <p:bldP spid="205" grpId="1" animBg="1" advAuto="0"/>
+      <p:bldP spid="206" grpId="2" animBg="1" advAuto="0"/>
     </p:bldLst>
   </p:timing>
 </p:sld>
 </file>
 
 <file path=ppt/slides/slide11.xml><?xml version="1.0" encoding="utf-8"?>
-<p:sld xmlns:a="http://schemas.openxmlformats.org/drawingml/2006/main" xmlns:r="http://schemas.openxmlformats.org/officeDocument/2006/relationships" xmlns:p="http://schemas.openxmlformats.org/presentationml/2006/main" xmlns:m="http://schemas.openxmlformats.org/officeDocument/2006/math" xmlns:a14="http://schemas.microsoft.com/office/drawing/2010/main" showMasterSp="1" showMasterPhAnim="1">
+<p:sld xmlns:a="http://schemas.openxmlformats.org/drawingml/2006/main" xmlns:r="http://schemas.openxmlformats.org/officeDocument/2006/relationships" xmlns:p="http://schemas.openxmlformats.org/presentationml/2006/main">
   <p:cSld>
     <p:spTree>
       <p:nvGrpSpPr>
@@ -5199,9 +5224,7 @@
           <p:nvPr/>
         </p:nvPicPr>
         <p:blipFill>
-          <a:blip r:embed="rId2">
-            <a:extLst/>
-          </a:blip>
+          <a:blip r:embed="rId2"/>
           <a:stretch>
             <a:fillRect/>
           </a:stretch>
@@ -5227,8 +5250,8 @@
         </p:nvSpPr>
         <p:spPr>
           <a:xfrm>
-            <a:off x="3962400" y="764503"/>
-            <a:ext cx="16459200" cy="1016350"/>
+            <a:off x="3962400" y="749458"/>
+            <a:ext cx="16459200" cy="1046440"/>
           </a:xfrm>
           <a:prstGeom prst="rect">
             <a:avLst/>
@@ -5238,7 +5261,7 @@
           </a:ln>
           <a:extLst>
             <a:ext uri="{C572A759-6A51-4108-AA02-DFA0A04FC94B}">
-              <ma14:wrappingTextBoxFlag xmlns:ma14="http://schemas.microsoft.com/office/mac/drawingml/2011/main" val="1"/>
+              <ma14:wrappingTextBoxFlag xmlns:ma14="http://schemas.microsoft.com/office/mac/drawingml/2011/main" xmlns:a14="http://schemas.microsoft.com/office/drawing/2010/main" xmlns:m="http://schemas.openxmlformats.org/officeDocument/2006/math" xmlns="" val="1"/>
             </a:ext>
           </a:extLst>
         </p:spPr>
@@ -5260,8 +5283,12 @@
             </a:lvl1pPr>
           </a:lstStyle>
           <a:p>
-            <a:pPr/>
             <a:r>
+              <a:rPr b="1">
+                <a:solidFill>
+                  <a:schemeClr val="tx1"/>
+                </a:solidFill>
+              </a:rPr>
               <a:t>An example of real results</a:t>
             </a:r>
           </a:p>
@@ -5286,7 +5313,7 @@
           </a:ln>
           <a:extLst>
             <a:ext uri="{C572A759-6A51-4108-AA02-DFA0A04FC94B}">
-              <ma14:wrappingTextBoxFlag xmlns:ma14="http://schemas.microsoft.com/office/mac/drawingml/2011/main" val="1"/>
+              <ma14:wrappingTextBoxFlag xmlns:ma14="http://schemas.microsoft.com/office/mac/drawingml/2011/main" xmlns:a14="http://schemas.microsoft.com/office/drawing/2010/main" xmlns:m="http://schemas.openxmlformats.org/officeDocument/2006/math" xmlns="" val="1"/>
             </a:ext>
           </a:extLst>
         </p:spPr>
@@ -5314,7 +5341,6 @@
             </a:lvl1pPr>
           </a:lstStyle>
           <a:p>
-            <a:pPr/>
             <a:r>
               <a:t>Location attack performed on real gps data from the city of Florence</a:t>
             </a:r>
@@ -5326,14 +5352,14 @@
   <p:clrMapOvr>
     <a:masterClrMapping/>
   </p:clrMapOvr>
-  <p:transition xmlns:p14="http://schemas.microsoft.com/office/powerpoint/2010/main" spd="med" advClick="1"/>
+  <p:transition spd="med"/>
   <p:timing>
     <p:tnLst>
       <p:par>
-        <p:cTn id="1" nodeType="tmRoot" restart="never" dur="indefinite" fill="hold">
+        <p:cTn id="1" dur="indefinite" restart="never" fill="hold" nodeType="tmRoot">
           <p:childTnLst>
             <p:seq concurrent="1" prevAc="none" nextAc="seek">
-              <p:cTn id="2" nodeType="mainSeq" dur="indefinite" fill="hold">
+              <p:cTn id="2" dur="indefinite" fill="hold" nodeType="mainSeq">
                 <p:childTnLst>
                   <p:par>
                     <p:cTn id="3" fill="hold">
@@ -5348,11 +5374,11 @@
                             </p:stCondLst>
                             <p:childTnLst>
                               <p:par>
-                                <p:cTn id="5" presetClass="entr" nodeType="clickEffect" presetID="9" grpId="1" fill="hold">
+                                <p:cTn id="5" presetID="9" presetClass="entr" fill="hold" grpId="1" nodeType="clickEffect">
                                   <p:stCondLst>
                                     <p:cond delay="0"/>
                                   </p:stCondLst>
-                                  <p:iterate type="el" backwards="0">
+                                  <p:iterate>
                                     <p:tmAbs val="0"/>
                                   </p:iterate>
                                   <p:childTnLst>
@@ -5370,7 +5396,7 @@
                                         <p:strVal val="visible"/>
                                       </p:to>
                                     </p:set>
-                                    <p:animEffect filter="dissolve" transition="in">
+                                    <p:animEffect transition="in" filter="dissolve">
                                       <p:cBhvr>
                                         <p:cTn id="7" dur="1000"/>
                                         <p:tgtEl>
@@ -5391,11 +5417,11 @@
                             </p:stCondLst>
                             <p:childTnLst>
                               <p:par>
-                                <p:cTn id="9" presetClass="entr" nodeType="afterEffect" presetID="9" grpId="2" fill="hold">
+                                <p:cTn id="9" presetID="9" presetClass="entr" fill="hold" grpId="2" nodeType="afterEffect">
                                   <p:stCondLst>
                                     <p:cond delay="0"/>
                                   </p:stCondLst>
-                                  <p:iterate type="el" backwards="0">
+                                  <p:iterate>
                                     <p:tmAbs val="0"/>
                                   </p:iterate>
                                   <p:childTnLst>
@@ -5413,7 +5439,7 @@
                                         <p:strVal val="visible"/>
                                       </p:to>
                                     </p:set>
-                                    <p:animEffect filter="dissolve" transition="in">
+                                    <p:animEffect transition="in" filter="dissolve">
                                       <p:cBhvr>
                                         <p:cTn id="11" dur="1000"/>
                                         <p:tgtEl>
@@ -5433,14 +5459,14 @@
                 </p:childTnLst>
               </p:cTn>
               <p:prevCondLst>
-                <p:cond evt="onPrev">
+                <p:cond evt="onPrev" delay="0">
                   <p:tgtEl>
                     <p:sldTgt/>
                   </p:tgtEl>
                 </p:cond>
               </p:prevCondLst>
               <p:nextCondLst>
-                <p:cond evt="onNext">
+                <p:cond evt="onNext" delay="0">
                   <p:tgtEl>
                     <p:sldTgt/>
                   </p:tgtEl>
@@ -5452,15 +5478,15 @@
       </p:par>
     </p:tnLst>
     <p:bldLst>
-      <p:bldP build="whole" bldLvl="1" animBg="1" rev="0" advAuto="0" spid="213" grpId="1"/>
-      <p:bldP build="whole" bldLvl="1" animBg="1" rev="0" advAuto="0" spid="211" grpId="2"/>
+      <p:bldP spid="211" grpId="2" animBg="1" advAuto="0"/>
+      <p:bldP spid="213" grpId="1" animBg="1" advAuto="0"/>
     </p:bldLst>
   </p:timing>
 </p:sld>
 </file>
 
 <file path=ppt/slides/slide12.xml><?xml version="1.0" encoding="utf-8"?>
-<p:sld xmlns:a="http://schemas.openxmlformats.org/drawingml/2006/main" xmlns:r="http://schemas.openxmlformats.org/officeDocument/2006/relationships" xmlns:p="http://schemas.openxmlformats.org/presentationml/2006/main" xmlns:m="http://schemas.openxmlformats.org/officeDocument/2006/math" xmlns:a14="http://schemas.microsoft.com/office/drawing/2010/main" showMasterSp="1" showMasterPhAnim="1">
+<p:sld xmlns:a="http://schemas.openxmlformats.org/drawingml/2006/main" xmlns:r="http://schemas.openxmlformats.org/officeDocument/2006/relationships" xmlns:p="http://schemas.openxmlformats.org/presentationml/2006/main">
   <p:cSld>
     <p:spTree>
       <p:nvGrpSpPr>
@@ -5485,9 +5511,7 @@
           <p:nvPr/>
         </p:nvPicPr>
         <p:blipFill>
-          <a:blip r:embed="rId2">
-            <a:extLst/>
-          </a:blip>
+          <a:blip r:embed="rId2"/>
           <a:stretch>
             <a:fillRect/>
           </a:stretch>
@@ -5513,8 +5537,8 @@
         </p:nvSpPr>
         <p:spPr>
           <a:xfrm>
-            <a:off x="3962400" y="764503"/>
-            <a:ext cx="16459200" cy="1016350"/>
+            <a:off x="3962400" y="749458"/>
+            <a:ext cx="16459200" cy="1046440"/>
           </a:xfrm>
           <a:prstGeom prst="rect">
             <a:avLst/>
@@ -5524,7 +5548,7 @@
           </a:ln>
           <a:extLst>
             <a:ext uri="{C572A759-6A51-4108-AA02-DFA0A04FC94B}">
-              <ma14:wrappingTextBoxFlag xmlns:ma14="http://schemas.microsoft.com/office/mac/drawingml/2011/main" val="1"/>
+              <ma14:wrappingTextBoxFlag xmlns:ma14="http://schemas.microsoft.com/office/mac/drawingml/2011/main" xmlns:a14="http://schemas.microsoft.com/office/drawing/2010/main" xmlns:m="http://schemas.openxmlformats.org/officeDocument/2006/math" xmlns="" val="1"/>
             </a:ext>
           </a:extLst>
         </p:spPr>
@@ -5546,8 +5570,12 @@
             </a:lvl1pPr>
           </a:lstStyle>
           <a:p>
-            <a:pPr/>
             <a:r>
+              <a:rPr b="1" dirty="0">
+                <a:solidFill>
+                  <a:schemeClr val="tx1"/>
+                </a:solidFill>
+              </a:rPr>
               <a:t>Computational complexity</a:t>
             </a:r>
           </a:p>
@@ -5572,7 +5600,7 @@
           </a:ln>
           <a:extLst>
             <a:ext uri="{C572A759-6A51-4108-AA02-DFA0A04FC94B}">
-              <ma14:wrappingTextBoxFlag xmlns:ma14="http://schemas.microsoft.com/office/mac/drawingml/2011/main" val="1"/>
+              <ma14:wrappingTextBoxFlag xmlns:ma14="http://schemas.microsoft.com/office/mac/drawingml/2011/main" xmlns:a14="http://schemas.microsoft.com/office/drawing/2010/main" xmlns:m="http://schemas.openxmlformats.org/officeDocument/2006/math" xmlns="" val="1"/>
             </a:ext>
           </a:extLst>
         </p:spPr>
@@ -5634,7 +5662,6 @@
             </a:lvl3pPr>
           </a:lstStyle>
           <a:p>
-            <a:pPr/>
             <a:r>
               <a:t>For each individual compute all possible instances of background knowledge</a:t>
             </a:r>
@@ -5672,7 +5699,7 @@
           </a:ln>
           <a:extLst>
             <a:ext uri="{C572A759-6A51-4108-AA02-DFA0A04FC94B}">
-              <ma14:wrappingTextBoxFlag xmlns:ma14="http://schemas.microsoft.com/office/mac/drawingml/2011/main" val="1"/>
+              <ma14:wrappingTextBoxFlag xmlns:ma14="http://schemas.microsoft.com/office/mac/drawingml/2011/main" xmlns:a14="http://schemas.microsoft.com/office/drawing/2010/main" xmlns:m="http://schemas.openxmlformats.org/officeDocument/2006/math" xmlns="" val="1"/>
             </a:ext>
           </a:extLst>
         </p:spPr>
@@ -5700,7 +5727,6 @@
             </a:lvl1pPr>
           </a:lstStyle>
           <a:p>
-            <a:pPr/>
             <a:r>
               <a:t>Complexity:</a:t>
             </a:r>
@@ -5712,14 +5738,14 @@
   <p:clrMapOvr>
     <a:masterClrMapping/>
   </p:clrMapOvr>
-  <p:transition xmlns:p14="http://schemas.microsoft.com/office/powerpoint/2010/main" spd="med" advClick="1"/>
+  <p:transition spd="med"/>
   <p:timing>
     <p:tnLst>
       <p:par>
-        <p:cTn id="1" nodeType="tmRoot" restart="never" dur="indefinite" fill="hold">
+        <p:cTn id="1" dur="indefinite" restart="never" fill="hold" nodeType="tmRoot">
           <p:childTnLst>
             <p:seq concurrent="1" prevAc="none" nextAc="seek">
-              <p:cTn id="2" nodeType="mainSeq" dur="indefinite" fill="hold">
+              <p:cTn id="2" dur="indefinite" fill="hold" nodeType="mainSeq">
                 <p:childTnLst>
                   <p:par>
                     <p:cTn id="3" fill="hold">
@@ -5734,11 +5760,11 @@
                             </p:stCondLst>
                             <p:childTnLst>
                               <p:par>
-                                <p:cTn id="5" presetClass="entr" nodeType="clickEffect" presetID="9" grpId="1" fill="hold">
+                                <p:cTn id="5" presetID="9" presetClass="entr" fill="hold" grpId="1" nodeType="clickEffect">
                                   <p:stCondLst>
                                     <p:cond delay="0"/>
                                   </p:stCondLst>
-                                  <p:iterate type="el" backwards="0">
+                                  <p:iterate>
                                     <p:tmAbs val="0"/>
                                   </p:iterate>
                                   <p:childTnLst>
@@ -5756,7 +5782,7 @@
                                         <p:strVal val="visible"/>
                                       </p:to>
                                     </p:set>
-                                    <p:animEffect filter="dissolve" transition="in">
+                                    <p:animEffect transition="in" filter="dissolve">
                                       <p:cBhvr>
                                         <p:cTn id="7" dur="1000"/>
                                         <p:tgtEl>
@@ -5786,11 +5812,11 @@
                             </p:stCondLst>
                             <p:childTnLst>
                               <p:par>
-                                <p:cTn id="10" presetClass="entr" nodeType="clickEffect" presetID="9" grpId="2" fill="hold">
+                                <p:cTn id="10" presetID="9" presetClass="entr" fill="hold" grpId="2" nodeType="clickEffect">
                                   <p:stCondLst>
                                     <p:cond delay="0"/>
                                   </p:stCondLst>
-                                  <p:iterate type="el" backwards="0">
+                                  <p:iterate>
                                     <p:tmAbs val="0"/>
                                   </p:iterate>
                                   <p:childTnLst>
@@ -5808,7 +5834,7 @@
                                         <p:strVal val="visible"/>
                                       </p:to>
                                     </p:set>
-                                    <p:animEffect filter="dissolve" transition="in">
+                                    <p:animEffect transition="in" filter="dissolve">
                                       <p:cBhvr>
                                         <p:cTn id="12" dur="1000"/>
                                         <p:tgtEl>
@@ -5829,11 +5855,11 @@
                             </p:stCondLst>
                             <p:childTnLst>
                               <p:par>
-                                <p:cTn id="14" presetClass="entr" nodeType="afterEffect" presetID="9" grpId="3" fill="hold">
+                                <p:cTn id="14" presetID="9" presetClass="entr" fill="hold" grpId="3" nodeType="afterEffect">
                                   <p:stCondLst>
                                     <p:cond delay="0"/>
                                   </p:stCondLst>
-                                  <p:iterate type="el" backwards="0">
+                                  <p:iterate>
                                     <p:tmAbs val="0"/>
                                   </p:iterate>
                                   <p:childTnLst>
@@ -5851,7 +5877,7 @@
                                         <p:strVal val="visible"/>
                                       </p:to>
                                     </p:set>
-                                    <p:animEffect filter="dissolve" transition="in">
+                                    <p:animEffect transition="in" filter="dissolve">
                                       <p:cBhvr>
                                         <p:cTn id="16" dur="1000"/>
                                         <p:tgtEl>
@@ -5871,14 +5897,14 @@
                 </p:childTnLst>
               </p:cTn>
               <p:prevCondLst>
-                <p:cond evt="onPrev">
+                <p:cond evt="onPrev" delay="0">
                   <p:tgtEl>
                     <p:sldTgt/>
                   </p:tgtEl>
                 </p:cond>
               </p:prevCondLst>
               <p:nextCondLst>
-                <p:cond evt="onNext">
+                <p:cond evt="onNext" delay="0">
                   <p:tgtEl>
                     <p:sldTgt/>
                   </p:tgtEl>
@@ -5890,16 +5916,16 @@
       </p:par>
     </p:tnLst>
     <p:bldLst>
-      <p:bldP build="whole" bldLvl="1" animBg="1" rev="0" advAuto="0" spid="218" grpId="2"/>
-      <p:bldP build="whole" bldLvl="1" animBg="1" rev="0" advAuto="0" spid="217" grpId="1"/>
-      <p:bldP build="whole" bldLvl="1" animBg="1" rev="0" advAuto="0" spid="215" grpId="3"/>
+      <p:bldP spid="215" grpId="3" animBg="1" advAuto="0"/>
+      <p:bldP spid="217" grpId="1" animBg="1" advAuto="0"/>
+      <p:bldP spid="218" grpId="2" animBg="1" advAuto="0"/>
     </p:bldLst>
   </p:timing>
 </p:sld>
 </file>
 
 <file path=ppt/slides/slide13.xml><?xml version="1.0" encoding="utf-8"?>
-<p:sld xmlns:a="http://schemas.openxmlformats.org/drawingml/2006/main" xmlns:r="http://schemas.openxmlformats.org/officeDocument/2006/relationships" xmlns:p="http://schemas.openxmlformats.org/presentationml/2006/main" xmlns:m="http://schemas.openxmlformats.org/officeDocument/2006/math" xmlns:a14="http://schemas.microsoft.com/office/drawing/2010/main" showMasterSp="1" showMasterPhAnim="1">
+<p:sld xmlns:a="http://schemas.openxmlformats.org/drawingml/2006/main" xmlns:r="http://schemas.openxmlformats.org/officeDocument/2006/relationships" xmlns:p="http://schemas.openxmlformats.org/presentationml/2006/main">
   <p:cSld>
     <p:spTree>
       <p:nvGrpSpPr>
@@ -5923,8 +5949,8 @@
         </p:nvSpPr>
         <p:spPr>
           <a:xfrm>
-            <a:off x="3962400" y="764503"/>
-            <a:ext cx="16459200" cy="1016350"/>
+            <a:off x="3962400" y="749458"/>
+            <a:ext cx="16459200" cy="1046440"/>
           </a:xfrm>
           <a:prstGeom prst="rect">
             <a:avLst/>
@@ -5934,7 +5960,7 @@
           </a:ln>
           <a:extLst>
             <a:ext uri="{C572A759-6A51-4108-AA02-DFA0A04FC94B}">
-              <ma14:wrappingTextBoxFlag xmlns:ma14="http://schemas.microsoft.com/office/mac/drawingml/2011/main" val="1"/>
+              <ma14:wrappingTextBoxFlag xmlns:ma14="http://schemas.microsoft.com/office/mac/drawingml/2011/main" xmlns:a14="http://schemas.microsoft.com/office/drawing/2010/main" xmlns:m="http://schemas.openxmlformats.org/officeDocument/2006/math" xmlns="" val="1"/>
             </a:ext>
           </a:extLst>
         </p:spPr>
@@ -5956,8 +5982,12 @@
             </a:lvl1pPr>
           </a:lstStyle>
           <a:p>
-            <a:pPr/>
             <a:r>
+              <a:rPr b="1" dirty="0">
+                <a:solidFill>
+                  <a:schemeClr val="tx1"/>
+                </a:solidFill>
+              </a:rPr>
               <a:t>Further extensions</a:t>
             </a:r>
           </a:p>
@@ -5982,7 +6012,7 @@
           </a:ln>
           <a:extLst>
             <a:ext uri="{C572A759-6A51-4108-AA02-DFA0A04FC94B}">
-              <ma14:wrappingTextBoxFlag xmlns:ma14="http://schemas.microsoft.com/office/mac/drawingml/2011/main" val="1"/>
+              <ma14:wrappingTextBoxFlag xmlns:ma14="http://schemas.microsoft.com/office/mac/drawingml/2011/main" xmlns:a14="http://schemas.microsoft.com/office/drawing/2010/main" xmlns:m="http://schemas.openxmlformats.org/officeDocument/2006/math" xmlns="" val="1"/>
             </a:ext>
           </a:extLst>
         </p:spPr>
@@ -6087,7 +6117,7 @@
           </a:ln>
           <a:extLst>
             <a:ext uri="{C572A759-6A51-4108-AA02-DFA0A04FC94B}">
-              <ma14:wrappingTextBoxFlag xmlns:ma14="http://schemas.microsoft.com/office/mac/drawingml/2011/main" val="1"/>
+              <ma14:wrappingTextBoxFlag xmlns:ma14="http://schemas.microsoft.com/office/mac/drawingml/2011/main" xmlns:a14="http://schemas.microsoft.com/office/drawing/2010/main" xmlns:m="http://schemas.openxmlformats.org/officeDocument/2006/math" xmlns="" val="1"/>
             </a:ext>
           </a:extLst>
         </p:spPr>
@@ -6112,7 +6142,6 @@
             </a:lvl1pPr>
           </a:lstStyle>
           <a:p>
-            <a:pPr/>
             <a:r>
               <a:t>Coming soon… </a:t>
             </a:r>
@@ -6124,12 +6153,12 @@
   <p:clrMapOvr>
     <a:masterClrMapping/>
   </p:clrMapOvr>
-  <p:transition xmlns:p14="http://schemas.microsoft.com/office/powerpoint/2010/main" spd="med" advClick="1"/>
+  <p:transition spd="med"/>
 </p:sld>
 </file>
 
 <file path=ppt/slides/slide2.xml><?xml version="1.0" encoding="utf-8"?>
-<p:sld xmlns:a="http://schemas.openxmlformats.org/drawingml/2006/main" xmlns:r="http://schemas.openxmlformats.org/officeDocument/2006/relationships" xmlns:p="http://schemas.openxmlformats.org/presentationml/2006/main" xmlns:m="http://schemas.openxmlformats.org/officeDocument/2006/math" xmlns:a14="http://schemas.microsoft.com/office/drawing/2010/main" showMasterSp="1" showMasterPhAnim="1">
+<p:sld xmlns:a="http://schemas.openxmlformats.org/drawingml/2006/main" xmlns:r="http://schemas.openxmlformats.org/officeDocument/2006/relationships" xmlns:p="http://schemas.openxmlformats.org/presentationml/2006/main">
   <p:cSld>
     <p:spTree>
       <p:nvGrpSpPr>
@@ -6164,7 +6193,7 @@
           </a:ln>
           <a:extLst>
             <a:ext uri="{C572A759-6A51-4108-AA02-DFA0A04FC94B}">
-              <ma14:wrappingTextBoxFlag xmlns:ma14="http://schemas.microsoft.com/office/mac/drawingml/2011/main" val="1"/>
+              <ma14:wrappingTextBoxFlag xmlns:ma14="http://schemas.microsoft.com/office/mac/drawingml/2011/main" xmlns:a14="http://schemas.microsoft.com/office/drawing/2010/main" xmlns:m="http://schemas.openxmlformats.org/officeDocument/2006/math" xmlns="" val="1"/>
             </a:ext>
           </a:extLst>
         </p:spPr>
@@ -6243,7 +6272,7 @@
           </a:ln>
           <a:extLst>
             <a:ext uri="{C572A759-6A51-4108-AA02-DFA0A04FC94B}">
-              <ma14:wrappingTextBoxFlag xmlns:ma14="http://schemas.microsoft.com/office/mac/drawingml/2011/main" val="1"/>
+              <ma14:wrappingTextBoxFlag xmlns:ma14="http://schemas.microsoft.com/office/mac/drawingml/2011/main" xmlns:a14="http://schemas.microsoft.com/office/drawing/2010/main" xmlns:m="http://schemas.openxmlformats.org/officeDocument/2006/math" xmlns="" val="1"/>
             </a:ext>
           </a:extLst>
         </p:spPr>
@@ -6254,7 +6283,7 @@
           <a:lstStyle/>
           <a:p>
             <a:pPr algn="l" defTabSz="1828800">
-              <a:defRPr b="1" sz="6000">
+              <a:defRPr sz="6000" b="1">
                 <a:solidFill>
                   <a:srgbClr val="000000"/>
                 </a:solidFill>
@@ -6276,12 +6305,6 @@
               </a:rPr>
               <a:t> has many connotations:</a:t>
             </a:r>
-            <a:endParaRPr b="0">
-              <a:latin typeface="Helvetica Neue Light"/>
-              <a:ea typeface="Helvetica Neue Light"/>
-              <a:cs typeface="Helvetica Neue Light"/>
-              <a:sym typeface="Helvetica Neue Light"/>
-            </a:endParaRPr>
           </a:p>
           <a:p>
             <a:pPr indent="685800" algn="l" defTabSz="1828800">
@@ -6345,8 +6368,8 @@
         </p:nvSpPr>
         <p:spPr>
           <a:xfrm>
-            <a:off x="3962400" y="408927"/>
-            <a:ext cx="16459200" cy="1016350"/>
+            <a:off x="3962400" y="393882"/>
+            <a:ext cx="16459200" cy="1046440"/>
           </a:xfrm>
           <a:prstGeom prst="rect">
             <a:avLst/>
@@ -6356,7 +6379,7 @@
           </a:ln>
           <a:extLst>
             <a:ext uri="{C572A759-6A51-4108-AA02-DFA0A04FC94B}">
-              <ma14:wrappingTextBoxFlag xmlns:ma14="http://schemas.microsoft.com/office/mac/drawingml/2011/main" val="1"/>
+              <ma14:wrappingTextBoxFlag xmlns:ma14="http://schemas.microsoft.com/office/mac/drawingml/2011/main" xmlns:a14="http://schemas.microsoft.com/office/drawing/2010/main" xmlns:m="http://schemas.openxmlformats.org/officeDocument/2006/math" xmlns="" val="1"/>
             </a:ext>
           </a:extLst>
         </p:spPr>
@@ -6378,8 +6401,12 @@
             </a:lvl1pPr>
           </a:lstStyle>
           <a:p>
-            <a:pPr/>
             <a:r>
+              <a:rPr b="1" dirty="0">
+                <a:solidFill>
+                  <a:schemeClr val="tx1"/>
+                </a:solidFill>
+              </a:rPr>
               <a:t>What’s the meaning of privacy?</a:t>
             </a:r>
           </a:p>
@@ -6390,14 +6417,14 @@
   <p:clrMapOvr>
     <a:masterClrMapping/>
   </p:clrMapOvr>
-  <p:transition xmlns:p14="http://schemas.microsoft.com/office/powerpoint/2010/main" spd="med" advClick="1"/>
+  <p:transition spd="med"/>
   <p:timing>
     <p:tnLst>
       <p:par>
-        <p:cTn id="1" nodeType="tmRoot" restart="never" dur="indefinite" fill="hold">
+        <p:cTn id="1" dur="indefinite" restart="never" fill="hold" nodeType="tmRoot">
           <p:childTnLst>
             <p:seq concurrent="1" prevAc="none" nextAc="seek">
-              <p:cTn id="2" nodeType="mainSeq" dur="indefinite" fill="hold">
+              <p:cTn id="2" dur="indefinite" fill="hold" nodeType="mainSeq">
                 <p:childTnLst>
                   <p:par>
                     <p:cTn id="3" fill="hold">
@@ -6412,11 +6439,11 @@
                             </p:stCondLst>
                             <p:childTnLst>
                               <p:par>
-                                <p:cTn id="5" presetClass="entr" nodeType="clickEffect" presetID="9" grpId="1" fill="hold">
+                                <p:cTn id="5" presetID="9" presetClass="entr" fill="hold" grpId="1" nodeType="clickEffect">
                                   <p:stCondLst>
                                     <p:cond delay="0"/>
                                   </p:stCondLst>
-                                  <p:iterate type="el" backwards="0">
+                                  <p:iterate>
                                     <p:tmAbs val="0"/>
                                   </p:iterate>
                                   <p:childTnLst>
@@ -6434,7 +6461,7 @@
                                         <p:strVal val="visible"/>
                                       </p:to>
                                     </p:set>
-                                    <p:animEffect filter="dissolve" transition="in">
+                                    <p:animEffect transition="in" filter="dissolve">
                                       <p:cBhvr>
                                         <p:cTn id="7" dur="1000"/>
                                         <p:tgtEl>
@@ -6455,11 +6482,11 @@
                             </p:stCondLst>
                             <p:childTnLst>
                               <p:par>
-                                <p:cTn id="9" presetClass="entr" nodeType="afterEffect" presetID="9" grpId="2" fill="hold">
+                                <p:cTn id="9" presetID="9" presetClass="entr" fill="hold" grpId="2" nodeType="afterEffect">
                                   <p:stCondLst>
                                     <p:cond delay="0"/>
                                   </p:stCondLst>
-                                  <p:iterate type="el" backwards="0">
+                                  <p:iterate>
                                     <p:tmAbs val="0"/>
                                   </p:iterate>
                                   <p:childTnLst>
@@ -6477,7 +6504,7 @@
                                         <p:strVal val="visible"/>
                                       </p:to>
                                     </p:set>
-                                    <p:animEffect filter="dissolve" transition="in">
+                                    <p:animEffect transition="in" filter="dissolve">
                                       <p:cBhvr>
                                         <p:cTn id="11" dur="1000"/>
                                         <p:tgtEl>
@@ -6497,14 +6524,14 @@
                 </p:childTnLst>
               </p:cTn>
               <p:prevCondLst>
-                <p:cond evt="onPrev">
+                <p:cond evt="onPrev" delay="0">
                   <p:tgtEl>
                     <p:sldTgt/>
                   </p:tgtEl>
                 </p:cond>
               </p:prevCondLst>
               <p:nextCondLst>
-                <p:cond evt="onNext">
+                <p:cond evt="onNext" delay="0">
                   <p:tgtEl>
                     <p:sldTgt/>
                   </p:tgtEl>
@@ -6516,15 +6543,15 @@
       </p:par>
     </p:tnLst>
     <p:bldLst>
-      <p:bldP build="whole" bldLvl="1" animBg="1" rev="0" advAuto="0" spid="151" grpId="2"/>
-      <p:bldP build="whole" bldLvl="1" animBg="1" rev="0" advAuto="0" spid="152" grpId="1"/>
+      <p:bldP spid="151" grpId="2" animBg="1" advAuto="0"/>
+      <p:bldP spid="152" grpId="1" animBg="1" advAuto="0"/>
     </p:bldLst>
   </p:timing>
 </p:sld>
 </file>
 
 <file path=ppt/slides/slide3.xml><?xml version="1.0" encoding="utf-8"?>
-<p:sld xmlns:a="http://schemas.openxmlformats.org/drawingml/2006/main" xmlns:r="http://schemas.openxmlformats.org/officeDocument/2006/relationships" xmlns:p="http://schemas.openxmlformats.org/presentationml/2006/main" xmlns:m="http://schemas.openxmlformats.org/officeDocument/2006/math" xmlns:a14="http://schemas.microsoft.com/office/drawing/2010/main" showMasterSp="1" showMasterPhAnim="1">
+<p:sld xmlns:a="http://schemas.openxmlformats.org/drawingml/2006/main" xmlns:r="http://schemas.openxmlformats.org/officeDocument/2006/relationships" xmlns:p="http://schemas.openxmlformats.org/presentationml/2006/main">
   <p:cSld>
     <p:spTree>
       <p:nvGrpSpPr>
@@ -6548,8 +6575,8 @@
         </p:nvSpPr>
         <p:spPr>
           <a:xfrm>
-            <a:off x="3962400" y="408903"/>
-            <a:ext cx="16459200" cy="1016350"/>
+            <a:off x="3962400" y="393858"/>
+            <a:ext cx="16459200" cy="1046440"/>
           </a:xfrm>
           <a:prstGeom prst="rect">
             <a:avLst/>
@@ -6559,7 +6586,7 @@
           </a:ln>
           <a:extLst>
             <a:ext uri="{C572A759-6A51-4108-AA02-DFA0A04FC94B}">
-              <ma14:wrappingTextBoxFlag xmlns:ma14="http://schemas.microsoft.com/office/mac/drawingml/2011/main" val="1"/>
+              <ma14:wrappingTextBoxFlag xmlns:ma14="http://schemas.microsoft.com/office/mac/drawingml/2011/main" xmlns:a14="http://schemas.microsoft.com/office/drawing/2010/main" xmlns:m="http://schemas.openxmlformats.org/officeDocument/2006/math" xmlns="" val="1"/>
             </a:ext>
           </a:extLst>
         </p:spPr>
@@ -6581,8 +6608,12 @@
             </a:lvl1pPr>
           </a:lstStyle>
           <a:p>
-            <a:pPr/>
             <a:r>
+              <a:rPr b="1" dirty="0">
+                <a:solidFill>
+                  <a:schemeClr val="tx1"/>
+                </a:solidFill>
+              </a:rPr>
               <a:t>Why privacy for mobility data is a concern?</a:t>
             </a:r>
           </a:p>
@@ -6607,7 +6638,7 @@
           </a:ln>
           <a:extLst>
             <a:ext uri="{C572A759-6A51-4108-AA02-DFA0A04FC94B}">
-              <ma14:wrappingTextBoxFlag xmlns:ma14="http://schemas.microsoft.com/office/mac/drawingml/2011/main" val="1"/>
+              <ma14:wrappingTextBoxFlag xmlns:ma14="http://schemas.microsoft.com/office/mac/drawingml/2011/main" xmlns:a14="http://schemas.microsoft.com/office/drawing/2010/main" xmlns:m="http://schemas.openxmlformats.org/officeDocument/2006/math" xmlns="" val="1"/>
             </a:ext>
           </a:extLst>
         </p:spPr>
@@ -6671,7 +6702,7 @@
           </a:ln>
           <a:extLst>
             <a:ext uri="{C572A759-6A51-4108-AA02-DFA0A04FC94B}">
-              <ma14:wrappingTextBoxFlag xmlns:ma14="http://schemas.microsoft.com/office/mac/drawingml/2011/main" val="1"/>
+              <ma14:wrappingTextBoxFlag xmlns:ma14="http://schemas.microsoft.com/office/mac/drawingml/2011/main" xmlns:a14="http://schemas.microsoft.com/office/drawing/2010/main" xmlns:m="http://schemas.openxmlformats.org/officeDocument/2006/math" xmlns="" val="1"/>
             </a:ext>
           </a:extLst>
         </p:spPr>
@@ -6725,9 +6756,7 @@
           <p:nvPr/>
         </p:nvPicPr>
         <p:blipFill>
-          <a:blip r:embed="rId2">
-            <a:extLst/>
-          </a:blip>
+          <a:blip r:embed="rId2"/>
           <a:stretch>
             <a:fillRect/>
           </a:stretch>
@@ -6750,14 +6779,14 @@
   <p:clrMapOvr>
     <a:masterClrMapping/>
   </p:clrMapOvr>
-  <p:transition xmlns:p14="http://schemas.microsoft.com/office/powerpoint/2010/main" spd="med" advClick="1"/>
+  <p:transition spd="med"/>
   <p:timing>
     <p:tnLst>
       <p:par>
-        <p:cTn id="1" nodeType="tmRoot" restart="never" dur="indefinite" fill="hold">
+        <p:cTn id="1" dur="indefinite" restart="never" fill="hold" nodeType="tmRoot">
           <p:childTnLst>
             <p:seq concurrent="1" prevAc="none" nextAc="seek">
-              <p:cTn id="2" nodeType="mainSeq" dur="indefinite" fill="hold">
+              <p:cTn id="2" dur="indefinite" fill="hold" nodeType="mainSeq">
                 <p:childTnLst>
                   <p:par>
                     <p:cTn id="3" fill="hold">
@@ -6772,11 +6801,11 @@
                             </p:stCondLst>
                             <p:childTnLst>
                               <p:par>
-                                <p:cTn id="5" presetClass="entr" nodeType="clickEffect" presetID="9" grpId="1" fill="hold">
+                                <p:cTn id="5" presetID="9" presetClass="entr" fill="hold" grpId="1" nodeType="clickEffect">
                                   <p:stCondLst>
                                     <p:cond delay="0"/>
                                   </p:stCondLst>
-                                  <p:iterate type="el" backwards="0">
+                                  <p:iterate>
                                     <p:tmAbs val="0"/>
                                   </p:iterate>
                                   <p:childTnLst>
@@ -6794,7 +6823,7 @@
                                         <p:strVal val="visible"/>
                                       </p:to>
                                     </p:set>
-                                    <p:animEffect filter="dissolve" transition="in">
+                                    <p:animEffect transition="in" filter="dissolve">
                                       <p:cBhvr>
                                         <p:cTn id="7" dur="1000"/>
                                         <p:tgtEl>
@@ -6815,11 +6844,11 @@
                             </p:stCondLst>
                             <p:childTnLst>
                               <p:par>
-                                <p:cTn id="9" presetClass="entr" nodeType="afterEffect" presetID="9" grpId="2" fill="hold">
+                                <p:cTn id="9" presetID="9" presetClass="entr" fill="hold" grpId="2" nodeType="afterEffect">
                                   <p:stCondLst>
                                     <p:cond delay="0"/>
                                   </p:stCondLst>
-                                  <p:iterate type="el" backwards="0">
+                                  <p:iterate>
                                     <p:tmAbs val="0"/>
                                   </p:iterate>
                                   <p:childTnLst>
@@ -6837,7 +6866,7 @@
                                         <p:strVal val="visible"/>
                                       </p:to>
                                     </p:set>
-                                    <p:animEffect filter="dissolve" transition="in">
+                                    <p:animEffect transition="in" filter="dissolve">
                                       <p:cBhvr>
                                         <p:cTn id="11" dur="1000"/>
                                         <p:tgtEl>
@@ -6858,11 +6887,11 @@
                             </p:stCondLst>
                             <p:childTnLst>
                               <p:par>
-                                <p:cTn id="13" presetClass="entr" nodeType="afterEffect" presetID="9" grpId="3" fill="hold">
+                                <p:cTn id="13" presetID="9" presetClass="entr" fill="hold" grpId="3" nodeType="afterEffect">
                                   <p:stCondLst>
                                     <p:cond delay="0"/>
                                   </p:stCondLst>
-                                  <p:iterate type="el" backwards="0">
+                                  <p:iterate>
                                     <p:tmAbs val="0"/>
                                   </p:iterate>
                                   <p:childTnLst>
@@ -6880,7 +6909,7 @@
                                         <p:strVal val="visible"/>
                                       </p:to>
                                     </p:set>
-                                    <p:animEffect filter="dissolve" transition="in">
+                                    <p:animEffect transition="in" filter="dissolve">
                                       <p:cBhvr>
                                         <p:cTn id="15" dur="1000"/>
                                         <p:tgtEl>
@@ -6900,14 +6929,14 @@
                 </p:childTnLst>
               </p:cTn>
               <p:prevCondLst>
-                <p:cond evt="onPrev">
+                <p:cond evt="onPrev" delay="0">
                   <p:tgtEl>
                     <p:sldTgt/>
                   </p:tgtEl>
                 </p:cond>
               </p:prevCondLst>
               <p:nextCondLst>
-                <p:cond evt="onNext">
+                <p:cond evt="onNext" delay="0">
                   <p:tgtEl>
                     <p:sldTgt/>
                   </p:tgtEl>
@@ -6919,16 +6948,16 @@
       </p:par>
     </p:tnLst>
     <p:bldLst>
-      <p:bldP build="whole" bldLvl="1" animBg="1" rev="0" advAuto="0" spid="158" grpId="3"/>
-      <p:bldP build="whole" bldLvl="1" animBg="1" rev="0" advAuto="0" spid="156" grpId="1"/>
-      <p:bldP build="whole" bldLvl="1" animBg="1" rev="0" advAuto="0" spid="157" grpId="2"/>
+      <p:bldP spid="156" grpId="1" animBg="1" advAuto="0"/>
+      <p:bldP spid="157" grpId="2" animBg="1" advAuto="0"/>
+      <p:bldP spid="158" grpId="3" animBg="1" advAuto="0"/>
     </p:bldLst>
   </p:timing>
 </p:sld>
 </file>
 
 <file path=ppt/slides/slide4.xml><?xml version="1.0" encoding="utf-8"?>
-<p:sld xmlns:a="http://schemas.openxmlformats.org/drawingml/2006/main" xmlns:r="http://schemas.openxmlformats.org/officeDocument/2006/relationships" xmlns:p="http://schemas.openxmlformats.org/presentationml/2006/main" xmlns:m="http://schemas.openxmlformats.org/officeDocument/2006/math" xmlns:a14="http://schemas.microsoft.com/office/drawing/2010/main" showMasterSp="1" showMasterPhAnim="1">
+<p:sld xmlns:a="http://schemas.openxmlformats.org/drawingml/2006/main" xmlns:r="http://schemas.openxmlformats.org/officeDocument/2006/relationships" xmlns:p="http://schemas.openxmlformats.org/presentationml/2006/main">
   <p:cSld>
     <p:spTree>
       <p:nvGrpSpPr>
@@ -6952,8 +6981,8 @@
         </p:nvSpPr>
         <p:spPr>
           <a:xfrm>
-            <a:off x="3962400" y="764503"/>
-            <a:ext cx="16459200" cy="1016350"/>
+            <a:off x="3962400" y="749458"/>
+            <a:ext cx="16459200" cy="1046440"/>
           </a:xfrm>
           <a:prstGeom prst="rect">
             <a:avLst/>
@@ -6963,7 +6992,7 @@
           </a:ln>
           <a:extLst>
             <a:ext uri="{C572A759-6A51-4108-AA02-DFA0A04FC94B}">
-              <ma14:wrappingTextBoxFlag xmlns:ma14="http://schemas.microsoft.com/office/mac/drawingml/2011/main" val="1"/>
+              <ma14:wrappingTextBoxFlag xmlns:ma14="http://schemas.microsoft.com/office/mac/drawingml/2011/main" xmlns:a14="http://schemas.microsoft.com/office/drawing/2010/main" xmlns:m="http://schemas.openxmlformats.org/officeDocument/2006/math" xmlns="" val="1"/>
             </a:ext>
           </a:extLst>
         </p:spPr>
@@ -6985,8 +7014,12 @@
             </a:lvl1pPr>
           </a:lstStyle>
           <a:p>
-            <a:pPr/>
             <a:r>
+              <a:rPr b="1" dirty="0">
+                <a:solidFill>
+                  <a:schemeClr val="tx1"/>
+                </a:solidFill>
+              </a:rPr>
               <a:t>K-anonymity</a:t>
             </a:r>
           </a:p>
@@ -7011,7 +7044,7 @@
           </a:ln>
           <a:extLst>
             <a:ext uri="{C572A759-6A51-4108-AA02-DFA0A04FC94B}">
-              <ma14:wrappingTextBoxFlag xmlns:ma14="http://schemas.microsoft.com/office/mac/drawingml/2011/main" val="1"/>
+              <ma14:wrappingTextBoxFlag xmlns:ma14="http://schemas.microsoft.com/office/mac/drawingml/2011/main" xmlns:a14="http://schemas.microsoft.com/office/drawing/2010/main" xmlns:m="http://schemas.openxmlformats.org/officeDocument/2006/math" xmlns="" val="1"/>
             </a:ext>
           </a:extLst>
         </p:spPr>
@@ -7043,7 +7076,7 @@
             </a:r>
           </a:p>
           <a:p>
-            <a:pPr lvl="1" marL="982578" indent="-601578" algn="l" defTabSz="1828800">
+            <a:pPr marL="982578" lvl="1" indent="-601578" algn="l" defTabSz="1828800">
               <a:buClr>
                 <a:srgbClr val="000000"/>
               </a:buClr>
@@ -7065,7 +7098,7 @@
             </a:r>
           </a:p>
           <a:p>
-            <a:pPr lvl="1" marL="982578" indent="-601578" algn="l" defTabSz="1828800">
+            <a:pPr marL="982578" lvl="1" indent="-601578" algn="l" defTabSz="1828800">
               <a:buClr>
                 <a:srgbClr val="000000"/>
               </a:buClr>
@@ -7163,9 +7196,7 @@
           <p:nvPr/>
         </p:nvPicPr>
         <p:blipFill>
-          <a:blip r:embed="rId2">
-            <a:extLst/>
-          </a:blip>
+          <a:blip r:embed="rId2"/>
           <a:stretch>
             <a:fillRect/>
           </a:stretch>
@@ -7188,14 +7219,14 @@
   <p:clrMapOvr>
     <a:masterClrMapping/>
   </p:clrMapOvr>
-  <p:transition xmlns:p14="http://schemas.microsoft.com/office/powerpoint/2010/main" spd="med" advClick="1"/>
+  <p:transition spd="med"/>
   <p:timing>
     <p:tnLst>
       <p:par>
-        <p:cTn id="1" nodeType="tmRoot" restart="never" dur="indefinite" fill="hold">
+        <p:cTn id="1" dur="indefinite" restart="never" fill="hold" nodeType="tmRoot">
           <p:childTnLst>
             <p:seq concurrent="1" prevAc="none" nextAc="seek">
-              <p:cTn id="2" nodeType="mainSeq" dur="indefinite" fill="hold">
+              <p:cTn id="2" dur="indefinite" fill="hold" nodeType="mainSeq">
                 <p:childTnLst>
                   <p:par>
                     <p:cTn id="3" fill="hold">
@@ -7210,11 +7241,11 @@
                             </p:stCondLst>
                             <p:childTnLst>
                               <p:par>
-                                <p:cTn id="5" presetClass="entr" nodeType="clickEffect" presetID="9" grpId="1" fill="hold">
+                                <p:cTn id="5" presetID="9" presetClass="entr" fill="hold" grpId="1" nodeType="clickEffect">
                                   <p:stCondLst>
                                     <p:cond delay="0"/>
                                   </p:stCondLst>
-                                  <p:iterate type="el" backwards="0">
+                                  <p:iterate>
                                     <p:tmAbs val="0"/>
                                   </p:iterate>
                                   <p:childTnLst>
@@ -7232,7 +7263,7 @@
                                         <p:strVal val="visible"/>
                                       </p:to>
                                     </p:set>
-                                    <p:animEffect filter="dissolve" transition="in">
+                                    <p:animEffect transition="in" filter="dissolve">
                                       <p:cBhvr>
                                         <p:cTn id="7" dur="1000"/>
                                         <p:tgtEl>
@@ -7249,17 +7280,62 @@
                       </p:childTnLst>
                     </p:cTn>
                   </p:par>
+                  <p:par>
+                    <p:cTn id="8" fill="hold">
+                      <p:stCondLst>
+                        <p:cond delay="indefinite"/>
+                      </p:stCondLst>
+                      <p:childTnLst>
+                        <p:par>
+                          <p:cTn id="9" fill="hold">
+                            <p:stCondLst>
+                              <p:cond delay="0"/>
+                            </p:stCondLst>
+                            <p:childTnLst>
+                              <p:par>
+                                <p:cTn id="10" presetID="1" presetClass="entr" presetSubtype="0" fill="hold" nodeType="clickEffect">
+                                  <p:stCondLst>
+                                    <p:cond delay="0"/>
+                                  </p:stCondLst>
+                                  <p:childTnLst>
+                                    <p:set>
+                                      <p:cBhvr>
+                                        <p:cTn id="11" dur="1" fill="hold">
+                                          <p:stCondLst>
+                                            <p:cond delay="0"/>
+                                          </p:stCondLst>
+                                        </p:cTn>
+                                        <p:tgtEl>
+                                          <p:spTgt spid="162"/>
+                                        </p:tgtEl>
+                                        <p:attrNameLst>
+                                          <p:attrName>style.visibility</p:attrName>
+                                        </p:attrNameLst>
+                                      </p:cBhvr>
+                                      <p:to>
+                                        <p:strVal val="visible"/>
+                                      </p:to>
+                                    </p:set>
+                                  </p:childTnLst>
+                                </p:cTn>
+                              </p:par>
+                            </p:childTnLst>
+                          </p:cTn>
+                        </p:par>
+                      </p:childTnLst>
+                    </p:cTn>
+                  </p:par>
                 </p:childTnLst>
               </p:cTn>
               <p:prevCondLst>
-                <p:cond evt="onPrev">
+                <p:cond evt="onPrev" delay="0">
                   <p:tgtEl>
                     <p:sldTgt/>
                   </p:tgtEl>
                 </p:cond>
               </p:prevCondLst>
               <p:nextCondLst>
-                <p:cond evt="onNext">
+                <p:cond evt="onNext" delay="0">
                   <p:tgtEl>
                     <p:sldTgt/>
                   </p:tgtEl>
@@ -7271,14 +7347,14 @@
       </p:par>
     </p:tnLst>
     <p:bldLst>
-      <p:bldP build="whole" bldLvl="1" animBg="1" rev="0" advAuto="0" spid="161" grpId="1"/>
+      <p:bldP spid="161" grpId="1" animBg="1" advAuto="0"/>
     </p:bldLst>
   </p:timing>
 </p:sld>
 </file>
 
 <file path=ppt/slides/slide5.xml><?xml version="1.0" encoding="utf-8"?>
-<p:sld xmlns:a="http://schemas.openxmlformats.org/drawingml/2006/main" xmlns:r="http://schemas.openxmlformats.org/officeDocument/2006/relationships" xmlns:p="http://schemas.openxmlformats.org/presentationml/2006/main" xmlns:m="http://schemas.openxmlformats.org/officeDocument/2006/math" xmlns:a14="http://schemas.microsoft.com/office/drawing/2010/main" showMasterSp="1" showMasterPhAnim="1">
+<p:sld xmlns:a="http://schemas.openxmlformats.org/drawingml/2006/main" xmlns:r="http://schemas.openxmlformats.org/officeDocument/2006/relationships" xmlns:p="http://schemas.openxmlformats.org/presentationml/2006/main">
   <p:cSld>
     <p:spTree>
       <p:nvGrpSpPr>
@@ -7302,8 +7378,8 @@
         </p:nvSpPr>
         <p:spPr>
           <a:xfrm>
-            <a:off x="3962400" y="764503"/>
-            <a:ext cx="16459200" cy="1016350"/>
+            <a:off x="3962400" y="749458"/>
+            <a:ext cx="16459200" cy="1046440"/>
           </a:xfrm>
           <a:prstGeom prst="rect">
             <a:avLst/>
@@ -7313,7 +7389,7 @@
           </a:ln>
           <a:extLst>
             <a:ext uri="{C572A759-6A51-4108-AA02-DFA0A04FC94B}">
-              <ma14:wrappingTextBoxFlag xmlns:ma14="http://schemas.microsoft.com/office/mac/drawingml/2011/main" val="1"/>
+              <ma14:wrappingTextBoxFlag xmlns:ma14="http://schemas.microsoft.com/office/mac/drawingml/2011/main" xmlns:a14="http://schemas.microsoft.com/office/drawing/2010/main" xmlns:m="http://schemas.openxmlformats.org/officeDocument/2006/math" xmlns="" val="1"/>
             </a:ext>
           </a:extLst>
         </p:spPr>
@@ -7335,8 +7411,12 @@
             </a:lvl1pPr>
           </a:lstStyle>
           <a:p>
-            <a:pPr/>
             <a:r>
+              <a:rPr b="1" dirty="0">
+                <a:solidFill>
+                  <a:schemeClr val="tx1"/>
+                </a:solidFill>
+              </a:rPr>
               <a:t>Structure of an attack</a:t>
             </a:r>
           </a:p>
@@ -7351,9 +7431,7 @@
           <p:nvPr/>
         </p:nvPicPr>
         <p:blipFill>
-          <a:blip r:embed="rId2">
-            <a:extLst/>
-          </a:blip>
+          <a:blip r:embed="rId2"/>
           <a:stretch>
             <a:fillRect/>
           </a:stretch>
@@ -7380,9 +7458,7 @@
           <p:nvPr/>
         </p:nvPicPr>
         <p:blipFill>
-          <a:blip r:embed="rId3">
-            <a:extLst/>
-          </a:blip>
+          <a:blip r:embed="rId3"/>
           <a:stretch>
             <a:fillRect/>
           </a:stretch>
@@ -7419,7 +7495,7 @@
           </a:ln>
           <a:extLst>
             <a:ext uri="{C572A759-6A51-4108-AA02-DFA0A04FC94B}">
-              <ma14:wrappingTextBoxFlag xmlns:ma14="http://schemas.microsoft.com/office/mac/drawingml/2011/main" val="1"/>
+              <ma14:wrappingTextBoxFlag xmlns:ma14="http://schemas.microsoft.com/office/mac/drawingml/2011/main" xmlns:a14="http://schemas.microsoft.com/office/drawing/2010/main" xmlns:m="http://schemas.openxmlformats.org/officeDocument/2006/math" xmlns="" val="1"/>
             </a:ext>
           </a:extLst>
         </p:spPr>
@@ -7447,7 +7523,6 @@
             </a:lvl1pPr>
           </a:lstStyle>
           <a:p>
-            <a:pPr/>
             <a:r>
               <a:t>Individual record</a:t>
             </a:r>
@@ -7473,7 +7548,7 @@
           </a:ln>
           <a:extLst>
             <a:ext uri="{C572A759-6A51-4108-AA02-DFA0A04FC94B}">
-              <ma14:wrappingTextBoxFlag xmlns:ma14="http://schemas.microsoft.com/office/mac/drawingml/2011/main" val="1"/>
+              <ma14:wrappingTextBoxFlag xmlns:ma14="http://schemas.microsoft.com/office/mac/drawingml/2011/main" xmlns:a14="http://schemas.microsoft.com/office/drawing/2010/main" xmlns:m="http://schemas.openxmlformats.org/officeDocument/2006/math" xmlns="" val="1"/>
             </a:ext>
           </a:extLst>
         </p:spPr>
@@ -7501,7 +7576,6 @@
             </a:lvl1pPr>
           </a:lstStyle>
           <a:p>
-            <a:pPr/>
             <a:r>
               <a:t>Assumed adversary knowledge</a:t>
             </a:r>
@@ -7513,14 +7587,14 @@
   <p:clrMapOvr>
     <a:masterClrMapping/>
   </p:clrMapOvr>
-  <p:transition xmlns:p14="http://schemas.microsoft.com/office/powerpoint/2010/main" spd="med" advClick="1"/>
+  <p:transition spd="med"/>
   <p:timing>
     <p:tnLst>
       <p:par>
-        <p:cTn id="1" nodeType="tmRoot" restart="never" dur="indefinite" fill="hold">
+        <p:cTn id="1" dur="indefinite" restart="never" fill="hold" nodeType="tmRoot">
           <p:childTnLst>
             <p:seq concurrent="1" prevAc="none" nextAc="seek">
-              <p:cTn id="2" nodeType="mainSeq" dur="indefinite" fill="hold">
+              <p:cTn id="2" dur="indefinite" fill="hold" nodeType="mainSeq">
                 <p:childTnLst>
                   <p:par>
                     <p:cTn id="3" fill="hold">
@@ -7535,11 +7609,11 @@
                             </p:stCondLst>
                             <p:childTnLst>
                               <p:par>
-                                <p:cTn id="5" presetClass="entr" nodeType="clickEffect" presetID="9" grpId="1" fill="hold">
+                                <p:cTn id="5" presetID="9" presetClass="entr" fill="hold" grpId="1" nodeType="clickEffect">
                                   <p:stCondLst>
                                     <p:cond delay="0"/>
                                   </p:stCondLst>
-                                  <p:iterate type="el" backwards="0">
+                                  <p:iterate>
                                     <p:tmAbs val="0"/>
                                   </p:iterate>
                                   <p:childTnLst>
@@ -7557,7 +7631,7 @@
                                         <p:strVal val="visible"/>
                                       </p:to>
                                     </p:set>
-                                    <p:animEffect filter="dissolve" transition="in">
+                                    <p:animEffect transition="in" filter="dissolve">
                                       <p:cBhvr>
                                         <p:cTn id="7" dur="1000"/>
                                         <p:tgtEl>
@@ -7578,11 +7652,11 @@
                             </p:stCondLst>
                             <p:childTnLst>
                               <p:par>
-                                <p:cTn id="9" presetClass="entr" nodeType="afterEffect" presetID="9" grpId="2" fill="hold">
+                                <p:cTn id="9" presetID="9" presetClass="entr" fill="hold" grpId="2" nodeType="afterEffect">
                                   <p:stCondLst>
                                     <p:cond delay="0"/>
                                   </p:stCondLst>
-                                  <p:iterate type="el" backwards="0">
+                                  <p:iterate>
                                     <p:tmAbs val="0"/>
                                   </p:iterate>
                                   <p:childTnLst>
@@ -7600,7 +7674,7 @@
                                         <p:strVal val="visible"/>
                                       </p:to>
                                     </p:set>
-                                    <p:animEffect filter="dissolve" transition="in">
+                                    <p:animEffect transition="in" filter="dissolve">
                                       <p:cBhvr>
                                         <p:cTn id="11" dur="1000"/>
                                         <p:tgtEl>
@@ -7630,11 +7704,11 @@
                             </p:stCondLst>
                             <p:childTnLst>
                               <p:par>
-                                <p:cTn id="14" presetClass="entr" nodeType="clickEffect" presetID="9" grpId="3" fill="hold">
+                                <p:cTn id="14" presetID="9" presetClass="entr" fill="hold" grpId="3" nodeType="clickEffect">
                                   <p:stCondLst>
                                     <p:cond delay="0"/>
                                   </p:stCondLst>
-                                  <p:iterate type="el" backwards="0">
+                                  <p:iterate>
                                     <p:tmAbs val="0"/>
                                   </p:iterate>
                                   <p:childTnLst>
@@ -7652,7 +7726,7 @@
                                         <p:strVal val="visible"/>
                                       </p:to>
                                     </p:set>
-                                    <p:animEffect filter="dissolve" transition="in">
+                                    <p:animEffect transition="in" filter="dissolve">
                                       <p:cBhvr>
                                         <p:cTn id="16" dur="1000"/>
                                         <p:tgtEl>
@@ -7673,11 +7747,11 @@
                             </p:stCondLst>
                             <p:childTnLst>
                               <p:par>
-                                <p:cTn id="18" presetClass="entr" nodeType="afterEffect" presetID="9" grpId="4" fill="hold">
+                                <p:cTn id="18" presetID="9" presetClass="entr" fill="hold" grpId="4" nodeType="afterEffect">
                                   <p:stCondLst>
                                     <p:cond delay="0"/>
                                   </p:stCondLst>
-                                  <p:iterate type="el" backwards="0">
+                                  <p:iterate>
                                     <p:tmAbs val="0"/>
                                   </p:iterate>
                                   <p:childTnLst>
@@ -7695,7 +7769,7 @@
                                         <p:strVal val="visible"/>
                                       </p:to>
                                     </p:set>
-                                    <p:animEffect filter="dissolve" transition="in">
+                                    <p:animEffect transition="in" filter="dissolve">
                                       <p:cBhvr>
                                         <p:cTn id="20" dur="1000"/>
                                         <p:tgtEl>
@@ -7715,14 +7789,14 @@
                 </p:childTnLst>
               </p:cTn>
               <p:prevCondLst>
-                <p:cond evt="onPrev">
+                <p:cond evt="onPrev" delay="0">
                   <p:tgtEl>
                     <p:sldTgt/>
                   </p:tgtEl>
                 </p:cond>
               </p:prevCondLst>
               <p:nextCondLst>
-                <p:cond evt="onNext">
+                <p:cond evt="onNext" delay="0">
                   <p:tgtEl>
                     <p:sldTgt/>
                   </p:tgtEl>
@@ -7734,17 +7808,17 @@
       </p:par>
     </p:tnLst>
     <p:bldLst>
-      <p:bldP build="whole" bldLvl="1" animBg="1" rev="0" advAuto="0" spid="166" grpId="4"/>
-      <p:bldP build="whole" bldLvl="1" animBg="1" rev="0" advAuto="0" spid="167" grpId="1"/>
-      <p:bldP build="whole" bldLvl="1" animBg="1" rev="0" advAuto="0" spid="165" grpId="2"/>
-      <p:bldP build="whole" bldLvl="1" animBg="1" rev="0" advAuto="0" spid="168" grpId="3"/>
+      <p:bldP spid="165" grpId="2" animBg="1" advAuto="0"/>
+      <p:bldP spid="166" grpId="4" animBg="1" advAuto="0"/>
+      <p:bldP spid="167" grpId="1" animBg="1" advAuto="0"/>
+      <p:bldP spid="168" grpId="3" animBg="1" advAuto="0"/>
     </p:bldLst>
   </p:timing>
 </p:sld>
 </file>
 
 <file path=ppt/slides/slide6.xml><?xml version="1.0" encoding="utf-8"?>
-<p:sld xmlns:a="http://schemas.openxmlformats.org/drawingml/2006/main" xmlns:r="http://schemas.openxmlformats.org/officeDocument/2006/relationships" xmlns:p="http://schemas.openxmlformats.org/presentationml/2006/main" xmlns:m="http://schemas.openxmlformats.org/officeDocument/2006/math" xmlns:a14="http://schemas.microsoft.com/office/drawing/2010/main" showMasterSp="1" showMasterPhAnim="1">
+<p:sld xmlns:a="http://schemas.openxmlformats.org/drawingml/2006/main" xmlns:r="http://schemas.openxmlformats.org/officeDocument/2006/relationships" xmlns:p="http://schemas.openxmlformats.org/presentationml/2006/main">
   <p:cSld>
     <p:spTree>
       <p:nvGrpSpPr>
@@ -7768,8 +7842,8 @@
         </p:nvSpPr>
         <p:spPr>
           <a:xfrm>
-            <a:off x="3962400" y="764503"/>
-            <a:ext cx="16459200" cy="1016350"/>
+            <a:off x="3962400" y="749458"/>
+            <a:ext cx="16459200" cy="1046440"/>
           </a:xfrm>
           <a:prstGeom prst="rect">
             <a:avLst/>
@@ -7779,7 +7853,7 @@
           </a:ln>
           <a:extLst>
             <a:ext uri="{C572A759-6A51-4108-AA02-DFA0A04FC94B}">
-              <ma14:wrappingTextBoxFlag xmlns:ma14="http://schemas.microsoft.com/office/mac/drawingml/2011/main" val="1"/>
+              <ma14:wrappingTextBoxFlag xmlns:ma14="http://schemas.microsoft.com/office/mac/drawingml/2011/main" xmlns:a14="http://schemas.microsoft.com/office/drawing/2010/main" xmlns:m="http://schemas.openxmlformats.org/officeDocument/2006/math" xmlns="" val="1"/>
             </a:ext>
           </a:extLst>
         </p:spPr>
@@ -7801,8 +7875,12 @@
             </a:lvl1pPr>
           </a:lstStyle>
           <a:p>
-            <a:pPr/>
             <a:r>
+              <a:rPr b="1" dirty="0">
+                <a:solidFill>
+                  <a:schemeClr val="tx1"/>
+                </a:solidFill>
+              </a:rPr>
               <a:t>For mobility data</a:t>
             </a:r>
           </a:p>
@@ -7827,7 +7905,7 @@
           </a:ln>
           <a:extLst>
             <a:ext uri="{C572A759-6A51-4108-AA02-DFA0A04FC94B}">
-              <ma14:wrappingTextBoxFlag xmlns:ma14="http://schemas.microsoft.com/office/mac/drawingml/2011/main" val="1"/>
+              <ma14:wrappingTextBoxFlag xmlns:ma14="http://schemas.microsoft.com/office/mac/drawingml/2011/main" xmlns:a14="http://schemas.microsoft.com/office/drawing/2010/main" xmlns:m="http://schemas.openxmlformats.org/officeDocument/2006/math" xmlns="" val="1"/>
             </a:ext>
           </a:extLst>
         </p:spPr>
@@ -7855,7 +7933,6 @@
             </a:lvl1pPr>
           </a:lstStyle>
           <a:p>
-            <a:pPr/>
             <a:r>
               <a:t>Trajectory example</a:t>
             </a:r>
@@ -7881,7 +7958,7 @@
           </a:ln>
           <a:extLst>
             <a:ext uri="{C572A759-6A51-4108-AA02-DFA0A04FC94B}">
-              <ma14:wrappingTextBoxFlag xmlns:ma14="http://schemas.microsoft.com/office/mac/drawingml/2011/main" val="1"/>
+              <ma14:wrappingTextBoxFlag xmlns:ma14="http://schemas.microsoft.com/office/mac/drawingml/2011/main" xmlns:a14="http://schemas.microsoft.com/office/drawing/2010/main" xmlns:m="http://schemas.openxmlformats.org/officeDocument/2006/math" xmlns="" val="1"/>
             </a:ext>
           </a:extLst>
         </p:spPr>
@@ -7964,9 +8041,7 @@
           <p:nvPr/>
         </p:nvPicPr>
         <p:blipFill>
-          <a:blip r:embed="rId2">
-            <a:extLst/>
-          </a:blip>
+          <a:blip r:embed="rId2"/>
           <a:stretch>
             <a:fillRect/>
           </a:stretch>
@@ -8003,7 +8078,7 @@
           </a:ln>
           <a:extLst>
             <a:ext uri="{C572A759-6A51-4108-AA02-DFA0A04FC94B}">
-              <ma14:wrappingTextBoxFlag xmlns:ma14="http://schemas.microsoft.com/office/mac/drawingml/2011/main" val="1"/>
+              <ma14:wrappingTextBoxFlag xmlns:ma14="http://schemas.microsoft.com/office/mac/drawingml/2011/main" xmlns:a14="http://schemas.microsoft.com/office/drawing/2010/main" xmlns:m="http://schemas.openxmlformats.org/officeDocument/2006/math" xmlns="" val="1"/>
             </a:ext>
           </a:extLst>
         </p:spPr>
@@ -8048,7 +8123,6 @@
             </a:lvl2pPr>
           </a:lstStyle>
           <a:p>
-            <a:pPr/>
             <a:r>
               <a:t>Worst case scenario approach</a:t>
             </a:r>
@@ -8070,9 +8144,7 @@
           <p:nvPr/>
         </p:nvPicPr>
         <p:blipFill>
-          <a:blip r:embed="rId3">
-            <a:extLst/>
-          </a:blip>
+          <a:blip r:embed="rId3"/>
           <a:stretch>
             <a:fillRect/>
           </a:stretch>
@@ -8095,14 +8167,14 @@
   <p:clrMapOvr>
     <a:masterClrMapping/>
   </p:clrMapOvr>
-  <p:transition xmlns:p14="http://schemas.microsoft.com/office/powerpoint/2010/main" spd="med" advClick="1"/>
+  <p:transition spd="med"/>
   <p:timing>
     <p:tnLst>
       <p:par>
-        <p:cTn id="1" nodeType="tmRoot" restart="never" dur="indefinite" fill="hold">
+        <p:cTn id="1" dur="indefinite" restart="never" fill="hold" nodeType="tmRoot">
           <p:childTnLst>
             <p:seq concurrent="1" prevAc="none" nextAc="seek">
-              <p:cTn id="2" nodeType="mainSeq" dur="indefinite" fill="hold">
+              <p:cTn id="2" dur="indefinite" fill="hold" nodeType="mainSeq">
                 <p:childTnLst>
                   <p:par>
                     <p:cTn id="3" fill="hold">
@@ -8117,11 +8189,11 @@
                             </p:stCondLst>
                             <p:childTnLst>
                               <p:par>
-                                <p:cTn id="5" presetClass="entr" nodeType="clickEffect" presetID="9" grpId="1" fill="hold">
+                                <p:cTn id="5" presetID="9" presetClass="entr" fill="hold" grpId="1" nodeType="clickEffect">
                                   <p:stCondLst>
                                     <p:cond delay="0"/>
                                   </p:stCondLst>
-                                  <p:iterate type="el" backwards="0">
+                                  <p:iterate>
                                     <p:tmAbs val="0"/>
                                   </p:iterate>
                                   <p:childTnLst>
@@ -8139,7 +8211,7 @@
                                         <p:strVal val="visible"/>
                                       </p:to>
                                     </p:set>
-                                    <p:animEffect filter="dissolve" transition="in">
+                                    <p:animEffect transition="in" filter="dissolve">
                                       <p:cBhvr>
                                         <p:cTn id="7" dur="1000"/>
                                         <p:tgtEl>
@@ -8160,11 +8232,11 @@
                             </p:stCondLst>
                             <p:childTnLst>
                               <p:par>
-                                <p:cTn id="9" presetClass="entr" nodeType="afterEffect" presetID="9" grpId="2" fill="hold">
+                                <p:cTn id="9" presetID="9" presetClass="entr" fill="hold" grpId="2" nodeType="afterEffect">
                                   <p:stCondLst>
                                     <p:cond delay="0"/>
                                   </p:stCondLst>
-                                  <p:iterate type="el" backwards="0">
+                                  <p:iterate>
                                     <p:tmAbs val="0"/>
                                   </p:iterate>
                                   <p:childTnLst>
@@ -8182,7 +8254,7 @@
                                         <p:strVal val="visible"/>
                                       </p:to>
                                     </p:set>
-                                    <p:animEffect filter="dissolve" transition="in">
+                                    <p:animEffect transition="in" filter="dissolve">
                                       <p:cBhvr>
                                         <p:cTn id="11" dur="1000"/>
                                         <p:tgtEl>
@@ -8203,11 +8275,11 @@
                             </p:stCondLst>
                             <p:childTnLst>
                               <p:par>
-                                <p:cTn id="13" presetClass="entr" nodeType="afterEffect" presetID="9" grpId="3" fill="hold">
+                                <p:cTn id="13" presetID="9" presetClass="entr" fill="hold" grpId="3" nodeType="afterEffect">
                                   <p:stCondLst>
                                     <p:cond delay="0"/>
                                   </p:stCondLst>
-                                  <p:iterate type="el" backwards="0">
+                                  <p:iterate>
                                     <p:tmAbs val="0"/>
                                   </p:iterate>
                                   <p:childTnLst>
@@ -8225,7 +8297,7 @@
                                         <p:strVal val="visible"/>
                                       </p:to>
                                     </p:set>
-                                    <p:animEffect filter="dissolve" transition="in">
+                                    <p:animEffect transition="in" filter="dissolve">
                                       <p:cBhvr>
                                         <p:cTn id="15" dur="1000"/>
                                         <p:tgtEl>
@@ -8255,11 +8327,11 @@
                             </p:stCondLst>
                             <p:childTnLst>
                               <p:par>
-                                <p:cTn id="18" presetClass="entr" nodeType="clickEffect" presetID="9" grpId="4" fill="hold">
+                                <p:cTn id="18" presetID="9" presetClass="entr" fill="hold" grpId="4" nodeType="clickEffect">
                                   <p:stCondLst>
                                     <p:cond delay="0"/>
                                   </p:stCondLst>
-                                  <p:iterate type="el" backwards="0">
+                                  <p:iterate>
                                     <p:tmAbs val="0"/>
                                   </p:iterate>
                                   <p:childTnLst>
@@ -8277,7 +8349,7 @@
                                         <p:strVal val="visible"/>
                                       </p:to>
                                     </p:set>
-                                    <p:animEffect filter="dissolve" transition="in">
+                                    <p:animEffect transition="in" filter="dissolve">
                                       <p:cBhvr>
                                         <p:cTn id="20" dur="1000"/>
                                         <p:tgtEl>
@@ -8297,14 +8369,14 @@
                 </p:childTnLst>
               </p:cTn>
               <p:prevCondLst>
-                <p:cond evt="onPrev">
+                <p:cond evt="onPrev" delay="0">
                   <p:tgtEl>
                     <p:sldTgt/>
                   </p:tgtEl>
                 </p:cond>
               </p:prevCondLst>
               <p:nextCondLst>
-                <p:cond evt="onNext">
+                <p:cond evt="onNext" delay="0">
                   <p:tgtEl>
                     <p:sldTgt/>
                   </p:tgtEl>
@@ -8316,17 +8388,17 @@
       </p:par>
     </p:tnLst>
     <p:bldLst>
-      <p:bldP build="whole" bldLvl="1" animBg="1" rev="0" advAuto="0" spid="174" grpId="4"/>
-      <p:bldP build="whole" bldLvl="1" animBg="1" rev="0" advAuto="0" spid="172" grpId="3"/>
-      <p:bldP build="whole" bldLvl="1" animBg="1" rev="0" advAuto="0" spid="173" grpId="2"/>
-      <p:bldP build="whole" bldLvl="1" animBg="1" rev="0" advAuto="0" spid="171" grpId="1"/>
+      <p:bldP spid="171" grpId="1" animBg="1" advAuto="0"/>
+      <p:bldP spid="172" grpId="3" animBg="1" advAuto="0"/>
+      <p:bldP spid="173" grpId="2" animBg="1" advAuto="0"/>
+      <p:bldP spid="174" grpId="4" animBg="1" advAuto="0"/>
     </p:bldLst>
   </p:timing>
 </p:sld>
 </file>
 
 <file path=ppt/slides/slide7.xml><?xml version="1.0" encoding="utf-8"?>
-<p:sld xmlns:a="http://schemas.openxmlformats.org/drawingml/2006/main" xmlns:r="http://schemas.openxmlformats.org/officeDocument/2006/relationships" xmlns:p="http://schemas.openxmlformats.org/presentationml/2006/main" xmlns:m="http://schemas.openxmlformats.org/officeDocument/2006/math" xmlns:a14="http://schemas.microsoft.com/office/drawing/2010/main" showMasterSp="1" showMasterPhAnim="1">
+<p:sld xmlns:a="http://schemas.openxmlformats.org/drawingml/2006/main" xmlns:r="http://schemas.openxmlformats.org/officeDocument/2006/relationships" xmlns:p="http://schemas.openxmlformats.org/presentationml/2006/main">
   <p:cSld>
     <p:spTree>
       <p:nvGrpSpPr>
@@ -8351,9 +8423,7 @@
           <p:nvPr/>
         </p:nvPicPr>
         <p:blipFill>
-          <a:blip r:embed="rId2">
-            <a:extLst/>
-          </a:blip>
+          <a:blip r:embed="rId2"/>
           <a:stretch>
             <a:fillRect/>
           </a:stretch>
@@ -8379,8 +8449,8 @@
         </p:nvSpPr>
         <p:spPr>
           <a:xfrm>
-            <a:off x="3962400" y="764503"/>
-            <a:ext cx="16459200" cy="1016350"/>
+            <a:off x="3962400" y="749458"/>
+            <a:ext cx="16459200" cy="1046440"/>
           </a:xfrm>
           <a:prstGeom prst="rect">
             <a:avLst/>
@@ -8390,7 +8460,7 @@
           </a:ln>
           <a:extLst>
             <a:ext uri="{C572A759-6A51-4108-AA02-DFA0A04FC94B}">
-              <ma14:wrappingTextBoxFlag xmlns:ma14="http://schemas.microsoft.com/office/mac/drawingml/2011/main" val="1"/>
+              <ma14:wrappingTextBoxFlag xmlns:ma14="http://schemas.microsoft.com/office/mac/drawingml/2011/main" xmlns:a14="http://schemas.microsoft.com/office/drawing/2010/main" xmlns:m="http://schemas.openxmlformats.org/officeDocument/2006/math" xmlns="" val="1"/>
             </a:ext>
           </a:extLst>
         </p:spPr>
@@ -8412,8 +8482,12 @@
             </a:lvl1pPr>
           </a:lstStyle>
           <a:p>
-            <a:pPr/>
             <a:r>
+              <a:rPr b="1">
+                <a:solidFill>
+                  <a:schemeClr val="tx1"/>
+                </a:solidFill>
+              </a:rPr>
               <a:t>PRUDEnce privacy framework</a:t>
             </a:r>
           </a:p>
@@ -8473,6 +8547,7 @@
                   <a:sym typeface="Helvetica Neue Light"/>
                 </a:defRPr>
               </a:pPr>
+              <a:endParaRPr/>
             </a:p>
           </p:txBody>
         </p:sp>
@@ -8507,7 +8582,7 @@
               </a:cxnLst>
               <a:rect l="0" t="0" r="r" b="b"/>
               <a:pathLst>
-                <a:path w="21600" h="0" fill="norm" stroke="1" extrusionOk="0">
+                <a:path w="21600" extrusionOk="0">
                   <a:moveTo>
                     <a:pt x="0" y="0"/>
                   </a:moveTo>
@@ -8532,7 +8607,7 @@
             <a:effectLst/>
             <a:extLst>
               <a:ext uri="{C572A759-6A51-4108-AA02-DFA0A04FC94B}">
-                <ma14:wrappingTextBoxFlag xmlns:ma14="http://schemas.microsoft.com/office/mac/drawingml/2011/main" val="1"/>
+                <ma14:wrappingTextBoxFlag xmlns:ma14="http://schemas.microsoft.com/office/mac/drawingml/2011/main" xmlns:a14="http://schemas.microsoft.com/office/drawing/2010/main" xmlns:m="http://schemas.openxmlformats.org/officeDocument/2006/math" xmlns="" val="1"/>
               </a:ext>
             </a:extLst>
           </p:spPr>
@@ -8554,7 +8629,6 @@
               </a:lvl1pPr>
             </a:lstStyle>
             <a:p>
-              <a:pPr/>
               <a:r>
                 <a:t>Pellungrini et al., A Data Mining Approach to Assess Privacy Risk in Human Mobility Data, ACM TIST 2018</a:t>
               </a:r>
@@ -8616,6 +8690,7 @@
                   <a:sym typeface="Helvetica Neue Light"/>
                 </a:defRPr>
               </a:pPr>
+              <a:endParaRPr/>
             </a:p>
           </p:txBody>
         </p:sp>
@@ -8641,7 +8716,7 @@
             <a:effectLst/>
             <a:extLst>
               <a:ext uri="{C572A759-6A51-4108-AA02-DFA0A04FC94B}">
-                <ma14:wrappingTextBoxFlag xmlns:ma14="http://schemas.microsoft.com/office/mac/drawingml/2011/main" val="1"/>
+                <ma14:wrappingTextBoxFlag xmlns:ma14="http://schemas.microsoft.com/office/mac/drawingml/2011/main" xmlns:a14="http://schemas.microsoft.com/office/drawing/2010/main" xmlns:m="http://schemas.openxmlformats.org/officeDocument/2006/math" xmlns="" val="1"/>
               </a:ext>
             </a:extLst>
           </p:spPr>
@@ -8663,7 +8738,6 @@
               </a:lvl1pPr>
             </a:lstStyle>
             <a:p>
-              <a:pPr/>
               <a:r>
                 <a:t>Pratesi et al., PRUDEnce: a System for Assessing Privacy Risk vs Utility in Data Sharing Ecosystems, Transactions on Data Privacy 2018.</a:t>
               </a:r>
@@ -8676,14 +8750,14 @@
   <p:clrMapOvr>
     <a:masterClrMapping/>
   </p:clrMapOvr>
-  <p:transition xmlns:p14="http://schemas.microsoft.com/office/powerpoint/2010/main" spd="med" advClick="1"/>
+  <p:transition spd="med"/>
   <p:timing>
     <p:tnLst>
       <p:par>
-        <p:cTn id="1" nodeType="tmRoot" restart="never" dur="indefinite" fill="hold">
+        <p:cTn id="1" dur="indefinite" restart="never" fill="hold" nodeType="tmRoot">
           <p:childTnLst>
             <p:seq concurrent="1" prevAc="none" nextAc="seek">
-              <p:cTn id="2" nodeType="mainSeq" dur="indefinite" fill="hold">
+              <p:cTn id="2" dur="indefinite" fill="hold" nodeType="mainSeq">
                 <p:childTnLst>
                   <p:par>
                     <p:cTn id="3" fill="hold">
@@ -8698,11 +8772,11 @@
                             </p:stCondLst>
                             <p:childTnLst>
                               <p:par>
-                                <p:cTn id="5" presetClass="entr" nodeType="clickEffect" presetID="9" grpId="1" fill="hold">
+                                <p:cTn id="5" presetID="9" presetClass="entr" fill="hold" grpId="1" nodeType="clickEffect">
                                   <p:stCondLst>
                                     <p:cond delay="0"/>
                                   </p:stCondLst>
-                                  <p:iterate type="el" backwards="0">
+                                  <p:iterate>
                                     <p:tmAbs val="0"/>
                                   </p:iterate>
                                   <p:childTnLst>
@@ -8720,7 +8794,7 @@
                                         <p:strVal val="visible"/>
                                       </p:to>
                                     </p:set>
-                                    <p:animEffect filter="dissolve" transition="in">
+                                    <p:animEffect transition="in" filter="dissolve">
                                       <p:cBhvr>
                                         <p:cTn id="7" dur="1000"/>
                                         <p:tgtEl>
@@ -8740,14 +8814,14 @@
                 </p:childTnLst>
               </p:cTn>
               <p:prevCondLst>
-                <p:cond evt="onPrev">
+                <p:cond evt="onPrev" delay="0">
                   <p:tgtEl>
                     <p:sldTgt/>
                   </p:tgtEl>
                 </p:cond>
               </p:prevCondLst>
               <p:nextCondLst>
-                <p:cond evt="onNext">
+                <p:cond evt="onNext" delay="0">
                   <p:tgtEl>
                     <p:sldTgt/>
                   </p:tgtEl>
@@ -8759,14 +8833,14 @@
       </p:par>
     </p:tnLst>
     <p:bldLst>
-      <p:bldP build="whole" bldLvl="1" animBg="1" rev="0" advAuto="0" spid="177" grpId="1"/>
+      <p:bldP spid="177" grpId="1" animBg="1" advAuto="0"/>
     </p:bldLst>
   </p:timing>
 </p:sld>
 </file>
 
 <file path=ppt/slides/slide8.xml><?xml version="1.0" encoding="utf-8"?>
-<p:sld xmlns:a="http://schemas.openxmlformats.org/drawingml/2006/main" xmlns:r="http://schemas.openxmlformats.org/officeDocument/2006/relationships" xmlns:p="http://schemas.openxmlformats.org/presentationml/2006/main" xmlns:m="http://schemas.openxmlformats.org/officeDocument/2006/math" xmlns:a14="http://schemas.microsoft.com/office/drawing/2010/main" showMasterSp="1" showMasterPhAnim="1">
+<p:sld xmlns:a="http://schemas.openxmlformats.org/drawingml/2006/main" xmlns:r="http://schemas.openxmlformats.org/officeDocument/2006/relationships" xmlns:p="http://schemas.openxmlformats.org/presentationml/2006/main">
   <p:cSld>
     <p:spTree>
       <p:nvGrpSpPr>
@@ -8790,8 +8864,8 @@
         </p:nvSpPr>
         <p:spPr>
           <a:xfrm>
-            <a:off x="3962400" y="764503"/>
-            <a:ext cx="16459200" cy="1016350"/>
+            <a:off x="3962400" y="749458"/>
+            <a:ext cx="16459200" cy="1046440"/>
           </a:xfrm>
           <a:prstGeom prst="rect">
             <a:avLst/>
@@ -8801,7 +8875,7 @@
           </a:ln>
           <a:extLst>
             <a:ext uri="{C572A759-6A51-4108-AA02-DFA0A04FC94B}">
-              <ma14:wrappingTextBoxFlag xmlns:ma14="http://schemas.microsoft.com/office/mac/drawingml/2011/main" val="1"/>
+              <ma14:wrappingTextBoxFlag xmlns:ma14="http://schemas.microsoft.com/office/mac/drawingml/2011/main" xmlns:a14="http://schemas.microsoft.com/office/drawing/2010/main" xmlns:m="http://schemas.openxmlformats.org/officeDocument/2006/math" xmlns="" val="1"/>
             </a:ext>
           </a:extLst>
         </p:spPr>
@@ -8823,8 +8897,12 @@
             </a:lvl1pPr>
           </a:lstStyle>
           <a:p>
-            <a:pPr/>
             <a:r>
+              <a:rPr b="1" dirty="0">
+                <a:solidFill>
+                  <a:schemeClr val="tx1"/>
+                </a:solidFill>
+              </a:rPr>
               <a:t>Risk definition</a:t>
             </a:r>
           </a:p>
@@ -8849,7 +8927,7 @@
           </a:ln>
           <a:extLst>
             <a:ext uri="{C572A759-6A51-4108-AA02-DFA0A04FC94B}">
-              <ma14:wrappingTextBoxFlag xmlns:ma14="http://schemas.microsoft.com/office/mac/drawingml/2011/main" val="1"/>
+              <ma14:wrappingTextBoxFlag xmlns:ma14="http://schemas.microsoft.com/office/mac/drawingml/2011/main" xmlns:a14="http://schemas.microsoft.com/office/drawing/2010/main" xmlns:m="http://schemas.openxmlformats.org/officeDocument/2006/math" xmlns="" val="1"/>
             </a:ext>
           </a:extLst>
         </p:spPr>
@@ -8877,7 +8955,6 @@
             </a:lvl1pPr>
           </a:lstStyle>
           <a:p>
-            <a:pPr/>
             <a:r>
               <a:t>Background knowledge </a:t>
             </a:r>
@@ -8893,9 +8970,7 @@
           <p:nvPr/>
         </p:nvPicPr>
         <p:blipFill>
-          <a:blip r:embed="rId2">
-            <a:extLst/>
-          </a:blip>
+          <a:blip r:embed="rId2"/>
           <a:stretch>
             <a:fillRect/>
           </a:stretch>
@@ -8932,7 +9007,7 @@
           </a:ln>
           <a:extLst>
             <a:ext uri="{C572A759-6A51-4108-AA02-DFA0A04FC94B}">
-              <ma14:wrappingTextBoxFlag xmlns:ma14="http://schemas.microsoft.com/office/mac/drawingml/2011/main" val="1"/>
+              <ma14:wrappingTextBoxFlag xmlns:ma14="http://schemas.microsoft.com/office/mac/drawingml/2011/main" xmlns:a14="http://schemas.microsoft.com/office/drawing/2010/main" xmlns:m="http://schemas.openxmlformats.org/officeDocument/2006/math" xmlns="" val="1"/>
             </a:ext>
           </a:extLst>
         </p:spPr>
@@ -8960,7 +9035,6 @@
             </a:lvl1pPr>
           </a:lstStyle>
           <a:p>
-            <a:pPr/>
             <a:r>
               <a:t>Background knowledge instance </a:t>
             </a:r>
@@ -8976,9 +9050,7 @@
           <p:nvPr/>
         </p:nvPicPr>
         <p:blipFill>
-          <a:blip r:embed="rId3">
-            <a:extLst/>
-          </a:blip>
+          <a:blip r:embed="rId3"/>
           <a:stretch>
             <a:fillRect/>
           </a:stretch>
@@ -9015,7 +9087,7 @@
           </a:ln>
           <a:extLst>
             <a:ext uri="{C572A759-6A51-4108-AA02-DFA0A04FC94B}">
-              <ma14:wrappingTextBoxFlag xmlns:ma14="http://schemas.microsoft.com/office/mac/drawingml/2011/main" val="1"/>
+              <ma14:wrappingTextBoxFlag xmlns:ma14="http://schemas.microsoft.com/office/mac/drawingml/2011/main" xmlns:a14="http://schemas.microsoft.com/office/drawing/2010/main" xmlns:m="http://schemas.openxmlformats.org/officeDocument/2006/math" xmlns="" val="1"/>
             </a:ext>
           </a:extLst>
         </p:spPr>
@@ -9043,7 +9115,6 @@
             </a:lvl1pPr>
           </a:lstStyle>
           <a:p>
-            <a:pPr/>
             <a:r>
               <a:t>Probability of re-identification</a:t>
             </a:r>
@@ -9059,9 +9130,7 @@
           <p:nvPr/>
         </p:nvPicPr>
         <p:blipFill>
-          <a:blip r:embed="rId4">
-            <a:extLst/>
-          </a:blip>
+          <a:blip r:embed="rId4"/>
           <a:stretch>
             <a:fillRect/>
           </a:stretch>
@@ -9098,7 +9167,7 @@
           </a:ln>
           <a:extLst>
             <a:ext uri="{C572A759-6A51-4108-AA02-DFA0A04FC94B}">
-              <ma14:wrappingTextBoxFlag xmlns:ma14="http://schemas.microsoft.com/office/mac/drawingml/2011/main" val="1"/>
+              <ma14:wrappingTextBoxFlag xmlns:ma14="http://schemas.microsoft.com/office/mac/drawingml/2011/main" xmlns:a14="http://schemas.microsoft.com/office/drawing/2010/main" xmlns:m="http://schemas.openxmlformats.org/officeDocument/2006/math" xmlns="" val="1"/>
             </a:ext>
           </a:extLst>
         </p:spPr>
@@ -9126,7 +9195,6 @@
             </a:lvl1pPr>
           </a:lstStyle>
           <a:p>
-            <a:pPr/>
             <a:r>
               <a:t>Privacy risk</a:t>
             </a:r>
@@ -9142,9 +9210,7 @@
           <p:nvPr/>
         </p:nvPicPr>
         <p:blipFill>
-          <a:blip r:embed="rId5">
-            <a:extLst/>
-          </a:blip>
+          <a:blip r:embed="rId5"/>
           <a:stretch>
             <a:fillRect/>
           </a:stretch>
@@ -9171,9 +9237,7 @@
           <p:nvPr/>
         </p:nvPicPr>
         <p:blipFill>
-          <a:blip r:embed="rId6">
-            <a:extLst/>
-          </a:blip>
+          <a:blip r:embed="rId6"/>
           <a:stretch>
             <a:fillRect/>
           </a:stretch>
@@ -9196,14 +9260,14 @@
   <p:clrMapOvr>
     <a:masterClrMapping/>
   </p:clrMapOvr>
-  <p:transition xmlns:p14="http://schemas.microsoft.com/office/powerpoint/2010/main" spd="med" advClick="1"/>
+  <p:transition spd="med"/>
   <p:timing>
     <p:tnLst>
       <p:par>
-        <p:cTn id="1" nodeType="tmRoot" restart="never" dur="indefinite" fill="hold">
+        <p:cTn id="1" dur="indefinite" restart="never" fill="hold" nodeType="tmRoot">
           <p:childTnLst>
             <p:seq concurrent="1" prevAc="none" nextAc="seek">
-              <p:cTn id="2" nodeType="mainSeq" dur="indefinite" fill="hold">
+              <p:cTn id="2" dur="indefinite" fill="hold" nodeType="mainSeq">
                 <p:childTnLst>
                   <p:par>
                     <p:cTn id="3" fill="hold">
@@ -9218,11 +9282,11 @@
                             </p:stCondLst>
                             <p:childTnLst>
                               <p:par>
-                                <p:cTn id="5" presetClass="entr" nodeType="clickEffect" presetID="9" grpId="1" fill="hold">
+                                <p:cTn id="5" presetID="9" presetClass="entr" fill="hold" grpId="1" nodeType="clickEffect">
                                   <p:stCondLst>
                                     <p:cond delay="0"/>
                                   </p:stCondLst>
-                                  <p:iterate type="el" backwards="0">
+                                  <p:iterate>
                                     <p:tmAbs val="0"/>
                                   </p:iterate>
                                   <p:childTnLst>
@@ -9240,7 +9304,7 @@
                                         <p:strVal val="visible"/>
                                       </p:to>
                                     </p:set>
-                                    <p:animEffect filter="dissolve" transition="in">
+                                    <p:animEffect transition="in" filter="dissolve">
                                       <p:cBhvr>
                                         <p:cTn id="7" dur="1000"/>
                                         <p:tgtEl>
@@ -9261,11 +9325,11 @@
                             </p:stCondLst>
                             <p:childTnLst>
                               <p:par>
-                                <p:cTn id="9" presetClass="entr" nodeType="afterEffect" presetID="9" grpId="2" fill="hold">
+                                <p:cTn id="9" presetID="9" presetClass="entr" fill="hold" grpId="2" nodeType="afterEffect">
                                   <p:stCondLst>
                                     <p:cond delay="0"/>
                                   </p:stCondLst>
-                                  <p:iterate type="el" backwards="0">
+                                  <p:iterate>
                                     <p:tmAbs val="0"/>
                                   </p:iterate>
                                   <p:childTnLst>
@@ -9283,7 +9347,7 @@
                                         <p:strVal val="visible"/>
                                       </p:to>
                                     </p:set>
-                                    <p:animEffect filter="dissolve" transition="in">
+                                    <p:animEffect transition="in" filter="dissolve">
                                       <p:cBhvr>
                                         <p:cTn id="11" dur="1000"/>
                                         <p:tgtEl>
@@ -9313,11 +9377,11 @@
                             </p:stCondLst>
                             <p:childTnLst>
                               <p:par>
-                                <p:cTn id="14" presetClass="entr" nodeType="clickEffect" presetID="9" grpId="3" fill="hold">
+                                <p:cTn id="14" presetID="9" presetClass="entr" fill="hold" grpId="3" nodeType="clickEffect">
                                   <p:stCondLst>
                                     <p:cond delay="0"/>
                                   </p:stCondLst>
-                                  <p:iterate type="el" backwards="0">
+                                  <p:iterate>
                                     <p:tmAbs val="0"/>
                                   </p:iterate>
                                   <p:childTnLst>
@@ -9335,7 +9399,7 @@
                                         <p:strVal val="visible"/>
                                       </p:to>
                                     </p:set>
-                                    <p:animEffect filter="dissolve" transition="in">
+                                    <p:animEffect transition="in" filter="dissolve">
                                       <p:cBhvr>
                                         <p:cTn id="16" dur="1000"/>
                                         <p:tgtEl>
@@ -9356,11 +9420,11 @@
                             </p:stCondLst>
                             <p:childTnLst>
                               <p:par>
-                                <p:cTn id="18" presetClass="entr" nodeType="afterEffect" presetID="9" grpId="4" fill="hold">
+                                <p:cTn id="18" presetID="9" presetClass="entr" fill="hold" grpId="4" nodeType="afterEffect">
                                   <p:stCondLst>
                                     <p:cond delay="0"/>
                                   </p:stCondLst>
-                                  <p:iterate type="el" backwards="0">
+                                  <p:iterate>
                                     <p:tmAbs val="0"/>
                                   </p:iterate>
                                   <p:childTnLst>
@@ -9378,7 +9442,7 @@
                                         <p:strVal val="visible"/>
                                       </p:to>
                                     </p:set>
-                                    <p:animEffect filter="dissolve" transition="in">
+                                    <p:animEffect transition="in" filter="dissolve">
                                       <p:cBhvr>
                                         <p:cTn id="20" dur="1000"/>
                                         <p:tgtEl>
@@ -9408,11 +9472,11 @@
                             </p:stCondLst>
                             <p:childTnLst>
                               <p:par>
-                                <p:cTn id="23" presetClass="entr" nodeType="clickEffect" presetID="9" grpId="5" fill="hold">
+                                <p:cTn id="23" presetID="9" presetClass="entr" fill="hold" grpId="5" nodeType="clickEffect">
                                   <p:stCondLst>
                                     <p:cond delay="0"/>
                                   </p:stCondLst>
-                                  <p:iterate type="el" backwards="0">
+                                  <p:iterate>
                                     <p:tmAbs val="0"/>
                                   </p:iterate>
                                   <p:childTnLst>
@@ -9430,7 +9494,7 @@
                                         <p:strVal val="visible"/>
                                       </p:to>
                                     </p:set>
-                                    <p:animEffect filter="dissolve" transition="in">
+                                    <p:animEffect transition="in" filter="dissolve">
                                       <p:cBhvr>
                                         <p:cTn id="25" dur="1000"/>
                                         <p:tgtEl>
@@ -9451,11 +9515,11 @@
                             </p:stCondLst>
                             <p:childTnLst>
                               <p:par>
-                                <p:cTn id="27" presetClass="entr" nodeType="afterEffect" presetID="9" grpId="6" fill="hold">
+                                <p:cTn id="27" presetID="9" presetClass="entr" fill="hold" grpId="6" nodeType="afterEffect">
                                   <p:stCondLst>
                                     <p:cond delay="0"/>
                                   </p:stCondLst>
-                                  <p:iterate type="el" backwards="0">
+                                  <p:iterate>
                                     <p:tmAbs val="0"/>
                                   </p:iterate>
                                   <p:childTnLst>
@@ -9473,7 +9537,7 @@
                                         <p:strVal val="visible"/>
                                       </p:to>
                                     </p:set>
-                                    <p:animEffect filter="dissolve" transition="in">
+                                    <p:animEffect transition="in" filter="dissolve">
                                       <p:cBhvr>
                                         <p:cTn id="29" dur="1000"/>
                                         <p:tgtEl>
@@ -9503,11 +9567,11 @@
                             </p:stCondLst>
                             <p:childTnLst>
                               <p:par>
-                                <p:cTn id="32" presetClass="entr" nodeType="clickEffect" presetID="9" grpId="7" fill="hold">
+                                <p:cTn id="32" presetID="9" presetClass="entr" fill="hold" grpId="7" nodeType="clickEffect">
                                   <p:stCondLst>
                                     <p:cond delay="0"/>
                                   </p:stCondLst>
-                                  <p:iterate type="el" backwards="0">
+                                  <p:iterate>
                                     <p:tmAbs val="0"/>
                                   </p:iterate>
                                   <p:childTnLst>
@@ -9525,7 +9589,7 @@
                                         <p:strVal val="visible"/>
                                       </p:to>
                                     </p:set>
-                                    <p:animEffect filter="dissolve" transition="in">
+                                    <p:animEffect transition="in" filter="dissolve">
                                       <p:cBhvr>
                                         <p:cTn id="34" dur="1000"/>
                                         <p:tgtEl>
@@ -9546,11 +9610,11 @@
                             </p:stCondLst>
                             <p:childTnLst>
                               <p:par>
-                                <p:cTn id="36" presetClass="entr" nodeType="afterEffect" presetID="9" grpId="8" fill="hold">
+                                <p:cTn id="36" presetID="9" presetClass="entr" fill="hold" grpId="8" nodeType="afterEffect">
                                   <p:stCondLst>
                                     <p:cond delay="0"/>
                                   </p:stCondLst>
-                                  <p:iterate type="el" backwards="0">
+                                  <p:iterate>
                                     <p:tmAbs val="0"/>
                                   </p:iterate>
                                   <p:childTnLst>
@@ -9568,7 +9632,7 @@
                                         <p:strVal val="visible"/>
                                       </p:to>
                                     </p:set>
-                                    <p:animEffect filter="dissolve" transition="in">
+                                    <p:animEffect transition="in" filter="dissolve">
                                       <p:cBhvr>
                                         <p:cTn id="38" dur="1000"/>
                                         <p:tgtEl>
@@ -9598,11 +9662,11 @@
                             </p:stCondLst>
                             <p:childTnLst>
                               <p:par>
-                                <p:cTn id="41" presetClass="entr" nodeType="clickEffect" presetID="9" grpId="9" fill="hold">
+                                <p:cTn id="41" presetID="9" presetClass="entr" fill="hold" grpId="9" nodeType="clickEffect">
                                   <p:stCondLst>
                                     <p:cond delay="0"/>
                                   </p:stCondLst>
-                                  <p:iterate type="el" backwards="0">
+                                  <p:iterate>
                                     <p:tmAbs val="0"/>
                                   </p:iterate>
                                   <p:childTnLst>
@@ -9620,7 +9684,7 @@
                                         <p:strVal val="visible"/>
                                       </p:to>
                                     </p:set>
-                                    <p:animEffect filter="dissolve" transition="in">
+                                    <p:animEffect transition="in" filter="dissolve">
                                       <p:cBhvr>
                                         <p:cTn id="43" dur="1000"/>
                                         <p:tgtEl>
@@ -9640,14 +9704,14 @@
                 </p:childTnLst>
               </p:cTn>
               <p:prevCondLst>
-                <p:cond evt="onPrev">
+                <p:cond evt="onPrev" delay="0">
                   <p:tgtEl>
                     <p:sldTgt/>
                   </p:tgtEl>
                 </p:cond>
               </p:prevCondLst>
               <p:nextCondLst>
-                <p:cond evt="onNext">
+                <p:cond evt="onNext" delay="0">
                   <p:tgtEl>
                     <p:sldTgt/>
                   </p:tgtEl>
@@ -9659,22 +9723,22 @@
       </p:par>
     </p:tnLst>
     <p:bldLst>
-      <p:bldP build="whole" bldLvl="1" animBg="1" rev="0" advAuto="0" spid="189" grpId="3"/>
-      <p:bldP build="whole" bldLvl="1" animBg="1" rev="0" advAuto="0" spid="193" grpId="7"/>
-      <p:bldP build="whole" bldLvl="1" animBg="1" rev="0" advAuto="0" spid="188" grpId="2"/>
-      <p:bldP build="whole" bldLvl="1" animBg="1" rev="0" advAuto="0" spid="190" grpId="4"/>
-      <p:bldP build="whole" bldLvl="1" animBg="1" rev="0" advAuto="0" spid="194" grpId="8"/>
-      <p:bldP build="whole" bldLvl="1" animBg="1" rev="0" advAuto="0" spid="195" grpId="9"/>
-      <p:bldP build="whole" bldLvl="1" animBg="1" rev="0" advAuto="0" spid="192" grpId="6"/>
-      <p:bldP build="whole" bldLvl="1" animBg="1" rev="0" advAuto="0" spid="191" grpId="5"/>
-      <p:bldP build="whole" bldLvl="1" animBg="1" rev="0" advAuto="0" spid="187" grpId="1"/>
+      <p:bldP spid="187" grpId="1" animBg="1" advAuto="0"/>
+      <p:bldP spid="188" grpId="2" animBg="1" advAuto="0"/>
+      <p:bldP spid="189" grpId="3" animBg="1" advAuto="0"/>
+      <p:bldP spid="190" grpId="4" animBg="1" advAuto="0"/>
+      <p:bldP spid="191" grpId="5" animBg="1" advAuto="0"/>
+      <p:bldP spid="192" grpId="6" animBg="1" advAuto="0"/>
+      <p:bldP spid="193" grpId="7" animBg="1" advAuto="0"/>
+      <p:bldP spid="194" grpId="8" animBg="1" advAuto="0"/>
+      <p:bldP spid="195" grpId="9" animBg="1" advAuto="0"/>
     </p:bldLst>
   </p:timing>
 </p:sld>
 </file>
 
 <file path=ppt/slides/slide9.xml><?xml version="1.0" encoding="utf-8"?>
-<p:sld xmlns:a="http://schemas.openxmlformats.org/drawingml/2006/main" xmlns:r="http://schemas.openxmlformats.org/officeDocument/2006/relationships" xmlns:p="http://schemas.openxmlformats.org/presentationml/2006/main" xmlns:m="http://schemas.openxmlformats.org/officeDocument/2006/math" xmlns:a14="http://schemas.microsoft.com/office/drawing/2010/main" showMasterSp="1" showMasterPhAnim="1">
+<p:sld xmlns:a="http://schemas.openxmlformats.org/drawingml/2006/main" xmlns:r="http://schemas.openxmlformats.org/officeDocument/2006/relationships" xmlns:p="http://schemas.openxmlformats.org/presentationml/2006/main">
   <p:cSld>
     <p:spTree>
       <p:nvGrpSpPr>
@@ -9698,8 +9762,8 @@
         </p:nvSpPr>
         <p:spPr>
           <a:xfrm>
-            <a:off x="3962400" y="764503"/>
-            <a:ext cx="16459200" cy="1016350"/>
+            <a:off x="3962400" y="749458"/>
+            <a:ext cx="16459200" cy="1046440"/>
           </a:xfrm>
           <a:prstGeom prst="rect">
             <a:avLst/>
@@ -9709,7 +9773,7 @@
           </a:ln>
           <a:extLst>
             <a:ext uri="{C572A759-6A51-4108-AA02-DFA0A04FC94B}">
-              <ma14:wrappingTextBoxFlag xmlns:ma14="http://schemas.microsoft.com/office/mac/drawingml/2011/main" val="1"/>
+              <ma14:wrappingTextBoxFlag xmlns:ma14="http://schemas.microsoft.com/office/mac/drawingml/2011/main" xmlns:a14="http://schemas.microsoft.com/office/drawing/2010/main" xmlns:m="http://schemas.openxmlformats.org/officeDocument/2006/math" xmlns="" val="1"/>
             </a:ext>
           </a:extLst>
         </p:spPr>
@@ -9731,8 +9795,12 @@
             </a:lvl1pPr>
           </a:lstStyle>
           <a:p>
-            <a:pPr/>
             <a:r>
+              <a:rPr b="1" dirty="0">
+                <a:solidFill>
+                  <a:schemeClr val="tx1"/>
+                </a:solidFill>
+              </a:rPr>
               <a:t>Matching</a:t>
             </a:r>
           </a:p>
@@ -9757,7 +9825,7 @@
           </a:ln>
           <a:extLst>
             <a:ext uri="{C572A759-6A51-4108-AA02-DFA0A04FC94B}">
-              <ma14:wrappingTextBoxFlag xmlns:ma14="http://schemas.microsoft.com/office/mac/drawingml/2011/main" val="1"/>
+              <ma14:wrappingTextBoxFlag xmlns:ma14="http://schemas.microsoft.com/office/mac/drawingml/2011/main" xmlns:a14="http://schemas.microsoft.com/office/drawing/2010/main" xmlns:m="http://schemas.openxmlformats.org/officeDocument/2006/math" xmlns="" val="1"/>
             </a:ext>
           </a:extLst>
         </p:spPr>
@@ -9785,7 +9853,6 @@
             </a:lvl1pPr>
           </a:lstStyle>
           <a:p>
-            <a:pPr/>
             <a:r>
               <a:t>Location attack</a:t>
             </a:r>
@@ -9801,9 +9868,7 @@
           <p:nvPr/>
         </p:nvPicPr>
         <p:blipFill>
-          <a:blip r:embed="rId2">
-            <a:extLst/>
-          </a:blip>
+          <a:blip r:embed="rId2"/>
           <a:stretch>
             <a:fillRect/>
           </a:stretch>
@@ -9830,9 +9895,7 @@
           <p:nvPr/>
         </p:nvPicPr>
         <p:blipFill>
-          <a:blip r:embed="rId3">
-            <a:extLst/>
-          </a:blip>
+          <a:blip r:embed="rId3"/>
           <a:stretch>
             <a:fillRect/>
           </a:stretch>
@@ -9869,7 +9932,7 @@
           </a:ln>
           <a:extLst>
             <a:ext uri="{C572A759-6A51-4108-AA02-DFA0A04FC94B}">
-              <ma14:wrappingTextBoxFlag xmlns:ma14="http://schemas.microsoft.com/office/mac/drawingml/2011/main" val="1"/>
+              <ma14:wrappingTextBoxFlag xmlns:ma14="http://schemas.microsoft.com/office/mac/drawingml/2011/main" xmlns:a14="http://schemas.microsoft.com/office/drawing/2010/main" xmlns:m="http://schemas.openxmlformats.org/officeDocument/2006/math" xmlns="" val="1"/>
             </a:ext>
           </a:extLst>
         </p:spPr>
@@ -9897,7 +9960,6 @@
             </a:lvl1pPr>
           </a:lstStyle>
           <a:p>
-            <a:pPr/>
             <a:r>
               <a:t>Frequency attack</a:t>
             </a:r>
@@ -9913,9 +9975,7 @@
           <p:nvPr/>
         </p:nvPicPr>
         <p:blipFill>
-          <a:blip r:embed="rId4">
-            <a:extLst/>
-          </a:blip>
+          <a:blip r:embed="rId4"/>
           <a:stretch>
             <a:fillRect/>
           </a:stretch>
@@ -9938,14 +9998,14 @@
   <p:clrMapOvr>
     <a:masterClrMapping/>
   </p:clrMapOvr>
-  <p:transition xmlns:p14="http://schemas.microsoft.com/office/powerpoint/2010/main" spd="med" advClick="1"/>
+  <p:transition spd="med"/>
   <p:timing>
     <p:tnLst>
       <p:par>
-        <p:cTn id="1" nodeType="tmRoot" restart="never" dur="indefinite" fill="hold">
+        <p:cTn id="1" dur="indefinite" restart="never" fill="hold" nodeType="tmRoot">
           <p:childTnLst>
             <p:seq concurrent="1" prevAc="none" nextAc="seek">
-              <p:cTn id="2" nodeType="mainSeq" dur="indefinite" fill="hold">
+              <p:cTn id="2" dur="indefinite" fill="hold" nodeType="mainSeq">
                 <p:childTnLst>
                   <p:par>
                     <p:cTn id="3" fill="hold">
@@ -9960,11 +10020,11 @@
                             </p:stCondLst>
                             <p:childTnLst>
                               <p:par>
-                                <p:cTn id="5" presetClass="entr" nodeType="clickEffect" presetID="9" grpId="1" fill="hold">
+                                <p:cTn id="5" presetID="9" presetClass="entr" fill="hold" grpId="1" nodeType="clickEffect">
                                   <p:stCondLst>
                                     <p:cond delay="0"/>
                                   </p:stCondLst>
-                                  <p:iterate type="el" backwards="0">
+                                  <p:iterate>
                                     <p:tmAbs val="0"/>
                                   </p:iterate>
                                   <p:childTnLst>
@@ -9982,7 +10042,7 @@
                                         <p:strVal val="visible"/>
                                       </p:to>
                                     </p:set>
-                                    <p:animEffect filter="dissolve" transition="in">
+                                    <p:animEffect transition="in" filter="dissolve">
                                       <p:cBhvr>
                                         <p:cTn id="7" dur="1000"/>
                                         <p:tgtEl>
@@ -10012,11 +10072,11 @@
                             </p:stCondLst>
                             <p:childTnLst>
                               <p:par>
-                                <p:cTn id="10" presetClass="entr" nodeType="clickEffect" presetID="9" grpId="2" fill="hold">
+                                <p:cTn id="10" presetID="9" presetClass="entr" fill="hold" grpId="2" nodeType="clickEffect">
                                   <p:stCondLst>
                                     <p:cond delay="0"/>
                                   </p:stCondLst>
-                                  <p:iterate type="el" backwards="0">
+                                  <p:iterate>
                                     <p:tmAbs val="0"/>
                                   </p:iterate>
                                   <p:childTnLst>
@@ -10034,7 +10094,7 @@
                                         <p:strVal val="visible"/>
                                       </p:to>
                                     </p:set>
-                                    <p:animEffect filter="dissolve" transition="in">
+                                    <p:animEffect transition="in" filter="dissolve">
                                       <p:cBhvr>
                                         <p:cTn id="12" dur="1000"/>
                                         <p:tgtEl>
@@ -10055,11 +10115,11 @@
                             </p:stCondLst>
                             <p:childTnLst>
                               <p:par>
-                                <p:cTn id="14" presetClass="entr" nodeType="afterEffect" presetID="9" grpId="3" fill="hold">
+                                <p:cTn id="14" presetID="9" presetClass="entr" fill="hold" grpId="3" nodeType="afterEffect">
                                   <p:stCondLst>
                                     <p:cond delay="0"/>
                                   </p:stCondLst>
-                                  <p:iterate type="el" backwards="0">
+                                  <p:iterate>
                                     <p:tmAbs val="0"/>
                                   </p:iterate>
                                   <p:childTnLst>
@@ -10077,7 +10137,7 @@
                                         <p:strVal val="visible"/>
                                       </p:to>
                                     </p:set>
-                                    <p:animEffect filter="dissolve" transition="in">
+                                    <p:animEffect transition="in" filter="dissolve">
                                       <p:cBhvr>
                                         <p:cTn id="16" dur="1000"/>
                                         <p:tgtEl>
@@ -10107,11 +10167,11 @@
                             </p:stCondLst>
                             <p:childTnLst>
                               <p:par>
-                                <p:cTn id="19" presetClass="entr" nodeType="clickEffect" presetID="9" grpId="4" fill="hold">
+                                <p:cTn id="19" presetID="9" presetClass="entr" fill="hold" grpId="4" nodeType="clickEffect">
                                   <p:stCondLst>
                                     <p:cond delay="0"/>
                                   </p:stCondLst>
-                                  <p:iterate type="el" backwards="0">
+                                  <p:iterate>
                                     <p:tmAbs val="0"/>
                                   </p:iterate>
                                   <p:childTnLst>
@@ -10129,7 +10189,7 @@
                                         <p:strVal val="visible"/>
                                       </p:to>
                                     </p:set>
-                                    <p:animEffect filter="dissolve" transition="in">
+                                    <p:animEffect transition="in" filter="dissolve">
                                       <p:cBhvr>
                                         <p:cTn id="21" dur="1000"/>
                                         <p:tgtEl>
@@ -10150,11 +10210,11 @@
                             </p:stCondLst>
                             <p:childTnLst>
                               <p:par>
-                                <p:cTn id="23" presetClass="entr" nodeType="afterEffect" presetID="9" grpId="5" fill="hold">
+                                <p:cTn id="23" presetID="9" presetClass="entr" fill="hold" grpId="5" nodeType="afterEffect">
                                   <p:stCondLst>
                                     <p:cond delay="0"/>
                                   </p:stCondLst>
-                                  <p:iterate type="el" backwards="0">
+                                  <p:iterate>
                                     <p:tmAbs val="0"/>
                                   </p:iterate>
                                   <p:childTnLst>
@@ -10172,7 +10232,7 @@
                                         <p:strVal val="visible"/>
                                       </p:to>
                                     </p:set>
-                                    <p:animEffect filter="dissolve" transition="in">
+                                    <p:animEffect transition="in" filter="dissolve">
                                       <p:cBhvr>
                                         <p:cTn id="25" dur="1000"/>
                                         <p:tgtEl>
@@ -10192,14 +10252,14 @@
                 </p:childTnLst>
               </p:cTn>
               <p:prevCondLst>
-                <p:cond evt="onPrev">
+                <p:cond evt="onPrev" delay="0">
                   <p:tgtEl>
                     <p:sldTgt/>
                   </p:tgtEl>
                 </p:cond>
               </p:prevCondLst>
               <p:nextCondLst>
-                <p:cond evt="onNext">
+                <p:cond evt="onNext" delay="0">
                   <p:tgtEl>
                     <p:sldTgt/>
                   </p:tgtEl>
@@ -10211,18 +10271,18 @@
       </p:par>
     </p:tnLst>
     <p:bldLst>
-      <p:bldP build="whole" bldLvl="1" animBg="1" rev="0" advAuto="0" spid="200" grpId="3"/>
-      <p:bldP build="whole" bldLvl="1" animBg="1" rev="0" advAuto="0" spid="201" grpId="4"/>
-      <p:bldP build="whole" bldLvl="1" animBg="1" rev="0" advAuto="0" spid="198" grpId="2"/>
-      <p:bldP build="whole" bldLvl="1" animBg="1" rev="0" advAuto="0" spid="199" grpId="1"/>
-      <p:bldP build="whole" bldLvl="1" animBg="1" rev="0" advAuto="0" spid="202" grpId="5"/>
+      <p:bldP spid="198" grpId="2" animBg="1" advAuto="0"/>
+      <p:bldP spid="199" grpId="1" animBg="1" advAuto="0"/>
+      <p:bldP spid="200" grpId="3" animBg="1" advAuto="0"/>
+      <p:bldP spid="201" grpId="4" animBg="1" advAuto="0"/>
+      <p:bldP spid="202" grpId="5" animBg="1" advAuto="0"/>
     </p:bldLst>
   </p:timing>
 </p:sld>
 </file>
 
 <file path=ppt/theme/theme1.xml><?xml version="1.0" encoding="utf-8"?>
-<a:theme xmlns:a="http://schemas.openxmlformats.org/drawingml/2006/main" xmlns:r="http://schemas.openxmlformats.org/officeDocument/2006/relationships" name="Showroom">
+<a:theme xmlns:a="http://schemas.openxmlformats.org/drawingml/2006/main" name="Showroom">
   <a:themeElements>
     <a:clrScheme name="Showroom">
       <a:dk1>
@@ -10421,7 +10481,7 @@
         <a:effectLst/>
         <a:sp3d/>
       </a:spPr>
-      <a:bodyPr rot="0" spcFirstLastPara="1" vertOverflow="overflow" horzOverflow="overflow" vert="horz" wrap="square" lIns="71437" tIns="71437" rIns="71437" bIns="71437" numCol="1" spcCol="38100" rtlCol="0" anchor="ctr" upright="0">
+      <a:bodyPr rot="0" spcFirstLastPara="1" vertOverflow="overflow" horzOverflow="overflow" vert="horz" wrap="square" lIns="71437" tIns="71437" rIns="71437" bIns="71437" numCol="1" spcCol="38100" rtlCol="0" anchor="ctr">
         <a:spAutoFit/>
       </a:bodyPr>
       <a:lstStyle>
@@ -10440,7 +10500,7 @@
           <a:buFontTx/>
           <a:buNone/>
           <a:tabLst/>
-          <a:defRPr b="0" baseline="0" cap="none" i="0" spc="0" strike="noStrike" sz="5000" u="none" kumimoji="0" normalizeH="0">
+          <a:defRPr kumimoji="0" sz="5000" b="0" i="0" u="none" strike="noStrike" cap="none" spc="0" normalizeH="0" baseline="0">
             <a:ln>
               <a:noFill/>
             </a:ln>
@@ -10470,7 +10530,7 @@
           <a:buFontTx/>
           <a:buNone/>
           <a:tabLst/>
-          <a:defRPr b="0" baseline="0" cap="none" i="0" spc="0" strike="noStrike" sz="1800" u="none" kumimoji="0" normalizeH="0">
+          <a:defRPr kumimoji="0" sz="1800" b="0" i="0" u="none" strike="noStrike" cap="none" spc="0" normalizeH="0" baseline="0">
             <a:ln>
               <a:noFill/>
             </a:ln>
@@ -10496,7 +10556,7 @@
           <a:buFontTx/>
           <a:buNone/>
           <a:tabLst/>
-          <a:defRPr b="0" baseline="0" cap="none" i="0" spc="0" strike="noStrike" sz="1800" u="none" kumimoji="0" normalizeH="0">
+          <a:defRPr kumimoji="0" sz="1800" b="0" i="0" u="none" strike="noStrike" cap="none" spc="0" normalizeH="0" baseline="0">
             <a:ln>
               <a:noFill/>
             </a:ln>
@@ -10522,7 +10582,7 @@
           <a:buFontTx/>
           <a:buNone/>
           <a:tabLst/>
-          <a:defRPr b="0" baseline="0" cap="none" i="0" spc="0" strike="noStrike" sz="1800" u="none" kumimoji="0" normalizeH="0">
+          <a:defRPr kumimoji="0" sz="1800" b="0" i="0" u="none" strike="noStrike" cap="none" spc="0" normalizeH="0" baseline="0">
             <a:ln>
               <a:noFill/>
             </a:ln>
@@ -10548,7 +10608,7 @@
           <a:buFontTx/>
           <a:buNone/>
           <a:tabLst/>
-          <a:defRPr b="0" baseline="0" cap="none" i="0" spc="0" strike="noStrike" sz="1800" u="none" kumimoji="0" normalizeH="0">
+          <a:defRPr kumimoji="0" sz="1800" b="0" i="0" u="none" strike="noStrike" cap="none" spc="0" normalizeH="0" baseline="0">
             <a:ln>
               <a:noFill/>
             </a:ln>
@@ -10574,7 +10634,7 @@
           <a:buFontTx/>
           <a:buNone/>
           <a:tabLst/>
-          <a:defRPr b="0" baseline="0" cap="none" i="0" spc="0" strike="noStrike" sz="1800" u="none" kumimoji="0" normalizeH="0">
+          <a:defRPr kumimoji="0" sz="1800" b="0" i="0" u="none" strike="noStrike" cap="none" spc="0" normalizeH="0" baseline="0">
             <a:ln>
               <a:noFill/>
             </a:ln>
@@ -10600,7 +10660,7 @@
           <a:buFontTx/>
           <a:buNone/>
           <a:tabLst/>
-          <a:defRPr b="0" baseline="0" cap="none" i="0" spc="0" strike="noStrike" sz="1800" u="none" kumimoji="0" normalizeH="0">
+          <a:defRPr kumimoji="0" sz="1800" b="0" i="0" u="none" strike="noStrike" cap="none" spc="0" normalizeH="0" baseline="0">
             <a:ln>
               <a:noFill/>
             </a:ln>
@@ -10626,7 +10686,7 @@
           <a:buFontTx/>
           <a:buNone/>
           <a:tabLst/>
-          <a:defRPr b="0" baseline="0" cap="none" i="0" spc="0" strike="noStrike" sz="1800" u="none" kumimoji="0" normalizeH="0">
+          <a:defRPr kumimoji="0" sz="1800" b="0" i="0" u="none" strike="noStrike" cap="none" spc="0" normalizeH="0" baseline="0">
             <a:ln>
               <a:noFill/>
             </a:ln>
@@ -10652,7 +10712,7 @@
           <a:buFontTx/>
           <a:buNone/>
           <a:tabLst/>
-          <a:defRPr b="0" baseline="0" cap="none" i="0" spc="0" strike="noStrike" sz="1800" u="none" kumimoji="0" normalizeH="0">
+          <a:defRPr kumimoji="0" sz="1800" b="0" i="0" u="none" strike="noStrike" cap="none" spc="0" normalizeH="0" baseline="0">
             <a:ln>
               <a:noFill/>
             </a:ln>
@@ -10678,7 +10738,7 @@
           <a:buFontTx/>
           <a:buNone/>
           <a:tabLst/>
-          <a:defRPr b="0" baseline="0" cap="none" i="0" spc="0" strike="noStrike" sz="1800" u="none" kumimoji="0" normalizeH="0">
+          <a:defRPr kumimoji="0" sz="1800" b="0" i="0" u="none" strike="noStrike" cap="none" spc="0" normalizeH="0" baseline="0">
             <a:ln>
               <a:noFill/>
             </a:ln>
@@ -10691,9 +10751,15 @@
         </a:lvl9pPr>
       </a:lstStyle>
       <a:style>
-        <a:lnRef idx="0"/>
-        <a:fillRef idx="0"/>
-        <a:effectRef idx="0"/>
+        <a:lnRef idx="0">
+          <a:scrgbClr r="0" g="0" b="0"/>
+        </a:lnRef>
+        <a:fillRef idx="0">
+          <a:scrgbClr r="0" g="0" b="0"/>
+        </a:fillRef>
+        <a:effectRef idx="0">
+          <a:scrgbClr r="0" g="0" b="0"/>
+        </a:effectRef>
         <a:fontRef idx="none"/>
       </a:style>
     </a:spDef>
@@ -10710,7 +10776,7 @@
         <a:effectLst/>
         <a:sp3d/>
       </a:spPr>
-      <a:bodyPr rot="0" spcFirstLastPara="1" vertOverflow="overflow" horzOverflow="overflow" vert="horz" wrap="square" lIns="91439" tIns="45719" rIns="91439" bIns="45719" numCol="1" spcCol="38100" rtlCol="0" anchor="t" upright="0">
+      <a:bodyPr rot="0" spcFirstLastPara="1" vertOverflow="overflow" horzOverflow="overflow" vert="horz" wrap="square" lIns="91439" tIns="45719" rIns="91439" bIns="45719" numCol="1" spcCol="38100" rtlCol="0" anchor="t">
         <a:noAutofit/>
       </a:bodyPr>
       <a:lstStyle>
@@ -10729,7 +10795,7 @@
           <a:buFontTx/>
           <a:buNone/>
           <a:tabLst/>
-          <a:defRPr b="0" baseline="0" cap="none" i="0" spc="0" strike="noStrike" sz="1800" u="none" kumimoji="0" normalizeH="0">
+          <a:defRPr kumimoji="0" sz="1800" b="0" i="0" u="none" strike="noStrike" cap="none" spc="0" normalizeH="0" baseline="0">
             <a:ln>
               <a:noFill/>
             </a:ln>
@@ -10755,7 +10821,7 @@
           <a:buFontTx/>
           <a:buNone/>
           <a:tabLst/>
-          <a:defRPr b="0" baseline="0" cap="none" i="0" spc="0" strike="noStrike" sz="1800" u="none" kumimoji="0" normalizeH="0">
+          <a:defRPr kumimoji="0" sz="1800" b="0" i="0" u="none" strike="noStrike" cap="none" spc="0" normalizeH="0" baseline="0">
             <a:ln>
               <a:noFill/>
             </a:ln>
@@ -10781,7 +10847,7 @@
           <a:buFontTx/>
           <a:buNone/>
           <a:tabLst/>
-          <a:defRPr b="0" baseline="0" cap="none" i="0" spc="0" strike="noStrike" sz="1800" u="none" kumimoji="0" normalizeH="0">
+          <a:defRPr kumimoji="0" sz="1800" b="0" i="0" u="none" strike="noStrike" cap="none" spc="0" normalizeH="0" baseline="0">
             <a:ln>
               <a:noFill/>
             </a:ln>
@@ -10807,7 +10873,7 @@
           <a:buFontTx/>
           <a:buNone/>
           <a:tabLst/>
-          <a:defRPr b="0" baseline="0" cap="none" i="0" spc="0" strike="noStrike" sz="1800" u="none" kumimoji="0" normalizeH="0">
+          <a:defRPr kumimoji="0" sz="1800" b="0" i="0" u="none" strike="noStrike" cap="none" spc="0" normalizeH="0" baseline="0">
             <a:ln>
               <a:noFill/>
             </a:ln>
@@ -10833,7 +10899,7 @@
           <a:buFontTx/>
           <a:buNone/>
           <a:tabLst/>
-          <a:defRPr b="0" baseline="0" cap="none" i="0" spc="0" strike="noStrike" sz="1800" u="none" kumimoji="0" normalizeH="0">
+          <a:defRPr kumimoji="0" sz="1800" b="0" i="0" u="none" strike="noStrike" cap="none" spc="0" normalizeH="0" baseline="0">
             <a:ln>
               <a:noFill/>
             </a:ln>
@@ -10859,7 +10925,7 @@
           <a:buFontTx/>
           <a:buNone/>
           <a:tabLst/>
-          <a:defRPr b="0" baseline="0" cap="none" i="0" spc="0" strike="noStrike" sz="1800" u="none" kumimoji="0" normalizeH="0">
+          <a:defRPr kumimoji="0" sz="1800" b="0" i="0" u="none" strike="noStrike" cap="none" spc="0" normalizeH="0" baseline="0">
             <a:ln>
               <a:noFill/>
             </a:ln>
@@ -10885,7 +10951,7 @@
           <a:buFontTx/>
           <a:buNone/>
           <a:tabLst/>
-          <a:defRPr b="0" baseline="0" cap="none" i="0" spc="0" strike="noStrike" sz="1800" u="none" kumimoji="0" normalizeH="0">
+          <a:defRPr kumimoji="0" sz="1800" b="0" i="0" u="none" strike="noStrike" cap="none" spc="0" normalizeH="0" baseline="0">
             <a:ln>
               <a:noFill/>
             </a:ln>
@@ -10911,7 +10977,7 @@
           <a:buFontTx/>
           <a:buNone/>
           <a:tabLst/>
-          <a:defRPr b="0" baseline="0" cap="none" i="0" spc="0" strike="noStrike" sz="1800" u="none" kumimoji="0" normalizeH="0">
+          <a:defRPr kumimoji="0" sz="1800" b="0" i="0" u="none" strike="noStrike" cap="none" spc="0" normalizeH="0" baseline="0">
             <a:ln>
               <a:noFill/>
             </a:ln>
@@ -10937,7 +11003,7 @@
           <a:buFontTx/>
           <a:buNone/>
           <a:tabLst/>
-          <a:defRPr b="0" baseline="0" cap="none" i="0" spc="0" strike="noStrike" sz="1800" u="none" kumimoji="0" normalizeH="0">
+          <a:defRPr kumimoji="0" sz="1800" b="0" i="0" u="none" strike="noStrike" cap="none" spc="0" normalizeH="0" baseline="0">
             <a:ln>
               <a:noFill/>
             </a:ln>
@@ -10963,7 +11029,7 @@
           <a:buFontTx/>
           <a:buNone/>
           <a:tabLst/>
-          <a:defRPr b="0" baseline="0" cap="none" i="0" spc="0" strike="noStrike" sz="1800" u="none" kumimoji="0" normalizeH="0">
+          <a:defRPr kumimoji="0" sz="1800" b="0" i="0" u="none" strike="noStrike" cap="none" spc="0" normalizeH="0" baseline="0">
             <a:ln>
               <a:noFill/>
             </a:ln>
@@ -10976,9 +11042,15 @@
         </a:lvl9pPr>
       </a:lstStyle>
       <a:style>
-        <a:lnRef idx="0"/>
-        <a:fillRef idx="0"/>
-        <a:effectRef idx="0"/>
+        <a:lnRef idx="0">
+          <a:scrgbClr r="0" g="0" b="0"/>
+        </a:lnRef>
+        <a:fillRef idx="0">
+          <a:scrgbClr r="0" g="0" b="0"/>
+        </a:fillRef>
+        <a:effectRef idx="0">
+          <a:scrgbClr r="0" g="0" b="0"/>
+        </a:effectRef>
         <a:fontRef idx="none"/>
       </a:style>
     </a:lnDef>
@@ -10992,7 +11064,7 @@
         <a:effectLst/>
         <a:sp3d/>
       </a:spPr>
-      <a:bodyPr rot="0" spcFirstLastPara="1" vertOverflow="overflow" horzOverflow="overflow" vert="horz" wrap="square" lIns="71437" tIns="71437" rIns="71437" bIns="71437" numCol="1" spcCol="38100" rtlCol="0" anchor="ctr" upright="0">
+      <a:bodyPr rot="0" spcFirstLastPara="1" vertOverflow="overflow" horzOverflow="overflow" vert="horz" wrap="square" lIns="71437" tIns="71437" rIns="71437" bIns="71437" numCol="1" spcCol="38100" rtlCol="0" anchor="ctr">
         <a:spAutoFit/>
       </a:bodyPr>
       <a:lstStyle>
@@ -11011,7 +11083,7 @@
           <a:buFontTx/>
           <a:buNone/>
           <a:tabLst/>
-          <a:defRPr b="0" baseline="0" cap="none" i="0" spc="0" strike="noStrike" sz="5000" u="none" kumimoji="0" normalizeH="0">
+          <a:defRPr kumimoji="0" sz="5000" b="0" i="0" u="none" strike="noStrike" cap="none" spc="0" normalizeH="0" baseline="0">
             <a:ln>
               <a:noFill/>
             </a:ln>
@@ -11041,7 +11113,7 @@
           <a:buFontTx/>
           <a:buNone/>
           <a:tabLst/>
-          <a:defRPr b="0" baseline="0" cap="none" i="0" spc="0" strike="noStrike" sz="1800" u="none" kumimoji="0" normalizeH="0">
+          <a:defRPr kumimoji="0" sz="1800" b="0" i="0" u="none" strike="noStrike" cap="none" spc="0" normalizeH="0" baseline="0">
             <a:ln>
               <a:noFill/>
             </a:ln>
@@ -11067,7 +11139,7 @@
           <a:buFontTx/>
           <a:buNone/>
           <a:tabLst/>
-          <a:defRPr b="0" baseline="0" cap="none" i="0" spc="0" strike="noStrike" sz="1800" u="none" kumimoji="0" normalizeH="0">
+          <a:defRPr kumimoji="0" sz="1800" b="0" i="0" u="none" strike="noStrike" cap="none" spc="0" normalizeH="0" baseline="0">
             <a:ln>
               <a:noFill/>
             </a:ln>
@@ -11093,7 +11165,7 @@
           <a:buFontTx/>
           <a:buNone/>
           <a:tabLst/>
-          <a:defRPr b="0" baseline="0" cap="none" i="0" spc="0" strike="noStrike" sz="1800" u="none" kumimoji="0" normalizeH="0">
+          <a:defRPr kumimoji="0" sz="1800" b="0" i="0" u="none" strike="noStrike" cap="none" spc="0" normalizeH="0" baseline="0">
             <a:ln>
               <a:noFill/>
             </a:ln>
@@ -11119,7 +11191,7 @@
           <a:buFontTx/>
           <a:buNone/>
           <a:tabLst/>
-          <a:defRPr b="0" baseline="0" cap="none" i="0" spc="0" strike="noStrike" sz="1800" u="none" kumimoji="0" normalizeH="0">
+          <a:defRPr kumimoji="0" sz="1800" b="0" i="0" u="none" strike="noStrike" cap="none" spc="0" normalizeH="0" baseline="0">
             <a:ln>
               <a:noFill/>
             </a:ln>
@@ -11145,7 +11217,7 @@
           <a:buFontTx/>
           <a:buNone/>
           <a:tabLst/>
-          <a:defRPr b="0" baseline="0" cap="none" i="0" spc="0" strike="noStrike" sz="1800" u="none" kumimoji="0" normalizeH="0">
+          <a:defRPr kumimoji="0" sz="1800" b="0" i="0" u="none" strike="noStrike" cap="none" spc="0" normalizeH="0" baseline="0">
             <a:ln>
               <a:noFill/>
             </a:ln>
@@ -11171,7 +11243,7 @@
           <a:buFontTx/>
           <a:buNone/>
           <a:tabLst/>
-          <a:defRPr b="0" baseline="0" cap="none" i="0" spc="0" strike="noStrike" sz="1800" u="none" kumimoji="0" normalizeH="0">
+          <a:defRPr kumimoji="0" sz="1800" b="0" i="0" u="none" strike="noStrike" cap="none" spc="0" normalizeH="0" baseline="0">
             <a:ln>
               <a:noFill/>
             </a:ln>
@@ -11197,7 +11269,7 @@
           <a:buFontTx/>
           <a:buNone/>
           <a:tabLst/>
-          <a:defRPr b="0" baseline="0" cap="none" i="0" spc="0" strike="noStrike" sz="1800" u="none" kumimoji="0" normalizeH="0">
+          <a:defRPr kumimoji="0" sz="1800" b="0" i="0" u="none" strike="noStrike" cap="none" spc="0" normalizeH="0" baseline="0">
             <a:ln>
               <a:noFill/>
             </a:ln>
@@ -11223,7 +11295,7 @@
           <a:buFontTx/>
           <a:buNone/>
           <a:tabLst/>
-          <a:defRPr b="0" baseline="0" cap="none" i="0" spc="0" strike="noStrike" sz="1800" u="none" kumimoji="0" normalizeH="0">
+          <a:defRPr kumimoji="0" sz="1800" b="0" i="0" u="none" strike="noStrike" cap="none" spc="0" normalizeH="0" baseline="0">
             <a:ln>
               <a:noFill/>
             </a:ln>
@@ -11249,7 +11321,7 @@
           <a:buFontTx/>
           <a:buNone/>
           <a:tabLst/>
-          <a:defRPr b="0" baseline="0" cap="none" i="0" spc="0" strike="noStrike" sz="1800" u="none" kumimoji="0" normalizeH="0">
+          <a:defRPr kumimoji="0" sz="1800" b="0" i="0" u="none" strike="noStrike" cap="none" spc="0" normalizeH="0" baseline="0">
             <a:ln>
               <a:noFill/>
             </a:ln>
@@ -11262,18 +11334,25 @@
         </a:lvl9pPr>
       </a:lstStyle>
       <a:style>
-        <a:lnRef idx="0"/>
-        <a:fillRef idx="0"/>
-        <a:effectRef idx="0"/>
+        <a:lnRef idx="0">
+          <a:scrgbClr r="0" g="0" b="0"/>
+        </a:lnRef>
+        <a:fillRef idx="0">
+          <a:scrgbClr r="0" g="0" b="0"/>
+        </a:fillRef>
+        <a:effectRef idx="0">
+          <a:scrgbClr r="0" g="0" b="0"/>
+        </a:effectRef>
         <a:fontRef idx="none"/>
       </a:style>
     </a:txDef>
   </a:objectDefaults>
+  <a:extraClrSchemeLst/>
 </a:theme>
 </file>
 
 <file path=ppt/theme/theme2.xml><?xml version="1.0" encoding="utf-8"?>
-<a:theme xmlns:a="http://schemas.openxmlformats.org/drawingml/2006/main" xmlns:r="http://schemas.openxmlformats.org/officeDocument/2006/relationships" name="Showroom">
+<a:theme xmlns:a="http://schemas.openxmlformats.org/drawingml/2006/main" name="Showroom">
   <a:themeElements>
     <a:clrScheme name="Showroom">
       <a:dk1>
@@ -11472,7 +11551,7 @@
         <a:effectLst/>
         <a:sp3d/>
       </a:spPr>
-      <a:bodyPr rot="0" spcFirstLastPara="1" vertOverflow="overflow" horzOverflow="overflow" vert="horz" wrap="square" lIns="71437" tIns="71437" rIns="71437" bIns="71437" numCol="1" spcCol="38100" rtlCol="0" anchor="ctr" upright="0">
+      <a:bodyPr rot="0" spcFirstLastPara="1" vertOverflow="overflow" horzOverflow="overflow" vert="horz" wrap="square" lIns="71437" tIns="71437" rIns="71437" bIns="71437" numCol="1" spcCol="38100" rtlCol="0" anchor="ctr">
         <a:spAutoFit/>
       </a:bodyPr>
       <a:lstStyle>
@@ -11491,7 +11570,7 @@
           <a:buFontTx/>
           <a:buNone/>
           <a:tabLst/>
-          <a:defRPr b="0" baseline="0" cap="none" i="0" spc="0" strike="noStrike" sz="5000" u="none" kumimoji="0" normalizeH="0">
+          <a:defRPr kumimoji="0" sz="5000" b="0" i="0" u="none" strike="noStrike" cap="none" spc="0" normalizeH="0" baseline="0">
             <a:ln>
               <a:noFill/>
             </a:ln>
@@ -11521,7 +11600,7 @@
           <a:buFontTx/>
           <a:buNone/>
           <a:tabLst/>
-          <a:defRPr b="0" baseline="0" cap="none" i="0" spc="0" strike="noStrike" sz="1800" u="none" kumimoji="0" normalizeH="0">
+          <a:defRPr kumimoji="0" sz="1800" b="0" i="0" u="none" strike="noStrike" cap="none" spc="0" normalizeH="0" baseline="0">
             <a:ln>
               <a:noFill/>
             </a:ln>
@@ -11547,7 +11626,7 @@
           <a:buFontTx/>
           <a:buNone/>
           <a:tabLst/>
-          <a:defRPr b="0" baseline="0" cap="none" i="0" spc="0" strike="noStrike" sz="1800" u="none" kumimoji="0" normalizeH="0">
+          <a:defRPr kumimoji="0" sz="1800" b="0" i="0" u="none" strike="noStrike" cap="none" spc="0" normalizeH="0" baseline="0">
             <a:ln>
               <a:noFill/>
             </a:ln>
@@ -11573,7 +11652,7 @@
           <a:buFontTx/>
           <a:buNone/>
           <a:tabLst/>
-          <a:defRPr b="0" baseline="0" cap="none" i="0" spc="0" strike="noStrike" sz="1800" u="none" kumimoji="0" normalizeH="0">
+          <a:defRPr kumimoji="0" sz="1800" b="0" i="0" u="none" strike="noStrike" cap="none" spc="0" normalizeH="0" baseline="0">
             <a:ln>
               <a:noFill/>
             </a:ln>
@@ -11599,7 +11678,7 @@
           <a:buFontTx/>
           <a:buNone/>
           <a:tabLst/>
-          <a:defRPr b="0" baseline="0" cap="none" i="0" spc="0" strike="noStrike" sz="1800" u="none" kumimoji="0" normalizeH="0">
+          <a:defRPr kumimoji="0" sz="1800" b="0" i="0" u="none" strike="noStrike" cap="none" spc="0" normalizeH="0" baseline="0">
             <a:ln>
               <a:noFill/>
             </a:ln>
@@ -11625,7 +11704,7 @@
           <a:buFontTx/>
           <a:buNone/>
           <a:tabLst/>
-          <a:defRPr b="0" baseline="0" cap="none" i="0" spc="0" strike="noStrike" sz="1800" u="none" kumimoji="0" normalizeH="0">
+          <a:defRPr kumimoji="0" sz="1800" b="0" i="0" u="none" strike="noStrike" cap="none" spc="0" normalizeH="0" baseline="0">
             <a:ln>
               <a:noFill/>
             </a:ln>
@@ -11651,7 +11730,7 @@
           <a:buFontTx/>
           <a:buNone/>
           <a:tabLst/>
-          <a:defRPr b="0" baseline="0" cap="none" i="0" spc="0" strike="noStrike" sz="1800" u="none" kumimoji="0" normalizeH="0">
+          <a:defRPr kumimoji="0" sz="1800" b="0" i="0" u="none" strike="noStrike" cap="none" spc="0" normalizeH="0" baseline="0">
             <a:ln>
               <a:noFill/>
             </a:ln>
@@ -11677,7 +11756,7 @@
           <a:buFontTx/>
           <a:buNone/>
           <a:tabLst/>
-          <a:defRPr b="0" baseline="0" cap="none" i="0" spc="0" strike="noStrike" sz="1800" u="none" kumimoji="0" normalizeH="0">
+          <a:defRPr kumimoji="0" sz="1800" b="0" i="0" u="none" strike="noStrike" cap="none" spc="0" normalizeH="0" baseline="0">
             <a:ln>
               <a:noFill/>
             </a:ln>
@@ -11703,7 +11782,7 @@
           <a:buFontTx/>
           <a:buNone/>
           <a:tabLst/>
-          <a:defRPr b="0" baseline="0" cap="none" i="0" spc="0" strike="noStrike" sz="1800" u="none" kumimoji="0" normalizeH="0">
+          <a:defRPr kumimoji="0" sz="1800" b="0" i="0" u="none" strike="noStrike" cap="none" spc="0" normalizeH="0" baseline="0">
             <a:ln>
               <a:noFill/>
             </a:ln>
@@ -11729,7 +11808,7 @@
           <a:buFontTx/>
           <a:buNone/>
           <a:tabLst/>
-          <a:defRPr b="0" baseline="0" cap="none" i="0" spc="0" strike="noStrike" sz="1800" u="none" kumimoji="0" normalizeH="0">
+          <a:defRPr kumimoji="0" sz="1800" b="0" i="0" u="none" strike="noStrike" cap="none" spc="0" normalizeH="0" baseline="0">
             <a:ln>
               <a:noFill/>
             </a:ln>
@@ -11742,9 +11821,15 @@
         </a:lvl9pPr>
       </a:lstStyle>
       <a:style>
-        <a:lnRef idx="0"/>
-        <a:fillRef idx="0"/>
-        <a:effectRef idx="0"/>
+        <a:lnRef idx="0">
+          <a:scrgbClr r="0" g="0" b="0"/>
+        </a:lnRef>
+        <a:fillRef idx="0">
+          <a:scrgbClr r="0" g="0" b="0"/>
+        </a:fillRef>
+        <a:effectRef idx="0">
+          <a:scrgbClr r="0" g="0" b="0"/>
+        </a:effectRef>
         <a:fontRef idx="none"/>
       </a:style>
     </a:spDef>
@@ -11761,7 +11846,7 @@
         <a:effectLst/>
         <a:sp3d/>
       </a:spPr>
-      <a:bodyPr rot="0" spcFirstLastPara="1" vertOverflow="overflow" horzOverflow="overflow" vert="horz" wrap="square" lIns="91439" tIns="45719" rIns="91439" bIns="45719" numCol="1" spcCol="38100" rtlCol="0" anchor="t" upright="0">
+      <a:bodyPr rot="0" spcFirstLastPara="1" vertOverflow="overflow" horzOverflow="overflow" vert="horz" wrap="square" lIns="91439" tIns="45719" rIns="91439" bIns="45719" numCol="1" spcCol="38100" rtlCol="0" anchor="t">
         <a:noAutofit/>
       </a:bodyPr>
       <a:lstStyle>
@@ -11780,7 +11865,7 @@
           <a:buFontTx/>
           <a:buNone/>
           <a:tabLst/>
-          <a:defRPr b="0" baseline="0" cap="none" i="0" spc="0" strike="noStrike" sz="1800" u="none" kumimoji="0" normalizeH="0">
+          <a:defRPr kumimoji="0" sz="1800" b="0" i="0" u="none" strike="noStrike" cap="none" spc="0" normalizeH="0" baseline="0">
             <a:ln>
               <a:noFill/>
             </a:ln>
@@ -11806,7 +11891,7 @@
           <a:buFontTx/>
           <a:buNone/>
           <a:tabLst/>
-          <a:defRPr b="0" baseline="0" cap="none" i="0" spc="0" strike="noStrike" sz="1800" u="none" kumimoji="0" normalizeH="0">
+          <a:defRPr kumimoji="0" sz="1800" b="0" i="0" u="none" strike="noStrike" cap="none" spc="0" normalizeH="0" baseline="0">
             <a:ln>
               <a:noFill/>
             </a:ln>
@@ -11832,7 +11917,7 @@
           <a:buFontTx/>
           <a:buNone/>
           <a:tabLst/>
-          <a:defRPr b="0" baseline="0" cap="none" i="0" spc="0" strike="noStrike" sz="1800" u="none" kumimoji="0" normalizeH="0">
+          <a:defRPr kumimoji="0" sz="1800" b="0" i="0" u="none" strike="noStrike" cap="none" spc="0" normalizeH="0" baseline="0">
             <a:ln>
               <a:noFill/>
             </a:ln>
@@ -11858,7 +11943,7 @@
           <a:buFontTx/>
           <a:buNone/>
           <a:tabLst/>
-          <a:defRPr b="0" baseline="0" cap="none" i="0" spc="0" strike="noStrike" sz="1800" u="none" kumimoji="0" normalizeH="0">
+          <a:defRPr kumimoji="0" sz="1800" b="0" i="0" u="none" strike="noStrike" cap="none" spc="0" normalizeH="0" baseline="0">
             <a:ln>
               <a:noFill/>
             </a:ln>
@@ -11884,7 +11969,7 @@
           <a:buFontTx/>
           <a:buNone/>
           <a:tabLst/>
-          <a:defRPr b="0" baseline="0" cap="none" i="0" spc="0" strike="noStrike" sz="1800" u="none" kumimoji="0" normalizeH="0">
+          <a:defRPr kumimoji="0" sz="1800" b="0" i="0" u="none" strike="noStrike" cap="none" spc="0" normalizeH="0" baseline="0">
             <a:ln>
               <a:noFill/>
             </a:ln>
@@ -11910,7 +11995,7 @@
           <a:buFontTx/>
           <a:buNone/>
           <a:tabLst/>
-          <a:defRPr b="0" baseline="0" cap="none" i="0" spc="0" strike="noStrike" sz="1800" u="none" kumimoji="0" normalizeH="0">
+          <a:defRPr kumimoji="0" sz="1800" b="0" i="0" u="none" strike="noStrike" cap="none" spc="0" normalizeH="0" baseline="0">
             <a:ln>
               <a:noFill/>
             </a:ln>
@@ -11936,7 +12021,7 @@
           <a:buFontTx/>
           <a:buNone/>
           <a:tabLst/>
-          <a:defRPr b="0" baseline="0" cap="none" i="0" spc="0" strike="noStrike" sz="1800" u="none" kumimoji="0" normalizeH="0">
+          <a:defRPr kumimoji="0" sz="1800" b="0" i="0" u="none" strike="noStrike" cap="none" spc="0" normalizeH="0" baseline="0">
             <a:ln>
               <a:noFill/>
             </a:ln>
@@ -11962,7 +12047,7 @@
           <a:buFontTx/>
           <a:buNone/>
           <a:tabLst/>
-          <a:defRPr b="0" baseline="0" cap="none" i="0" spc="0" strike="noStrike" sz="1800" u="none" kumimoji="0" normalizeH="0">
+          <a:defRPr kumimoji="0" sz="1800" b="0" i="0" u="none" strike="noStrike" cap="none" spc="0" normalizeH="0" baseline="0">
             <a:ln>
               <a:noFill/>
             </a:ln>
@@ -11988,7 +12073,7 @@
           <a:buFontTx/>
           <a:buNone/>
           <a:tabLst/>
-          <a:defRPr b="0" baseline="0" cap="none" i="0" spc="0" strike="noStrike" sz="1800" u="none" kumimoji="0" normalizeH="0">
+          <a:defRPr kumimoji="0" sz="1800" b="0" i="0" u="none" strike="noStrike" cap="none" spc="0" normalizeH="0" baseline="0">
             <a:ln>
               <a:noFill/>
             </a:ln>
@@ -12014,7 +12099,7 @@
           <a:buFontTx/>
           <a:buNone/>
           <a:tabLst/>
-          <a:defRPr b="0" baseline="0" cap="none" i="0" spc="0" strike="noStrike" sz="1800" u="none" kumimoji="0" normalizeH="0">
+          <a:defRPr kumimoji="0" sz="1800" b="0" i="0" u="none" strike="noStrike" cap="none" spc="0" normalizeH="0" baseline="0">
             <a:ln>
               <a:noFill/>
             </a:ln>
@@ -12027,9 +12112,15 @@
         </a:lvl9pPr>
       </a:lstStyle>
       <a:style>
-        <a:lnRef idx="0"/>
-        <a:fillRef idx="0"/>
-        <a:effectRef idx="0"/>
+        <a:lnRef idx="0">
+          <a:scrgbClr r="0" g="0" b="0"/>
+        </a:lnRef>
+        <a:fillRef idx="0">
+          <a:scrgbClr r="0" g="0" b="0"/>
+        </a:fillRef>
+        <a:effectRef idx="0">
+          <a:scrgbClr r="0" g="0" b="0"/>
+        </a:effectRef>
         <a:fontRef idx="none"/>
       </a:style>
     </a:lnDef>
@@ -12043,7 +12134,7 @@
         <a:effectLst/>
         <a:sp3d/>
       </a:spPr>
-      <a:bodyPr rot="0" spcFirstLastPara="1" vertOverflow="overflow" horzOverflow="overflow" vert="horz" wrap="square" lIns="71437" tIns="71437" rIns="71437" bIns="71437" numCol="1" spcCol="38100" rtlCol="0" anchor="ctr" upright="0">
+      <a:bodyPr rot="0" spcFirstLastPara="1" vertOverflow="overflow" horzOverflow="overflow" vert="horz" wrap="square" lIns="71437" tIns="71437" rIns="71437" bIns="71437" numCol="1" spcCol="38100" rtlCol="0" anchor="ctr">
         <a:spAutoFit/>
       </a:bodyPr>
       <a:lstStyle>
@@ -12062,7 +12153,7 @@
           <a:buFontTx/>
           <a:buNone/>
           <a:tabLst/>
-          <a:defRPr b="0" baseline="0" cap="none" i="0" spc="0" strike="noStrike" sz="5000" u="none" kumimoji="0" normalizeH="0">
+          <a:defRPr kumimoji="0" sz="5000" b="0" i="0" u="none" strike="noStrike" cap="none" spc="0" normalizeH="0" baseline="0">
             <a:ln>
               <a:noFill/>
             </a:ln>
@@ -12092,7 +12183,7 @@
           <a:buFontTx/>
           <a:buNone/>
           <a:tabLst/>
-          <a:defRPr b="0" baseline="0" cap="none" i="0" spc="0" strike="noStrike" sz="1800" u="none" kumimoji="0" normalizeH="0">
+          <a:defRPr kumimoji="0" sz="1800" b="0" i="0" u="none" strike="noStrike" cap="none" spc="0" normalizeH="0" baseline="0">
             <a:ln>
               <a:noFill/>
             </a:ln>
@@ -12118,7 +12209,7 @@
           <a:buFontTx/>
           <a:buNone/>
           <a:tabLst/>
-          <a:defRPr b="0" baseline="0" cap="none" i="0" spc="0" strike="noStrike" sz="1800" u="none" kumimoji="0" normalizeH="0">
+          <a:defRPr kumimoji="0" sz="1800" b="0" i="0" u="none" strike="noStrike" cap="none" spc="0" normalizeH="0" baseline="0">
             <a:ln>
               <a:noFill/>
             </a:ln>
@@ -12144,7 +12235,7 @@
           <a:buFontTx/>
           <a:buNone/>
           <a:tabLst/>
-          <a:defRPr b="0" baseline="0" cap="none" i="0" spc="0" strike="noStrike" sz="1800" u="none" kumimoji="0" normalizeH="0">
+          <a:defRPr kumimoji="0" sz="1800" b="0" i="0" u="none" strike="noStrike" cap="none" spc="0" normalizeH="0" baseline="0">
             <a:ln>
               <a:noFill/>
             </a:ln>
@@ -12170,7 +12261,7 @@
           <a:buFontTx/>
           <a:buNone/>
           <a:tabLst/>
-          <a:defRPr b="0" baseline="0" cap="none" i="0" spc="0" strike="noStrike" sz="1800" u="none" kumimoji="0" normalizeH="0">
+          <a:defRPr kumimoji="0" sz="1800" b="0" i="0" u="none" strike="noStrike" cap="none" spc="0" normalizeH="0" baseline="0">
             <a:ln>
               <a:noFill/>
             </a:ln>
@@ -12196,7 +12287,7 @@
           <a:buFontTx/>
           <a:buNone/>
           <a:tabLst/>
-          <a:defRPr b="0" baseline="0" cap="none" i="0" spc="0" strike="noStrike" sz="1800" u="none" kumimoji="0" normalizeH="0">
+          <a:defRPr kumimoji="0" sz="1800" b="0" i="0" u="none" strike="noStrike" cap="none" spc="0" normalizeH="0" baseline="0">
             <a:ln>
               <a:noFill/>
             </a:ln>
@@ -12222,7 +12313,7 @@
           <a:buFontTx/>
           <a:buNone/>
           <a:tabLst/>
-          <a:defRPr b="0" baseline="0" cap="none" i="0" spc="0" strike="noStrike" sz="1800" u="none" kumimoji="0" normalizeH="0">
+          <a:defRPr kumimoji="0" sz="1800" b="0" i="0" u="none" strike="noStrike" cap="none" spc="0" normalizeH="0" baseline="0">
             <a:ln>
               <a:noFill/>
             </a:ln>
@@ -12248,7 +12339,7 @@
           <a:buFontTx/>
           <a:buNone/>
           <a:tabLst/>
-          <a:defRPr b="0" baseline="0" cap="none" i="0" spc="0" strike="noStrike" sz="1800" u="none" kumimoji="0" normalizeH="0">
+          <a:defRPr kumimoji="0" sz="1800" b="0" i="0" u="none" strike="noStrike" cap="none" spc="0" normalizeH="0" baseline="0">
             <a:ln>
               <a:noFill/>
             </a:ln>
@@ -12274,7 +12365,7 @@
           <a:buFontTx/>
           <a:buNone/>
           <a:tabLst/>
-          <a:defRPr b="0" baseline="0" cap="none" i="0" spc="0" strike="noStrike" sz="1800" u="none" kumimoji="0" normalizeH="0">
+          <a:defRPr kumimoji="0" sz="1800" b="0" i="0" u="none" strike="noStrike" cap="none" spc="0" normalizeH="0" baseline="0">
             <a:ln>
               <a:noFill/>
             </a:ln>
@@ -12300,7 +12391,7 @@
           <a:buFontTx/>
           <a:buNone/>
           <a:tabLst/>
-          <a:defRPr b="0" baseline="0" cap="none" i="0" spc="0" strike="noStrike" sz="1800" u="none" kumimoji="0" normalizeH="0">
+          <a:defRPr kumimoji="0" sz="1800" b="0" i="0" u="none" strike="noStrike" cap="none" spc="0" normalizeH="0" baseline="0">
             <a:ln>
               <a:noFill/>
             </a:ln>
@@ -12313,12 +12404,19 @@
         </a:lvl9pPr>
       </a:lstStyle>
       <a:style>
-        <a:lnRef idx="0"/>
-        <a:fillRef idx="0"/>
-        <a:effectRef idx="0"/>
+        <a:lnRef idx="0">
+          <a:scrgbClr r="0" g="0" b="0"/>
+        </a:lnRef>
+        <a:fillRef idx="0">
+          <a:scrgbClr r="0" g="0" b="0"/>
+        </a:fillRef>
+        <a:effectRef idx="0">
+          <a:scrgbClr r="0" g="0" b="0"/>
+        </a:effectRef>
         <a:fontRef idx="none"/>
       </a:style>
     </a:txDef>
   </a:objectDefaults>
+  <a:extraClrSchemeLst/>
 </a:theme>
 </file>